--- a/presentation/presi.pptx
+++ b/presentation/presi.pptx
@@ -6,16 +6,20 @@
   </p:sldMasterIdLst>
   <p:sldIdLst>
     <p:sldId id="256" r:id="rId2"/>
-    <p:sldId id="258" r:id="rId3"/>
-    <p:sldId id="257" r:id="rId4"/>
-    <p:sldId id="259" r:id="rId5"/>
-    <p:sldId id="260" r:id="rId6"/>
-    <p:sldId id="261" r:id="rId7"/>
-    <p:sldId id="262" r:id="rId8"/>
-    <p:sldId id="263" r:id="rId9"/>
-    <p:sldId id="264" r:id="rId10"/>
-    <p:sldId id="265" r:id="rId11"/>
-    <p:sldId id="266" r:id="rId12"/>
+    <p:sldId id="268" r:id="rId3"/>
+    <p:sldId id="258" r:id="rId4"/>
+    <p:sldId id="257" r:id="rId5"/>
+    <p:sldId id="269" r:id="rId6"/>
+    <p:sldId id="270" r:id="rId7"/>
+    <p:sldId id="271" r:id="rId8"/>
+    <p:sldId id="272" r:id="rId9"/>
+    <p:sldId id="273" r:id="rId10"/>
+    <p:sldId id="259" r:id="rId11"/>
+    <p:sldId id="261" r:id="rId12"/>
+    <p:sldId id="263" r:id="rId13"/>
+    <p:sldId id="264" r:id="rId14"/>
+    <p:sldId id="266" r:id="rId15"/>
+    <p:sldId id="267" r:id="rId16"/>
   </p:sldIdLst>
   <p:sldSz cx="12192000" cy="6858000"/>
   <p:notesSz cx="6858000" cy="9144000"/>
@@ -114,6 +118,11 @@
       </a:defRPr>
     </a:lvl9pPr>
   </p:defaultTextStyle>
+  <p:extLst>
+    <p:ext uri="{EFAFB233-063F-42B5-8137-9DF3F51BA10A}">
+      <p15:sldGuideLst xmlns:p15="http://schemas.microsoft.com/office/powerpoint/2012/main"/>
+    </p:ext>
+  </p:extLst>
 </p:presentation>
 </file>
 
@@ -266,7 +275,7 @@
           <a:p>
             <a:fld id="{CD55C027-60BE-334C-8065-2B4870E4CD6B}" type="datetimeFigureOut">
               <a:rPr lang="en-DE" smtClean="0"/>
-              <a:t>20.06.21</a:t>
+              <a:t>21.06.21</a:t>
             </a:fld>
             <a:endParaRPr lang="en-DE"/>
           </a:p>
@@ -466,7 +475,7 @@
           <a:p>
             <a:fld id="{CD55C027-60BE-334C-8065-2B4870E4CD6B}" type="datetimeFigureOut">
               <a:rPr lang="en-DE" smtClean="0"/>
-              <a:t>20.06.21</a:t>
+              <a:t>21.06.21</a:t>
             </a:fld>
             <a:endParaRPr lang="en-DE"/>
           </a:p>
@@ -676,7 +685,7 @@
           <a:p>
             <a:fld id="{CD55C027-60BE-334C-8065-2B4870E4CD6B}" type="datetimeFigureOut">
               <a:rPr lang="en-DE" smtClean="0"/>
-              <a:t>20.06.21</a:t>
+              <a:t>21.06.21</a:t>
             </a:fld>
             <a:endParaRPr lang="en-DE"/>
           </a:p>
@@ -876,7 +885,7 @@
           <a:p>
             <a:fld id="{CD55C027-60BE-334C-8065-2B4870E4CD6B}" type="datetimeFigureOut">
               <a:rPr lang="en-DE" smtClean="0"/>
-              <a:t>20.06.21</a:t>
+              <a:t>21.06.21</a:t>
             </a:fld>
             <a:endParaRPr lang="en-DE"/>
           </a:p>
@@ -1152,7 +1161,7 @@
           <a:p>
             <a:fld id="{CD55C027-60BE-334C-8065-2B4870E4CD6B}" type="datetimeFigureOut">
               <a:rPr lang="en-DE" smtClean="0"/>
-              <a:t>20.06.21</a:t>
+              <a:t>21.06.21</a:t>
             </a:fld>
             <a:endParaRPr lang="en-DE"/>
           </a:p>
@@ -1420,7 +1429,7 @@
           <a:p>
             <a:fld id="{CD55C027-60BE-334C-8065-2B4870E4CD6B}" type="datetimeFigureOut">
               <a:rPr lang="en-DE" smtClean="0"/>
-              <a:t>20.06.21</a:t>
+              <a:t>21.06.21</a:t>
             </a:fld>
             <a:endParaRPr lang="en-DE"/>
           </a:p>
@@ -1835,7 +1844,7 @@
           <a:p>
             <a:fld id="{CD55C027-60BE-334C-8065-2B4870E4CD6B}" type="datetimeFigureOut">
               <a:rPr lang="en-DE" smtClean="0"/>
-              <a:t>20.06.21</a:t>
+              <a:t>21.06.21</a:t>
             </a:fld>
             <a:endParaRPr lang="en-DE"/>
           </a:p>
@@ -1977,7 +1986,7 @@
           <a:p>
             <a:fld id="{CD55C027-60BE-334C-8065-2B4870E4CD6B}" type="datetimeFigureOut">
               <a:rPr lang="en-DE" smtClean="0"/>
-              <a:t>20.06.21</a:t>
+              <a:t>21.06.21</a:t>
             </a:fld>
             <a:endParaRPr lang="en-DE"/>
           </a:p>
@@ -2090,7 +2099,7 @@
           <a:p>
             <a:fld id="{CD55C027-60BE-334C-8065-2B4870E4CD6B}" type="datetimeFigureOut">
               <a:rPr lang="en-DE" smtClean="0"/>
-              <a:t>20.06.21</a:t>
+              <a:t>21.06.21</a:t>
             </a:fld>
             <a:endParaRPr lang="en-DE"/>
           </a:p>
@@ -2403,7 +2412,7 @@
           <a:p>
             <a:fld id="{CD55C027-60BE-334C-8065-2B4870E4CD6B}" type="datetimeFigureOut">
               <a:rPr lang="en-DE" smtClean="0"/>
-              <a:t>20.06.21</a:t>
+              <a:t>21.06.21</a:t>
             </a:fld>
             <a:endParaRPr lang="en-DE"/>
           </a:p>
@@ -2692,7 +2701,7 @@
           <a:p>
             <a:fld id="{CD55C027-60BE-334C-8065-2B4870E4CD6B}" type="datetimeFigureOut">
               <a:rPr lang="en-DE" smtClean="0"/>
-              <a:t>20.06.21</a:t>
+              <a:t>21.06.21</a:t>
             </a:fld>
             <a:endParaRPr lang="en-DE"/>
           </a:p>
@@ -2935,7 +2944,7 @@
           <a:p>
             <a:fld id="{CD55C027-60BE-334C-8065-2B4870E4CD6B}" type="datetimeFigureOut">
               <a:rPr lang="en-DE" smtClean="0"/>
-              <a:t>20.06.21</a:t>
+              <a:t>21.06.21</a:t>
             </a:fld>
             <a:endParaRPr lang="en-DE"/>
           </a:p>
@@ -3442,65 +3451,113 @@
       </p:grpSpPr>
       <p:sp>
         <p:nvSpPr>
-          <p:cNvPr id="4" name="Title 1">
-            <a:extLst>
-              <a:ext uri="{FF2B5EF4-FFF2-40B4-BE49-F238E27FC236}">
-                <a16:creationId xmlns:a16="http://schemas.microsoft.com/office/drawing/2014/main" id="{AF206EAB-2741-5C44-89C3-93147836BCB2}"/>
-              </a:ext>
-            </a:extLst>
-          </p:cNvPr>
-          <p:cNvSpPr txBox="1">
-            <a:spLocks/>
+          <p:cNvPr id="2" name="Title 1">
+            <a:extLst>
+              <a:ext uri="{FF2B5EF4-FFF2-40B4-BE49-F238E27FC236}">
+                <a16:creationId xmlns:a16="http://schemas.microsoft.com/office/drawing/2014/main" id="{08021691-589B-7841-8BAE-E2999CA34EA3}"/>
+              </a:ext>
+            </a:extLst>
+          </p:cNvPr>
+          <p:cNvSpPr>
+            <a:spLocks noGrp="1"/>
           </p:cNvSpPr>
+          <p:nvPr>
+            <p:ph type="title"/>
+          </p:nvPr>
+        </p:nvSpPr>
+        <p:spPr>
+          <a:xfrm>
+            <a:off x="0" y="0"/>
+            <a:ext cx="10515600" cy="1325563"/>
+          </a:xfrm>
+        </p:spPr>
+        <p:txBody>
+          <a:bodyPr/>
+          <a:lstStyle/>
+          <a:p>
+            <a:r>
+              <a:rPr lang="en-DE" dirty="0"/>
+              <a:t>Observed and modeled GPP</a:t>
+            </a:r>
+          </a:p>
+        </p:txBody>
+      </p:sp>
+      <p:sp>
+        <p:nvSpPr>
+          <p:cNvPr id="10" name="TextBox 9">
+            <a:extLst>
+              <a:ext uri="{FF2B5EF4-FFF2-40B4-BE49-F238E27FC236}">
+                <a16:creationId xmlns:a16="http://schemas.microsoft.com/office/drawing/2014/main" id="{D101336D-07C1-8842-B074-0F7EF3551BFC}"/>
+              </a:ext>
+            </a:extLst>
+          </p:cNvPr>
+          <p:cNvSpPr txBox="1"/>
           <p:nvPr/>
         </p:nvSpPr>
         <p:spPr>
           <a:xfrm>
-            <a:off x="949411" y="0"/>
-            <a:ext cx="10515600" cy="1325563"/>
+            <a:off x="309265" y="1323304"/>
+            <a:ext cx="3771090" cy="646331"/>
           </a:xfrm>
           <a:prstGeom prst="rect">
             <a:avLst/>
           </a:prstGeom>
-        </p:spPr>
-        <p:txBody>
-          <a:bodyPr vert="horz" lIns="91440" tIns="45720" rIns="91440" bIns="45720" rtlCol="0" anchor="ctr">
-            <a:normAutofit/>
+          <a:noFill/>
+        </p:spPr>
+        <p:txBody>
+          <a:bodyPr wrap="square" rtlCol="0">
+            <a:spAutoFit/>
           </a:bodyPr>
-          <a:lstStyle>
-            <a:lvl1pPr algn="l" defTabSz="914400" rtl="0" eaLnBrk="1" latinLnBrk="0" hangingPunct="1">
-              <a:lnSpc>
-                <a:spcPct val="90000"/>
-              </a:lnSpc>
-              <a:spcBef>
-                <a:spcPct val="0"/>
-              </a:spcBef>
-              <a:buNone/>
-              <a:defRPr sz="4400" kern="1200">
-                <a:solidFill>
-                  <a:schemeClr val="tx1"/>
-                </a:solidFill>
-                <a:latin typeface="+mj-lt"/>
-                <a:ea typeface="+mj-ea"/>
-                <a:cs typeface="+mj-cs"/>
-              </a:defRPr>
-            </a:lvl1pPr>
-          </a:lstStyle>
-          <a:p>
-            <a:r>
-              <a:rPr lang="en-DE"/>
-              <a:t>Partitioning climatic and biotic effects on GPP</a:t>
-            </a:r>
-            <a:endParaRPr lang="en-DE" dirty="0"/>
+          <a:lstStyle/>
+          <a:p>
+            <a:r>
+              <a:rPr lang="en-DE" dirty="0"/>
+              <a:t>13 years (2000-2012) of daily GPP measurements [2]</a:t>
+            </a:r>
+          </a:p>
+        </p:txBody>
+      </p:sp>
+      <p:sp>
+        <p:nvSpPr>
+          <p:cNvPr id="11" name="TextBox 10">
+            <a:extLst>
+              <a:ext uri="{FF2B5EF4-FFF2-40B4-BE49-F238E27FC236}">
+                <a16:creationId xmlns:a16="http://schemas.microsoft.com/office/drawing/2014/main" id="{267668A8-4D4E-6849-8929-BC928FEBF790}"/>
+              </a:ext>
+            </a:extLst>
+          </p:cNvPr>
+          <p:cNvSpPr txBox="1"/>
+          <p:nvPr/>
+        </p:nvSpPr>
+        <p:spPr>
+          <a:xfrm>
+            <a:off x="4389619" y="1323304"/>
+            <a:ext cx="3839981" cy="646331"/>
+          </a:xfrm>
+          <a:prstGeom prst="rect">
+            <a:avLst/>
+          </a:prstGeom>
+          <a:noFill/>
+        </p:spPr>
+        <p:txBody>
+          <a:bodyPr wrap="square" rtlCol="0">
+            <a:spAutoFit/>
+          </a:bodyPr>
+          <a:lstStyle/>
+          <a:p>
+            <a:r>
+              <a:rPr lang="en-DE" dirty="0"/>
+              <a:t>PRELES predictions for 13 years (2000-2012) of associated climatic states </a:t>
+            </a:r>
           </a:p>
         </p:txBody>
       </p:sp>
       <p:pic>
         <p:nvPicPr>
-          <p:cNvPr id="6" name="Picture 5" descr="Chart, box and whisker chart&#10;&#10;Description automatically generated">
-            <a:extLst>
-              <a:ext uri="{FF2B5EF4-FFF2-40B4-BE49-F238E27FC236}">
-                <a16:creationId xmlns:a16="http://schemas.microsoft.com/office/drawing/2014/main" id="{99A717E9-E678-C049-9968-CB56A8F36A08}"/>
+          <p:cNvPr id="12" name="Picture 11" descr="Chart, histogram&#10;&#10;Description automatically generated">
+            <a:extLst>
+              <a:ext uri="{FF2B5EF4-FFF2-40B4-BE49-F238E27FC236}">
+                <a16:creationId xmlns:a16="http://schemas.microsoft.com/office/drawing/2014/main" id="{CFF295B4-3CCD-C24E-9AE0-38A8F9ECB158}"/>
               </a:ext>
             </a:extLst>
           </p:cNvPr>
@@ -3517,18 +3574,113 @@
         </p:blipFill>
         <p:spPr>
           <a:xfrm>
-            <a:off x="2900234" y="2197851"/>
-            <a:ext cx="5193442" cy="3258108"/>
+            <a:off x="8001413" y="2336710"/>
+            <a:ext cx="3962778" cy="2922549"/>
           </a:xfrm>
           <a:prstGeom prst="rect">
             <a:avLst/>
           </a:prstGeom>
         </p:spPr>
       </p:pic>
+      <p:pic>
+        <p:nvPicPr>
+          <p:cNvPr id="14" name="Picture 13" descr="Chart, histogram&#10;&#10;Description automatically generated">
+            <a:extLst>
+              <a:ext uri="{FF2B5EF4-FFF2-40B4-BE49-F238E27FC236}">
+                <a16:creationId xmlns:a16="http://schemas.microsoft.com/office/drawing/2014/main" id="{30E98AAA-6D40-2A42-953D-AA6B95FAA9B0}"/>
+              </a:ext>
+            </a:extLst>
+          </p:cNvPr>
+          <p:cNvPicPr>
+            <a:picLocks noChangeAspect="1"/>
+          </p:cNvPicPr>
+          <p:nvPr/>
+        </p:nvPicPr>
+        <p:blipFill>
+          <a:blip r:embed="rId3"/>
+          <a:stretch>
+            <a:fillRect/>
+          </a:stretch>
+        </p:blipFill>
+        <p:spPr>
+          <a:xfrm>
+            <a:off x="4038635" y="2336709"/>
+            <a:ext cx="3962778" cy="2922549"/>
+          </a:xfrm>
+          <a:prstGeom prst="rect">
+            <a:avLst/>
+          </a:prstGeom>
+        </p:spPr>
+      </p:pic>
+      <p:pic>
+        <p:nvPicPr>
+          <p:cNvPr id="16" name="Picture 15" descr="Chart, histogram&#10;&#10;Description automatically generated">
+            <a:extLst>
+              <a:ext uri="{FF2B5EF4-FFF2-40B4-BE49-F238E27FC236}">
+                <a16:creationId xmlns:a16="http://schemas.microsoft.com/office/drawing/2014/main" id="{F93DFCF0-9C26-5945-84A7-4F90AF478476}"/>
+              </a:ext>
+            </a:extLst>
+          </p:cNvPr>
+          <p:cNvPicPr>
+            <a:picLocks noChangeAspect="1"/>
+          </p:cNvPicPr>
+          <p:nvPr/>
+        </p:nvPicPr>
+        <p:blipFill>
+          <a:blip r:embed="rId4"/>
+          <a:stretch>
+            <a:fillRect/>
+          </a:stretch>
+        </p:blipFill>
+        <p:spPr>
+          <a:xfrm>
+            <a:off x="0" y="2336709"/>
+            <a:ext cx="3962778" cy="2922549"/>
+          </a:xfrm>
+          <a:prstGeom prst="rect">
+            <a:avLst/>
+          </a:prstGeom>
+        </p:spPr>
+      </p:pic>
+      <p:sp>
+        <p:nvSpPr>
+          <p:cNvPr id="17" name="TextBox 16">
+            <a:extLst>
+              <a:ext uri="{FF2B5EF4-FFF2-40B4-BE49-F238E27FC236}">
+                <a16:creationId xmlns:a16="http://schemas.microsoft.com/office/drawing/2014/main" id="{A621E149-13EC-9C40-AE0C-E34E053754B6}"/>
+              </a:ext>
+            </a:extLst>
+          </p:cNvPr>
+          <p:cNvSpPr txBox="1"/>
+          <p:nvPr/>
+        </p:nvSpPr>
+        <p:spPr>
+          <a:xfrm>
+            <a:off x="8352019" y="1325563"/>
+            <a:ext cx="3839981" cy="923330"/>
+          </a:xfrm>
+          <a:prstGeom prst="rect">
+            <a:avLst/>
+          </a:prstGeom>
+          <a:noFill/>
+        </p:spPr>
+        <p:txBody>
+          <a:bodyPr wrap="square" rtlCol="0">
+            <a:spAutoFit/>
+          </a:bodyPr>
+          <a:lstStyle/>
+          <a:p>
+            <a:r>
+              <a:rPr lang="en-DE" dirty="0"/>
+              <a:t>Neural network predictions for 13 years (2000-2012) of associated climatic states</a:t>
+            </a:r>
+          </a:p>
+        </p:txBody>
+      </p:sp>
     </p:spTree>
     <p:extLst>
       <p:ext uri="{BB962C8B-B14F-4D97-AF65-F5344CB8AC3E}">
-        <p14:creationId xmlns:p14="http://schemas.microsoft.com/office/powerpoint/2010/main" val="1206143442"/>
+        <p14:creationId xmlns:p14="http://schemas.microsoft.com/office/powerpoint/2010/main" val="2266366255"/>
       </p:ext>
     </p:extLst>
   </p:cSld>
@@ -3555,12 +3707,412 @@
           <a:chExt cx="0" cy="0"/>
         </a:xfrm>
       </p:grpSpPr>
-      <p:sp>
-        <p:nvSpPr>
-          <p:cNvPr id="4" name="Title 1">
-            <a:extLst>
-              <a:ext uri="{FF2B5EF4-FFF2-40B4-BE49-F238E27FC236}">
-                <a16:creationId xmlns:a16="http://schemas.microsoft.com/office/drawing/2014/main" id="{AF206EAB-2741-5C44-89C3-93147836BCB2}"/>
+      <p:pic>
+        <p:nvPicPr>
+          <p:cNvPr id="5" name="Picture 4" descr="Histogram&#10;&#10;Description automatically generated with medium confidence">
+            <a:extLst>
+              <a:ext uri="{FF2B5EF4-FFF2-40B4-BE49-F238E27FC236}">
+                <a16:creationId xmlns:a16="http://schemas.microsoft.com/office/drawing/2014/main" id="{0FA0C3B4-A1A4-8A43-87C6-6A92A5543F75}"/>
+              </a:ext>
+            </a:extLst>
+          </p:cNvPr>
+          <p:cNvPicPr>
+            <a:picLocks noChangeAspect="1"/>
+          </p:cNvPicPr>
+          <p:nvPr/>
+        </p:nvPicPr>
+        <p:blipFill>
+          <a:blip r:embed="rId2"/>
+          <a:stretch>
+            <a:fillRect/>
+          </a:stretch>
+        </p:blipFill>
+        <p:spPr>
+          <a:xfrm>
+            <a:off x="4338225" y="4064823"/>
+            <a:ext cx="3300118" cy="2348969"/>
+          </a:xfrm>
+          <a:prstGeom prst="rect">
+            <a:avLst/>
+          </a:prstGeom>
+        </p:spPr>
+      </p:pic>
+      <p:pic>
+        <p:nvPicPr>
+          <p:cNvPr id="7" name="Picture 6" descr="Chart, histogram&#10;&#10;Description automatically generated">
+            <a:extLst>
+              <a:ext uri="{FF2B5EF4-FFF2-40B4-BE49-F238E27FC236}">
+                <a16:creationId xmlns:a16="http://schemas.microsoft.com/office/drawing/2014/main" id="{941A4E06-1839-5345-818C-4068FD19255E}"/>
+              </a:ext>
+            </a:extLst>
+          </p:cNvPr>
+          <p:cNvPicPr>
+            <a:picLocks noChangeAspect="1"/>
+          </p:cNvPicPr>
+          <p:nvPr/>
+        </p:nvPicPr>
+        <p:blipFill>
+          <a:blip r:embed="rId3"/>
+          <a:stretch>
+            <a:fillRect/>
+          </a:stretch>
+        </p:blipFill>
+        <p:spPr>
+          <a:xfrm>
+            <a:off x="8127953" y="3796109"/>
+            <a:ext cx="3763872" cy="2696341"/>
+          </a:xfrm>
+          <a:prstGeom prst="rect">
+            <a:avLst/>
+          </a:prstGeom>
+        </p:spPr>
+      </p:pic>
+      <p:pic>
+        <p:nvPicPr>
+          <p:cNvPr id="9" name="Picture 8" descr="Chart&#10;&#10;Description automatically generated">
+            <a:extLst>
+              <a:ext uri="{FF2B5EF4-FFF2-40B4-BE49-F238E27FC236}">
+                <a16:creationId xmlns:a16="http://schemas.microsoft.com/office/drawing/2014/main" id="{93682B26-7328-834A-97F7-FA5829CFAA44}"/>
+              </a:ext>
+            </a:extLst>
+          </p:cNvPr>
+          <p:cNvPicPr>
+            <a:picLocks noChangeAspect="1"/>
+          </p:cNvPicPr>
+          <p:nvPr/>
+        </p:nvPicPr>
+        <p:blipFill>
+          <a:blip r:embed="rId4"/>
+          <a:stretch>
+            <a:fillRect/>
+          </a:stretch>
+        </p:blipFill>
+        <p:spPr>
+          <a:xfrm>
+            <a:off x="8309065" y="1196698"/>
+            <a:ext cx="3582760" cy="2566597"/>
+          </a:xfrm>
+          <a:prstGeom prst="rect">
+            <a:avLst/>
+          </a:prstGeom>
+        </p:spPr>
+      </p:pic>
+      <p:pic>
+        <p:nvPicPr>
+          <p:cNvPr id="11" name="Picture 10" descr="Chart, histogram&#10;&#10;Description automatically generated">
+            <a:extLst>
+              <a:ext uri="{FF2B5EF4-FFF2-40B4-BE49-F238E27FC236}">
+                <a16:creationId xmlns:a16="http://schemas.microsoft.com/office/drawing/2014/main" id="{16051A7A-4BF8-8647-B926-E1DD4D2881FB}"/>
+              </a:ext>
+            </a:extLst>
+          </p:cNvPr>
+          <p:cNvPicPr>
+            <a:picLocks noChangeAspect="1"/>
+          </p:cNvPicPr>
+          <p:nvPr/>
+        </p:nvPicPr>
+        <p:blipFill>
+          <a:blip r:embed="rId5"/>
+          <a:stretch>
+            <a:fillRect/>
+          </a:stretch>
+        </p:blipFill>
+        <p:spPr>
+          <a:xfrm>
+            <a:off x="4338225" y="1163885"/>
+            <a:ext cx="3674371" cy="2632224"/>
+          </a:xfrm>
+          <a:prstGeom prst="rect">
+            <a:avLst/>
+          </a:prstGeom>
+        </p:spPr>
+      </p:pic>
+      <p:pic>
+        <p:nvPicPr>
+          <p:cNvPr id="13" name="Picture 12" descr="Chart&#10;&#10;Description automatically generated">
+            <a:extLst>
+              <a:ext uri="{FF2B5EF4-FFF2-40B4-BE49-F238E27FC236}">
+                <a16:creationId xmlns:a16="http://schemas.microsoft.com/office/drawing/2014/main" id="{560A0714-E0A4-7240-AAEF-530E18D15B63}"/>
+              </a:ext>
+            </a:extLst>
+          </p:cNvPr>
+          <p:cNvPicPr>
+            <a:picLocks noChangeAspect="1"/>
+          </p:cNvPicPr>
+          <p:nvPr/>
+        </p:nvPicPr>
+        <p:blipFill>
+          <a:blip r:embed="rId6"/>
+          <a:stretch>
+            <a:fillRect/>
+          </a:stretch>
+        </p:blipFill>
+        <p:spPr>
+          <a:xfrm>
+            <a:off x="458996" y="1196699"/>
+            <a:ext cx="3582760" cy="2566597"/>
+          </a:xfrm>
+          <a:prstGeom prst="rect">
+            <a:avLst/>
+          </a:prstGeom>
+        </p:spPr>
+      </p:pic>
+      <p:sp>
+        <p:nvSpPr>
+          <p:cNvPr id="8" name="Title 1">
+            <a:extLst>
+              <a:ext uri="{FF2B5EF4-FFF2-40B4-BE49-F238E27FC236}">
+                <a16:creationId xmlns:a16="http://schemas.microsoft.com/office/drawing/2014/main" id="{5B42A70E-096D-464A-A24B-54C6C88ED3BB}"/>
+              </a:ext>
+            </a:extLst>
+          </p:cNvPr>
+          <p:cNvSpPr>
+            <a:spLocks noGrp="1"/>
+          </p:cNvSpPr>
+          <p:nvPr>
+            <p:ph type="title"/>
+          </p:nvPr>
+        </p:nvSpPr>
+        <p:spPr>
+          <a:xfrm>
+            <a:off x="-1" y="0"/>
+            <a:ext cx="11891825" cy="1325563"/>
+          </a:xfrm>
+        </p:spPr>
+        <p:txBody>
+          <a:bodyPr/>
+          <a:lstStyle/>
+          <a:p>
+            <a:r>
+              <a:rPr lang="en-DE" dirty="0"/>
+              <a:t>Represented relations in modeled GPP: Time-series of correlation coefficients</a:t>
+            </a:r>
+          </a:p>
+        </p:txBody>
+      </p:sp>
+      <p:sp>
+        <p:nvSpPr>
+          <p:cNvPr id="2" name="TextBox 1">
+            <a:extLst>
+              <a:ext uri="{FF2B5EF4-FFF2-40B4-BE49-F238E27FC236}">
+                <a16:creationId xmlns:a16="http://schemas.microsoft.com/office/drawing/2014/main" id="{2967E488-6D03-6F46-BE81-F348FC82E098}"/>
+              </a:ext>
+            </a:extLst>
+          </p:cNvPr>
+          <p:cNvSpPr txBox="1"/>
+          <p:nvPr/>
+        </p:nvSpPr>
+        <p:spPr>
+          <a:xfrm>
+            <a:off x="926377" y="4221331"/>
+            <a:ext cx="2647998" cy="1477328"/>
+          </a:xfrm>
+          <a:prstGeom prst="rect">
+            <a:avLst/>
+          </a:prstGeom>
+          <a:noFill/>
+        </p:spPr>
+        <p:txBody>
+          <a:bodyPr wrap="square" rtlCol="0">
+            <a:spAutoFit/>
+          </a:bodyPr>
+          <a:lstStyle/>
+          <a:p>
+            <a:r>
+              <a:rPr lang="en-DE" dirty="0"/>
+              <a:t>Bivariate correlation of the total sum of GPP with the mean climate state of each climate dimension in a 30-day moving window</a:t>
+            </a:r>
+          </a:p>
+        </p:txBody>
+      </p:sp>
+    </p:spTree>
+    <p:extLst>
+      <p:ext uri="{BB962C8B-B14F-4D97-AF65-F5344CB8AC3E}">
+        <p14:creationId xmlns:p14="http://schemas.microsoft.com/office/powerpoint/2010/main" val="927236568"/>
+      </p:ext>
+    </p:extLst>
+  </p:cSld>
+  <p:clrMapOvr>
+    <a:masterClrMapping/>
+  </p:clrMapOvr>
+</p:sld>
+</file>
+
+<file path=ppt/slides/slide12.xml><?xml version="1.0" encoding="utf-8"?>
+<p:sld xmlns:a="http://schemas.openxmlformats.org/drawingml/2006/main" xmlns:r="http://schemas.openxmlformats.org/officeDocument/2006/relationships" xmlns:p="http://schemas.openxmlformats.org/presentationml/2006/main">
+  <p:cSld>
+    <p:spTree>
+      <p:nvGrpSpPr>
+        <p:cNvPr id="1" name=""/>
+        <p:cNvGrpSpPr/>
+        <p:nvPr/>
+      </p:nvGrpSpPr>
+      <p:grpSpPr>
+        <a:xfrm>
+          <a:off x="0" y="0"/>
+          <a:ext cx="0" cy="0"/>
+          <a:chOff x="0" y="0"/>
+          <a:chExt cx="0" cy="0"/>
+        </a:xfrm>
+      </p:grpSpPr>
+      <p:pic>
+        <p:nvPicPr>
+          <p:cNvPr id="5" name="Picture 4" descr="Chart, histogram&#10;&#10;Description automatically generated">
+            <a:extLst>
+              <a:ext uri="{FF2B5EF4-FFF2-40B4-BE49-F238E27FC236}">
+                <a16:creationId xmlns:a16="http://schemas.microsoft.com/office/drawing/2014/main" id="{F0D374EF-330D-6849-8EB1-AAA9BA21633E}"/>
+              </a:ext>
+            </a:extLst>
+          </p:cNvPr>
+          <p:cNvPicPr>
+            <a:picLocks noChangeAspect="1"/>
+          </p:cNvPicPr>
+          <p:nvPr/>
+        </p:nvPicPr>
+        <p:blipFill>
+          <a:blip r:embed="rId2"/>
+          <a:stretch>
+            <a:fillRect/>
+          </a:stretch>
+        </p:blipFill>
+        <p:spPr>
+          <a:xfrm>
+            <a:off x="900232" y="1668754"/>
+            <a:ext cx="3454019" cy="2338659"/>
+          </a:xfrm>
+          <a:prstGeom prst="rect">
+            <a:avLst/>
+          </a:prstGeom>
+        </p:spPr>
+      </p:pic>
+      <p:cxnSp>
+        <p:nvCxnSpPr>
+          <p:cNvPr id="7" name="Straight Connector 6">
+            <a:extLst>
+              <a:ext uri="{FF2B5EF4-FFF2-40B4-BE49-F238E27FC236}">
+                <a16:creationId xmlns:a16="http://schemas.microsoft.com/office/drawing/2014/main" id="{1E792950-4B41-7C4F-AC03-7C83C5E94030}"/>
+              </a:ext>
+            </a:extLst>
+          </p:cNvPr>
+          <p:cNvCxnSpPr>
+            <a:cxnSpLocks/>
+          </p:cNvCxnSpPr>
+          <p:nvPr/>
+        </p:nvCxnSpPr>
+        <p:spPr>
+          <a:xfrm>
+            <a:off x="2797327" y="1775406"/>
+            <a:ext cx="0" cy="1788867"/>
+          </a:xfrm>
+          <a:prstGeom prst="line">
+            <a:avLst/>
+          </a:prstGeom>
+          <a:ln w="28575">
+            <a:solidFill>
+              <a:srgbClr val="C00000"/>
+            </a:solidFill>
+            <a:prstDash val="dash"/>
+          </a:ln>
+        </p:spPr>
+        <p:style>
+          <a:lnRef idx="1">
+            <a:schemeClr val="accent1"/>
+          </a:lnRef>
+          <a:fillRef idx="0">
+            <a:schemeClr val="accent1"/>
+          </a:fillRef>
+          <a:effectRef idx="0">
+            <a:schemeClr val="accent1"/>
+          </a:effectRef>
+          <a:fontRef idx="minor">
+            <a:schemeClr val="tx1"/>
+          </a:fontRef>
+        </p:style>
+      </p:cxnSp>
+      <p:sp>
+        <p:nvSpPr>
+          <p:cNvPr id="8" name="TextBox 7">
+            <a:extLst>
+              <a:ext uri="{FF2B5EF4-FFF2-40B4-BE49-F238E27FC236}">
+                <a16:creationId xmlns:a16="http://schemas.microsoft.com/office/drawing/2014/main" id="{BC7BDCB1-F888-DC48-9B85-18AD4AF9E779}"/>
+              </a:ext>
+            </a:extLst>
+          </p:cNvPr>
+          <p:cNvSpPr txBox="1"/>
+          <p:nvPr/>
+        </p:nvSpPr>
+        <p:spPr>
+          <a:xfrm>
+            <a:off x="1771964" y="3833330"/>
+            <a:ext cx="423116" cy="369332"/>
+          </a:xfrm>
+          <a:prstGeom prst="rect">
+            <a:avLst/>
+          </a:prstGeom>
+          <a:noFill/>
+        </p:spPr>
+        <p:txBody>
+          <a:bodyPr wrap="square" rtlCol="0">
+            <a:spAutoFit/>
+          </a:bodyPr>
+          <a:lstStyle/>
+          <a:p>
+            <a:r>
+              <a:rPr lang="en-DE" dirty="0">
+                <a:solidFill>
+                  <a:srgbClr val="C00000"/>
+                </a:solidFill>
+              </a:rPr>
+              <a:t>p1</a:t>
+            </a:r>
+          </a:p>
+        </p:txBody>
+      </p:sp>
+      <p:sp>
+        <p:nvSpPr>
+          <p:cNvPr id="9" name="TextBox 8">
+            <a:extLst>
+              <a:ext uri="{FF2B5EF4-FFF2-40B4-BE49-F238E27FC236}">
+                <a16:creationId xmlns:a16="http://schemas.microsoft.com/office/drawing/2014/main" id="{7B9A39DD-5157-D749-A3C3-5DE9E3CAE665}"/>
+              </a:ext>
+            </a:extLst>
+          </p:cNvPr>
+          <p:cNvSpPr txBox="1"/>
+          <p:nvPr/>
+        </p:nvSpPr>
+        <p:spPr>
+          <a:xfrm>
+            <a:off x="3414005" y="3833330"/>
+            <a:ext cx="423116" cy="369332"/>
+          </a:xfrm>
+          <a:prstGeom prst="rect">
+            <a:avLst/>
+          </a:prstGeom>
+          <a:noFill/>
+        </p:spPr>
+        <p:txBody>
+          <a:bodyPr wrap="square" rtlCol="0">
+            <a:spAutoFit/>
+          </a:bodyPr>
+          <a:lstStyle/>
+          <a:p>
+            <a:r>
+              <a:rPr lang="en-DE" dirty="0">
+                <a:solidFill>
+                  <a:srgbClr val="C00000"/>
+                </a:solidFill>
+              </a:rPr>
+              <a:t>p2</a:t>
+            </a:r>
+          </a:p>
+        </p:txBody>
+      </p:sp>
+      <p:sp>
+        <p:nvSpPr>
+          <p:cNvPr id="13" name="Title 1">
+            <a:extLst>
+              <a:ext uri="{FF2B5EF4-FFF2-40B4-BE49-F238E27FC236}">
+                <a16:creationId xmlns:a16="http://schemas.microsoft.com/office/drawing/2014/main" id="{26FA6C61-512D-2140-A96C-D66A69188103}"/>
               </a:ext>
             </a:extLst>
           </p:cNvPr>
@@ -3571,8 +4123,8 @@
         </p:nvSpPr>
         <p:spPr>
           <a:xfrm>
-            <a:off x="949411" y="0"/>
-            <a:ext cx="10515600" cy="1325563"/>
+            <a:off x="-1" y="0"/>
+            <a:ext cx="12191999" cy="1325563"/>
           </a:xfrm>
           <a:prstGeom prst="rect">
             <a:avLst/>
@@ -3603,19 +4155,742 @@
           </a:lstStyle>
           <a:p>
             <a:r>
-              <a:rPr lang="en-DE"/>
-              <a:t>Partitioning climatic and biotic effects on GPP</a:t>
-            </a:r>
-            <a:endParaRPr lang="en-DE" dirty="0"/>
-          </a:p>
-        </p:txBody>
-      </p:sp>
+              <a:rPr lang="en-DE" dirty="0"/>
+              <a:t>Partitioning effects on intra-annual variability in GPP</a:t>
+            </a:r>
+          </a:p>
+        </p:txBody>
+      </p:sp>
+      <p:sp>
+        <p:nvSpPr>
+          <p:cNvPr id="2" name="TextBox 1">
+            <a:extLst>
+              <a:ext uri="{FF2B5EF4-FFF2-40B4-BE49-F238E27FC236}">
+                <a16:creationId xmlns:a16="http://schemas.microsoft.com/office/drawing/2014/main" id="{A4BA852D-51A4-1146-A01C-884AD0F75DC6}"/>
+              </a:ext>
+            </a:extLst>
+          </p:cNvPr>
+          <p:cNvSpPr txBox="1"/>
+          <p:nvPr/>
+        </p:nvSpPr>
+        <p:spPr>
+          <a:xfrm>
+            <a:off x="78658" y="1278540"/>
+            <a:ext cx="8882111" cy="369332"/>
+          </a:xfrm>
+          <a:prstGeom prst="rect">
+            <a:avLst/>
+          </a:prstGeom>
+          <a:noFill/>
+        </p:spPr>
+        <p:txBody>
+          <a:bodyPr wrap="none" rtlCol="0">
+            <a:spAutoFit/>
+          </a:bodyPr>
+          <a:lstStyle/>
+          <a:p>
+            <a:r>
+              <a:rPr lang="en-DE" dirty="0"/>
+              <a:t>How much of the intra-annual variation can be attributed to ecosystem functional changes?</a:t>
+            </a:r>
+          </a:p>
+        </p:txBody>
+      </p:sp>
+      <p:sp>
+        <p:nvSpPr>
+          <p:cNvPr id="3" name="TextBox 2">
+            <a:extLst>
+              <a:ext uri="{FF2B5EF4-FFF2-40B4-BE49-F238E27FC236}">
+                <a16:creationId xmlns:a16="http://schemas.microsoft.com/office/drawing/2014/main" id="{149F1F4D-A6B3-D744-83F1-279E225AC9A1}"/>
+              </a:ext>
+            </a:extLst>
+          </p:cNvPr>
+          <p:cNvSpPr txBox="1"/>
+          <p:nvPr/>
+        </p:nvSpPr>
+        <p:spPr>
+          <a:xfrm>
+            <a:off x="5295417" y="1927456"/>
+            <a:ext cx="1089850" cy="369332"/>
+          </a:xfrm>
+          <a:prstGeom prst="rect">
+            <a:avLst/>
+          </a:prstGeom>
+          <a:noFill/>
+        </p:spPr>
+        <p:txBody>
+          <a:bodyPr wrap="none" rtlCol="0">
+            <a:spAutoFit/>
+          </a:bodyPr>
+          <a:lstStyle/>
+          <a:p>
+            <a:r>
+              <a:rPr lang="en-DE" dirty="0"/>
+              <a:t>Approach</a:t>
+            </a:r>
+          </a:p>
+        </p:txBody>
+      </p:sp>
+      <mc:AlternateContent xmlns:mc="http://schemas.openxmlformats.org/markup-compatibility/2006">
+        <mc:Choice xmlns:a14="http://schemas.microsoft.com/office/drawing/2010/main" Requires="a14">
+          <p:sp>
+            <p:nvSpPr>
+              <p:cNvPr id="4" name="TextBox 3">
+                <a:extLst>
+                  <a:ext uri="{FF2B5EF4-FFF2-40B4-BE49-F238E27FC236}">
+                    <a16:creationId xmlns:a16="http://schemas.microsoft.com/office/drawing/2014/main" id="{34B654F4-5E04-264A-969B-C120975F7AEC}"/>
+                  </a:ext>
+                </a:extLst>
+              </p:cNvPr>
+              <p:cNvSpPr txBox="1"/>
+              <p:nvPr/>
+            </p:nvSpPr>
+            <p:spPr>
+              <a:xfrm>
+                <a:off x="5544746" y="2460226"/>
+                <a:ext cx="5775940" cy="1382045"/>
+              </a:xfrm>
+              <a:prstGeom prst="rect">
+                <a:avLst/>
+              </a:prstGeom>
+              <a:noFill/>
+            </p:spPr>
+            <p:txBody>
+              <a:bodyPr wrap="none" rtlCol="0">
+                <a:spAutoFit/>
+              </a:bodyPr>
+              <a:lstStyle/>
+              <a:p>
+                <a:pPr marL="285750" indent="-285750">
+                  <a:buFont typeface="Wingdings" pitchFamily="2" charset="2"/>
+                  <a:buChar char="§"/>
+                </a:pPr>
+                <a:r>
+                  <a:rPr lang="en-DE" dirty="0"/>
+                  <a:t>Develop one model </a:t>
+                </a:r>
+                <a14:m>
+                  <m:oMath xmlns:m="http://schemas.openxmlformats.org/officeDocument/2006/math">
+                    <m:r>
+                      <m:rPr>
+                        <m:sty m:val="p"/>
+                      </m:rPr>
+                      <a:rPr lang="de-DE" b="0" i="0" smtClean="0">
+                        <a:latin typeface="Cambria Math" panose="02040503050406030204" pitchFamily="18" charset="0"/>
+                      </a:rPr>
+                      <m:t>m</m:t>
+                    </m:r>
+                    <m:r>
+                      <a:rPr lang="de-DE" i="1">
+                        <a:latin typeface="Cambria Math" panose="02040503050406030204" pitchFamily="18" charset="0"/>
+                      </a:rPr>
+                      <m:t>1 </m:t>
+                    </m:r>
+                  </m:oMath>
+                </a14:m>
+                <a:r>
+                  <a:rPr lang="en-DE" dirty="0"/>
+                  <a:t>for </a:t>
+                </a:r>
+                <a14:m>
+                  <m:oMath xmlns:m="http://schemas.openxmlformats.org/officeDocument/2006/math">
+                    <m:r>
+                      <a:rPr lang="de-DE" b="0" i="1" smtClean="0">
+                        <a:latin typeface="Cambria Math" panose="02040503050406030204" pitchFamily="18" charset="0"/>
+                      </a:rPr>
+                      <m:t>𝑝</m:t>
+                    </m:r>
+                    <m:r>
+                      <a:rPr lang="de-DE" b="0" i="1" smtClean="0">
+                        <a:latin typeface="Cambria Math" panose="02040503050406030204" pitchFamily="18" charset="0"/>
+                      </a:rPr>
+                      <m:t>1 </m:t>
+                    </m:r>
+                  </m:oMath>
+                </a14:m>
+                <a:r>
+                  <a:rPr lang="en-DE" dirty="0"/>
+                  <a:t>and one model </a:t>
+                </a:r>
+                <a14:m>
+                  <m:oMath xmlns:m="http://schemas.openxmlformats.org/officeDocument/2006/math">
+                    <m:r>
+                      <m:rPr>
+                        <m:sty m:val="p"/>
+                      </m:rPr>
+                      <a:rPr lang="de-DE">
+                        <a:latin typeface="Cambria Math" panose="02040503050406030204" pitchFamily="18" charset="0"/>
+                      </a:rPr>
+                      <m:t>m</m:t>
+                    </m:r>
+                    <m:r>
+                      <a:rPr lang="de-DE" b="0" i="1" smtClean="0">
+                        <a:latin typeface="Cambria Math" panose="02040503050406030204" pitchFamily="18" charset="0"/>
+                      </a:rPr>
+                      <m:t>2</m:t>
+                    </m:r>
+                  </m:oMath>
+                </a14:m>
+                <a:r>
+                  <a:rPr lang="en-DE" dirty="0"/>
+                  <a:t> for</a:t>
+                </a:r>
+                <a14:m>
+                  <m:oMath xmlns:m="http://schemas.openxmlformats.org/officeDocument/2006/math">
+                    <m:r>
+                      <a:rPr lang="de-DE" b="0" i="0" smtClean="0">
+                        <a:latin typeface="Cambria Math" panose="02040503050406030204" pitchFamily="18" charset="0"/>
+                      </a:rPr>
+                      <m:t> </m:t>
+                    </m:r>
+                    <m:r>
+                      <a:rPr lang="de-DE" i="1">
+                        <a:latin typeface="Cambria Math" panose="02040503050406030204" pitchFamily="18" charset="0"/>
+                      </a:rPr>
+                      <m:t>𝑝</m:t>
+                    </m:r>
+                    <m:r>
+                      <a:rPr lang="de-DE" b="0" i="1" smtClean="0">
+                        <a:latin typeface="Cambria Math" panose="02040503050406030204" pitchFamily="18" charset="0"/>
+                      </a:rPr>
+                      <m:t>2</m:t>
+                    </m:r>
+                  </m:oMath>
+                </a14:m>
+                <a:endParaRPr lang="en-DE" dirty="0"/>
+              </a:p>
+              <a:p>
+                <a:pPr marL="285750" indent="-285750">
+                  <a:buFont typeface="Wingdings" pitchFamily="2" charset="2"/>
+                  <a:buChar char="§"/>
+                </a:pPr>
+                <a:r>
+                  <a:rPr lang="en-DE" dirty="0"/>
+                  <a:t>Use both </a:t>
+                </a:r>
+                <a14:m>
+                  <m:oMath xmlns:m="http://schemas.openxmlformats.org/officeDocument/2006/math">
+                    <m:r>
+                      <m:rPr>
+                        <m:sty m:val="p"/>
+                      </m:rPr>
+                      <a:rPr lang="de-DE">
+                        <a:latin typeface="Cambria Math" panose="02040503050406030204" pitchFamily="18" charset="0"/>
+                      </a:rPr>
+                      <m:t>m</m:t>
+                    </m:r>
+                    <m:r>
+                      <a:rPr lang="de-DE" i="1">
+                        <a:latin typeface="Cambria Math" panose="02040503050406030204" pitchFamily="18" charset="0"/>
+                      </a:rPr>
+                      <m:t>1 </m:t>
+                    </m:r>
+                  </m:oMath>
+                </a14:m>
+                <a:r>
+                  <a:rPr lang="en-DE" dirty="0"/>
+                  <a:t>and </a:t>
+                </a:r>
+                <a14:m>
+                  <m:oMath xmlns:m="http://schemas.openxmlformats.org/officeDocument/2006/math">
+                    <m:r>
+                      <m:rPr>
+                        <m:sty m:val="p"/>
+                      </m:rPr>
+                      <a:rPr lang="de-DE">
+                        <a:latin typeface="Cambria Math" panose="02040503050406030204" pitchFamily="18" charset="0"/>
+                      </a:rPr>
+                      <m:t>m</m:t>
+                    </m:r>
+                    <m:r>
+                      <a:rPr lang="de-DE" b="0" i="1" smtClean="0">
+                        <a:latin typeface="Cambria Math" panose="02040503050406030204" pitchFamily="18" charset="0"/>
+                      </a:rPr>
+                      <m:t>2</m:t>
+                    </m:r>
+                    <m:r>
+                      <a:rPr lang="de-DE" i="1">
+                        <a:latin typeface="Cambria Math" panose="02040503050406030204" pitchFamily="18" charset="0"/>
+                      </a:rPr>
+                      <m:t> </m:t>
+                    </m:r>
+                  </m:oMath>
+                </a14:m>
+                <a:r>
+                  <a:rPr lang="en-DE" dirty="0"/>
+                  <a:t>to predict</a:t>
+                </a:r>
+                <a:r>
+                  <a:rPr lang="de-DE" dirty="0"/>
+                  <a:t> </a:t>
+                </a:r>
+                <a14:m>
+                  <m:oMath xmlns:m="http://schemas.openxmlformats.org/officeDocument/2006/math">
+                    <m:acc>
+                      <m:accPr>
+                        <m:chr m:val="̂"/>
+                        <m:ctrlPr>
+                          <a:rPr lang="de-DE" i="1" smtClean="0">
+                            <a:latin typeface="Cambria Math" panose="02040503050406030204" pitchFamily="18" charset="0"/>
+                          </a:rPr>
+                        </m:ctrlPr>
+                      </m:accPr>
+                      <m:e>
+                        <m:r>
+                          <a:rPr lang="de-DE" b="0" i="1" smtClean="0">
+                            <a:latin typeface="Cambria Math" panose="02040503050406030204" pitchFamily="18" charset="0"/>
+                          </a:rPr>
+                          <m:t>𝑝</m:t>
+                        </m:r>
+                        <m:r>
+                          <a:rPr lang="de-DE" b="0" i="1" smtClean="0">
+                            <a:latin typeface="Cambria Math" panose="02040503050406030204" pitchFamily="18" charset="0"/>
+                          </a:rPr>
+                          <m:t>2</m:t>
+                        </m:r>
+                      </m:e>
+                    </m:acc>
+                    <m:r>
+                      <a:rPr lang="de-DE" i="1">
+                        <a:latin typeface="Cambria Math" panose="02040503050406030204" pitchFamily="18" charset="0"/>
+                      </a:rPr>
+                      <m:t> </m:t>
+                    </m:r>
+                  </m:oMath>
+                </a14:m>
+                <a:endParaRPr lang="en-DE" dirty="0"/>
+              </a:p>
+              <a:p>
+                <a:pPr marL="285750" indent="-285750">
+                  <a:buFont typeface="Wingdings" pitchFamily="2" charset="2"/>
+                  <a:buChar char="§"/>
+                </a:pPr>
+                <a:r>
+                  <a:rPr lang="en-DE" dirty="0"/>
+                  <a:t>S</a:t>
+                </a:r>
+                <a:r>
+                  <a:rPr lang="en-GB" dirty="0" err="1"/>
+                  <a:t>i</a:t>
+                </a:r>
+                <a:r>
+                  <a:rPr lang="en-DE" dirty="0"/>
+                  <a:t>ze of the ecosystem functional effect:</a:t>
+                </a:r>
+              </a:p>
+              <a:p>
+                <a:r>
+                  <a:rPr lang="en-DE" dirty="0"/>
+                  <a:t>	</a:t>
+                </a:r>
+                <a14:m>
+                  <m:oMath xmlns:m="http://schemas.openxmlformats.org/officeDocument/2006/math">
+                    <m:r>
+                      <a:rPr lang="en-DE" i="1" smtClean="0">
+                        <a:latin typeface="Cambria Math" panose="02040503050406030204" pitchFamily="18" charset="0"/>
+                        <a:ea typeface="Cambria Math" panose="02040503050406030204" pitchFamily="18" charset="0"/>
+                      </a:rPr>
+                      <m:t>𝜖</m:t>
+                    </m:r>
+                    <m:r>
+                      <a:rPr lang="de-DE" b="0" i="1" smtClean="0">
+                        <a:latin typeface="Cambria Math" panose="02040503050406030204" pitchFamily="18" charset="0"/>
+                        <a:ea typeface="Cambria Math" panose="02040503050406030204" pitchFamily="18" charset="0"/>
+                      </a:rPr>
+                      <m:t>= </m:t>
+                    </m:r>
+                    <m:f>
+                      <m:fPr>
+                        <m:ctrlPr>
+                          <a:rPr lang="de-DE" b="0" i="1" smtClean="0">
+                            <a:latin typeface="Cambria Math" panose="02040503050406030204" pitchFamily="18" charset="0"/>
+                            <a:ea typeface="Cambria Math" panose="02040503050406030204" pitchFamily="18" charset="0"/>
+                          </a:rPr>
+                        </m:ctrlPr>
+                      </m:fPr>
+                      <m:num>
+                        <m:nary>
+                          <m:naryPr>
+                            <m:chr m:val="∑"/>
+                            <m:subHide m:val="on"/>
+                            <m:supHide m:val="on"/>
+                            <m:ctrlPr>
+                              <a:rPr lang="de-DE" b="0" i="1" smtClean="0">
+                                <a:latin typeface="Cambria Math" panose="02040503050406030204" pitchFamily="18" charset="0"/>
+                                <a:ea typeface="Cambria Math" panose="02040503050406030204" pitchFamily="18" charset="0"/>
+                              </a:rPr>
+                            </m:ctrlPr>
+                          </m:naryPr>
+                          <m:sub/>
+                          <m:sup/>
+                          <m:e>
+                            <m:r>
+                              <a:rPr lang="de-DE" b="0" i="1" smtClean="0">
+                                <a:latin typeface="Cambria Math" panose="02040503050406030204" pitchFamily="18" charset="0"/>
+                                <a:ea typeface="Cambria Math" panose="02040503050406030204" pitchFamily="18" charset="0"/>
+                              </a:rPr>
+                              <m:t>𝑝</m:t>
+                            </m:r>
+                            <m:r>
+                              <a:rPr lang="de-DE" b="0" i="1" smtClean="0">
+                                <a:latin typeface="Cambria Math" panose="02040503050406030204" pitchFamily="18" charset="0"/>
+                                <a:ea typeface="Cambria Math" panose="02040503050406030204" pitchFamily="18" charset="0"/>
+                              </a:rPr>
+                              <m:t>2 − </m:t>
+                            </m:r>
+                            <m:sSub>
+                              <m:sSubPr>
+                                <m:ctrlPr>
+                                  <a:rPr lang="de-DE" b="0" i="1" smtClean="0">
+                                    <a:latin typeface="Cambria Math" panose="02040503050406030204" pitchFamily="18" charset="0"/>
+                                    <a:ea typeface="Cambria Math" panose="02040503050406030204" pitchFamily="18" charset="0"/>
+                                  </a:rPr>
+                                </m:ctrlPr>
+                              </m:sSubPr>
+                              <m:e>
+                                <m:acc>
+                                  <m:accPr>
+                                    <m:chr m:val="̂"/>
+                                    <m:ctrlPr>
+                                      <a:rPr lang="de-DE" b="0" i="1" smtClean="0">
+                                        <a:latin typeface="Cambria Math" panose="02040503050406030204" pitchFamily="18" charset="0"/>
+                                        <a:ea typeface="Cambria Math" panose="02040503050406030204" pitchFamily="18" charset="0"/>
+                                      </a:rPr>
+                                    </m:ctrlPr>
+                                  </m:accPr>
+                                  <m:e>
+                                    <m:r>
+                                      <a:rPr lang="de-DE" b="0" i="1" smtClean="0">
+                                        <a:latin typeface="Cambria Math" panose="02040503050406030204" pitchFamily="18" charset="0"/>
+                                        <a:ea typeface="Cambria Math" panose="02040503050406030204" pitchFamily="18" charset="0"/>
+                                      </a:rPr>
+                                      <m:t>𝑝</m:t>
+                                    </m:r>
+                                    <m:r>
+                                      <a:rPr lang="de-DE" b="0" i="1" smtClean="0">
+                                        <a:latin typeface="Cambria Math" panose="02040503050406030204" pitchFamily="18" charset="0"/>
+                                        <a:ea typeface="Cambria Math" panose="02040503050406030204" pitchFamily="18" charset="0"/>
+                                      </a:rPr>
+                                      <m:t>2</m:t>
+                                    </m:r>
+                                  </m:e>
+                                </m:acc>
+                              </m:e>
+                              <m:sub>
+                                <m:r>
+                                  <a:rPr lang="de-DE" b="0" i="1" smtClean="0">
+                                    <a:latin typeface="Cambria Math" panose="02040503050406030204" pitchFamily="18" charset="0"/>
+                                    <a:ea typeface="Cambria Math" panose="02040503050406030204" pitchFamily="18" charset="0"/>
+                                  </a:rPr>
+                                  <m:t>𝑚</m:t>
+                                </m:r>
+                                <m:r>
+                                  <a:rPr lang="de-DE" b="0" i="1" smtClean="0">
+                                    <a:latin typeface="Cambria Math" panose="02040503050406030204" pitchFamily="18" charset="0"/>
+                                    <a:ea typeface="Cambria Math" panose="02040503050406030204" pitchFamily="18" charset="0"/>
+                                  </a:rPr>
+                                  <m:t>2</m:t>
+                                </m:r>
+                              </m:sub>
+                            </m:sSub>
+                          </m:e>
+                        </m:nary>
+                      </m:num>
+                      <m:den>
+                        <m:r>
+                          <a:rPr lang="de-DE" b="0" i="1" smtClean="0">
+                            <a:latin typeface="Cambria Math" panose="02040503050406030204" pitchFamily="18" charset="0"/>
+                            <a:ea typeface="Cambria Math" panose="02040503050406030204" pitchFamily="18" charset="0"/>
+                          </a:rPr>
+                          <m:t>𝑛</m:t>
+                        </m:r>
+                      </m:den>
+                    </m:f>
+                  </m:oMath>
+                </a14:m>
+                <a:r>
+                  <a:rPr lang="en-DE" dirty="0"/>
+                  <a:t> - </a:t>
+                </a:r>
+                <a14:m>
+                  <m:oMath xmlns:m="http://schemas.openxmlformats.org/officeDocument/2006/math">
+                    <m:f>
+                      <m:fPr>
+                        <m:ctrlPr>
+                          <a:rPr lang="de-DE" i="1">
+                            <a:latin typeface="Cambria Math" panose="02040503050406030204" pitchFamily="18" charset="0"/>
+                            <a:ea typeface="Cambria Math" panose="02040503050406030204" pitchFamily="18" charset="0"/>
+                          </a:rPr>
+                        </m:ctrlPr>
+                      </m:fPr>
+                      <m:num>
+                        <m:nary>
+                          <m:naryPr>
+                            <m:chr m:val="∑"/>
+                            <m:subHide m:val="on"/>
+                            <m:supHide m:val="on"/>
+                            <m:ctrlPr>
+                              <a:rPr lang="de-DE" i="1">
+                                <a:latin typeface="Cambria Math" panose="02040503050406030204" pitchFamily="18" charset="0"/>
+                                <a:ea typeface="Cambria Math" panose="02040503050406030204" pitchFamily="18" charset="0"/>
+                              </a:rPr>
+                            </m:ctrlPr>
+                          </m:naryPr>
+                          <m:sub/>
+                          <m:sup/>
+                          <m:e>
+                            <m:r>
+                              <a:rPr lang="de-DE" i="1">
+                                <a:latin typeface="Cambria Math" panose="02040503050406030204" pitchFamily="18" charset="0"/>
+                                <a:ea typeface="Cambria Math" panose="02040503050406030204" pitchFamily="18" charset="0"/>
+                              </a:rPr>
+                              <m:t>𝑝</m:t>
+                            </m:r>
+                            <m:r>
+                              <a:rPr lang="de-DE" i="1">
+                                <a:latin typeface="Cambria Math" panose="02040503050406030204" pitchFamily="18" charset="0"/>
+                                <a:ea typeface="Cambria Math" panose="02040503050406030204" pitchFamily="18" charset="0"/>
+                              </a:rPr>
+                              <m:t>2 − </m:t>
+                            </m:r>
+                            <m:sSub>
+                              <m:sSubPr>
+                                <m:ctrlPr>
+                                  <a:rPr lang="de-DE" i="1">
+                                    <a:latin typeface="Cambria Math" panose="02040503050406030204" pitchFamily="18" charset="0"/>
+                                    <a:ea typeface="Cambria Math" panose="02040503050406030204" pitchFamily="18" charset="0"/>
+                                  </a:rPr>
+                                </m:ctrlPr>
+                              </m:sSubPr>
+                              <m:e>
+                                <m:acc>
+                                  <m:accPr>
+                                    <m:chr m:val="̂"/>
+                                    <m:ctrlPr>
+                                      <a:rPr lang="de-DE" i="1">
+                                        <a:latin typeface="Cambria Math" panose="02040503050406030204" pitchFamily="18" charset="0"/>
+                                        <a:ea typeface="Cambria Math" panose="02040503050406030204" pitchFamily="18" charset="0"/>
+                                      </a:rPr>
+                                    </m:ctrlPr>
+                                  </m:accPr>
+                                  <m:e>
+                                    <m:r>
+                                      <a:rPr lang="de-DE" i="1">
+                                        <a:latin typeface="Cambria Math" panose="02040503050406030204" pitchFamily="18" charset="0"/>
+                                        <a:ea typeface="Cambria Math" panose="02040503050406030204" pitchFamily="18" charset="0"/>
+                                      </a:rPr>
+                                      <m:t>𝑝</m:t>
+                                    </m:r>
+                                    <m:r>
+                                      <a:rPr lang="de-DE" i="1">
+                                        <a:latin typeface="Cambria Math" panose="02040503050406030204" pitchFamily="18" charset="0"/>
+                                        <a:ea typeface="Cambria Math" panose="02040503050406030204" pitchFamily="18" charset="0"/>
+                                      </a:rPr>
+                                      <m:t>2</m:t>
+                                    </m:r>
+                                  </m:e>
+                                </m:acc>
+                              </m:e>
+                              <m:sub>
+                                <m:r>
+                                  <a:rPr lang="de-DE" i="1">
+                                    <a:latin typeface="Cambria Math" panose="02040503050406030204" pitchFamily="18" charset="0"/>
+                                    <a:ea typeface="Cambria Math" panose="02040503050406030204" pitchFamily="18" charset="0"/>
+                                  </a:rPr>
+                                  <m:t>𝑚</m:t>
+                                </m:r>
+                                <m:r>
+                                  <a:rPr lang="de-DE" b="0" i="1" smtClean="0">
+                                    <a:latin typeface="Cambria Math" panose="02040503050406030204" pitchFamily="18" charset="0"/>
+                                    <a:ea typeface="Cambria Math" panose="02040503050406030204" pitchFamily="18" charset="0"/>
+                                  </a:rPr>
+                                  <m:t>1</m:t>
+                                </m:r>
+                              </m:sub>
+                            </m:sSub>
+                          </m:e>
+                        </m:nary>
+                      </m:num>
+                      <m:den>
+                        <m:r>
+                          <a:rPr lang="de-DE" i="1">
+                            <a:latin typeface="Cambria Math" panose="02040503050406030204" pitchFamily="18" charset="0"/>
+                            <a:ea typeface="Cambria Math" panose="02040503050406030204" pitchFamily="18" charset="0"/>
+                          </a:rPr>
+                          <m:t>𝑛</m:t>
+                        </m:r>
+                      </m:den>
+                    </m:f>
+                  </m:oMath>
+                </a14:m>
+                <a:endParaRPr lang="en-DE" dirty="0"/>
+              </a:p>
+            </p:txBody>
+          </p:sp>
+        </mc:Choice>
+        <mc:Fallback>
+          <p:sp>
+            <p:nvSpPr>
+              <p:cNvPr id="4" name="TextBox 3">
+                <a:extLst>
+                  <a:ext uri="{FF2B5EF4-FFF2-40B4-BE49-F238E27FC236}">
+                    <a16:creationId xmlns:a16="http://schemas.microsoft.com/office/drawing/2014/main" id="{34B654F4-5E04-264A-969B-C120975F7AEC}"/>
+                  </a:ext>
+                </a:extLst>
+              </p:cNvPr>
+              <p:cNvSpPr txBox="1">
+                <a:spLocks noRot="1" noChangeAspect="1" noMove="1" noResize="1" noEditPoints="1" noAdjustHandles="1" noChangeArrowheads="1" noChangeShapeType="1" noTextEdit="1"/>
+              </p:cNvSpPr>
+              <p:nvPr/>
+            </p:nvSpPr>
+            <p:spPr>
+              <a:xfrm>
+                <a:off x="5544746" y="2460226"/>
+                <a:ext cx="5775940" cy="1382045"/>
+              </a:xfrm>
+              <a:prstGeom prst="rect">
+                <a:avLst/>
+              </a:prstGeom>
+              <a:blipFill>
+                <a:blip r:embed="rId3"/>
+                <a:stretch>
+                  <a:fillRect l="-658" t="-1818" b="-17273"/>
+                </a:stretch>
+              </a:blipFill>
+            </p:spPr>
+            <p:txBody>
+              <a:bodyPr/>
+              <a:lstStyle/>
+              <a:p>
+                <a:r>
+                  <a:rPr lang="en-DE">
+                    <a:noFill/>
+                  </a:rPr>
+                  <a:t> </a:t>
+                </a:r>
+              </a:p>
+            </p:txBody>
+          </p:sp>
+        </mc:Fallback>
+      </mc:AlternateContent>
       <p:pic>
         <p:nvPicPr>
-          <p:cNvPr id="3" name="Picture 2" descr="Chart, scatter chart&#10;&#10;Description automatically generated">
-            <a:extLst>
-              <a:ext uri="{FF2B5EF4-FFF2-40B4-BE49-F238E27FC236}">
-                <a16:creationId xmlns:a16="http://schemas.microsoft.com/office/drawing/2014/main" id="{825BCC5B-A794-6945-A73F-5E32AF37A2BB}"/>
+          <p:cNvPr id="11" name="Picture 10" descr="Chart&#10;&#10;Description automatically generated">
+            <a:extLst>
+              <a:ext uri="{FF2B5EF4-FFF2-40B4-BE49-F238E27FC236}">
+                <a16:creationId xmlns:a16="http://schemas.microsoft.com/office/drawing/2014/main" id="{AA62D19B-9ECA-AB42-B728-0A5D51102DC6}"/>
+              </a:ext>
+            </a:extLst>
+          </p:cNvPr>
+          <p:cNvPicPr>
+            <a:picLocks noChangeAspect="1"/>
+          </p:cNvPicPr>
+          <p:nvPr/>
+        </p:nvPicPr>
+        <p:blipFill>
+          <a:blip r:embed="rId4"/>
+          <a:stretch>
+            <a:fillRect/>
+          </a:stretch>
+        </p:blipFill>
+        <p:spPr>
+          <a:xfrm>
+            <a:off x="880568" y="4410130"/>
+            <a:ext cx="3617045" cy="2338659"/>
+          </a:xfrm>
+          <a:prstGeom prst="rect">
+            <a:avLst/>
+          </a:prstGeom>
+        </p:spPr>
+      </p:pic>
+      <p:sp>
+        <p:nvSpPr>
+          <p:cNvPr id="12" name="Rectangle 11">
+            <a:extLst>
+              <a:ext uri="{FF2B5EF4-FFF2-40B4-BE49-F238E27FC236}">
+                <a16:creationId xmlns:a16="http://schemas.microsoft.com/office/drawing/2014/main" id="{B99B99E9-5BC8-444F-ADA0-63A5074502C5}"/>
+              </a:ext>
+            </a:extLst>
+          </p:cNvPr>
+          <p:cNvSpPr/>
+          <p:nvPr/>
+        </p:nvSpPr>
+        <p:spPr>
+          <a:xfrm>
+            <a:off x="1494503" y="4410130"/>
+            <a:ext cx="983226" cy="1371238"/>
+          </a:xfrm>
+          <a:prstGeom prst="rect">
+            <a:avLst/>
+          </a:prstGeom>
+          <a:noFill/>
+          <a:ln w="19050">
+            <a:solidFill>
+              <a:srgbClr val="C00000"/>
+            </a:solidFill>
+          </a:ln>
+        </p:spPr>
+        <p:style>
+          <a:lnRef idx="2">
+            <a:schemeClr val="accent1">
+              <a:shade val="50000"/>
+            </a:schemeClr>
+          </a:lnRef>
+          <a:fillRef idx="1">
+            <a:schemeClr val="accent1"/>
+          </a:fillRef>
+          <a:effectRef idx="0">
+            <a:schemeClr val="accent1"/>
+          </a:effectRef>
+          <a:fontRef idx="minor">
+            <a:schemeClr val="lt1"/>
+          </a:fontRef>
+        </p:style>
+        <p:txBody>
+          <a:bodyPr rtlCol="0" anchor="ctr"/>
+          <a:lstStyle/>
+          <a:p>
+            <a:pPr algn="ctr"/>
+            <a:endParaRPr lang="en-DE"/>
+          </a:p>
+        </p:txBody>
+      </p:sp>
+    </p:spTree>
+    <p:extLst>
+      <p:ext uri="{BB962C8B-B14F-4D97-AF65-F5344CB8AC3E}">
+        <p14:creationId xmlns:p14="http://schemas.microsoft.com/office/powerpoint/2010/main" val="267855705"/>
+      </p:ext>
+    </p:extLst>
+  </p:cSld>
+  <p:clrMapOvr>
+    <a:masterClrMapping/>
+  </p:clrMapOvr>
+</p:sld>
+</file>
+
+<file path=ppt/slides/slide13.xml><?xml version="1.0" encoding="utf-8"?>
+<p:sld xmlns:a="http://schemas.openxmlformats.org/drawingml/2006/main" xmlns:r="http://schemas.openxmlformats.org/officeDocument/2006/relationships" xmlns:p="http://schemas.openxmlformats.org/presentationml/2006/main">
+  <p:cSld>
+    <p:spTree>
+      <p:nvGrpSpPr>
+        <p:cNvPr id="1" name=""/>
+        <p:cNvGrpSpPr/>
+        <p:nvPr/>
+      </p:nvGrpSpPr>
+      <p:grpSpPr>
+        <a:xfrm>
+          <a:off x="0" y="0"/>
+          <a:ext cx="0" cy="0"/>
+          <a:chOff x="0" y="0"/>
+          <a:chExt cx="0" cy="0"/>
+        </a:xfrm>
+      </p:grpSpPr>
+      <p:pic>
+        <p:nvPicPr>
+          <p:cNvPr id="6" name="Picture 5" descr="Chart, histogram&#10;&#10;Description automatically generated">
+            <a:extLst>
+              <a:ext uri="{FF2B5EF4-FFF2-40B4-BE49-F238E27FC236}">
+                <a16:creationId xmlns:a16="http://schemas.microsoft.com/office/drawing/2014/main" id="{ED6E21D4-6260-4548-B4EF-F6B74CF2B804}"/>
               </a:ext>
             </a:extLst>
           </p:cNvPr>
@@ -3632,8 +4907,8 @@
         </p:blipFill>
         <p:spPr>
           <a:xfrm>
-            <a:off x="949411" y="1507523"/>
-            <a:ext cx="4888317" cy="3842954"/>
+            <a:off x="225073" y="2118312"/>
+            <a:ext cx="2719299" cy="2036966"/>
           </a:xfrm>
           <a:prstGeom prst="rect">
             <a:avLst/>
@@ -3642,10 +4917,10 @@
       </p:pic>
       <p:pic>
         <p:nvPicPr>
-          <p:cNvPr id="7" name="Picture 6" descr="Chart, scatter chart&#10;&#10;Description automatically generated">
-            <a:extLst>
-              <a:ext uri="{FF2B5EF4-FFF2-40B4-BE49-F238E27FC236}">
-                <a16:creationId xmlns:a16="http://schemas.microsoft.com/office/drawing/2014/main" id="{5E167675-179F-D846-B433-5B98CD029226}"/>
+          <p:cNvPr id="8" name="Picture 7" descr="Chart, histogram&#10;&#10;Description automatically generated">
+            <a:extLst>
+              <a:ext uri="{FF2B5EF4-FFF2-40B4-BE49-F238E27FC236}">
+                <a16:creationId xmlns:a16="http://schemas.microsoft.com/office/drawing/2014/main" id="{8C0196F0-E654-4B46-BEBB-5380B4142518}"/>
               </a:ext>
             </a:extLst>
           </p:cNvPr>
@@ -3662,6 +4937,365 @@
         </p:blipFill>
         <p:spPr>
           <a:xfrm>
+            <a:off x="3307873" y="2118312"/>
+            <a:ext cx="2719299" cy="2036966"/>
+          </a:xfrm>
+          <a:prstGeom prst="rect">
+            <a:avLst/>
+          </a:prstGeom>
+        </p:spPr>
+      </p:pic>
+      <p:pic>
+        <p:nvPicPr>
+          <p:cNvPr id="10" name="Picture 9" descr="Chart, line chart, histogram&#10;&#10;Description automatically generated">
+            <a:extLst>
+              <a:ext uri="{FF2B5EF4-FFF2-40B4-BE49-F238E27FC236}">
+                <a16:creationId xmlns:a16="http://schemas.microsoft.com/office/drawing/2014/main" id="{BE95CDB5-EA93-EC42-86BA-A011C03F545F}"/>
+              </a:ext>
+            </a:extLst>
+          </p:cNvPr>
+          <p:cNvPicPr>
+            <a:picLocks noChangeAspect="1"/>
+          </p:cNvPicPr>
+          <p:nvPr/>
+        </p:nvPicPr>
+        <p:blipFill>
+          <a:blip r:embed="rId4"/>
+          <a:stretch>
+            <a:fillRect/>
+          </a:stretch>
+        </p:blipFill>
+        <p:spPr>
+          <a:xfrm>
+            <a:off x="3307872" y="4229597"/>
+            <a:ext cx="2719299" cy="2018346"/>
+          </a:xfrm>
+          <a:prstGeom prst="rect">
+            <a:avLst/>
+          </a:prstGeom>
+        </p:spPr>
+      </p:pic>
+      <p:pic>
+        <p:nvPicPr>
+          <p:cNvPr id="12" name="Picture 11" descr="Chart, line chart, histogram&#10;&#10;Description automatically generated">
+            <a:extLst>
+              <a:ext uri="{FF2B5EF4-FFF2-40B4-BE49-F238E27FC236}">
+                <a16:creationId xmlns:a16="http://schemas.microsoft.com/office/drawing/2014/main" id="{35EF0732-F57C-AC4A-9106-0F6F55A9B178}"/>
+              </a:ext>
+            </a:extLst>
+          </p:cNvPr>
+          <p:cNvPicPr>
+            <a:picLocks noChangeAspect="1"/>
+          </p:cNvPicPr>
+          <p:nvPr/>
+        </p:nvPicPr>
+        <p:blipFill>
+          <a:blip r:embed="rId5"/>
+          <a:stretch>
+            <a:fillRect/>
+          </a:stretch>
+        </p:blipFill>
+        <p:spPr>
+          <a:xfrm>
+            <a:off x="273149" y="4229597"/>
+            <a:ext cx="2671223" cy="1982663"/>
+          </a:xfrm>
+          <a:prstGeom prst="rect">
+            <a:avLst/>
+          </a:prstGeom>
+        </p:spPr>
+      </p:pic>
+      <p:sp>
+        <p:nvSpPr>
+          <p:cNvPr id="9" name="Title 1">
+            <a:extLst>
+              <a:ext uri="{FF2B5EF4-FFF2-40B4-BE49-F238E27FC236}">
+                <a16:creationId xmlns:a16="http://schemas.microsoft.com/office/drawing/2014/main" id="{9CBD0303-5A9E-0840-A33C-BC86C4AE6AFC}"/>
+              </a:ext>
+            </a:extLst>
+          </p:cNvPr>
+          <p:cNvSpPr txBox="1">
+            <a:spLocks/>
+          </p:cNvSpPr>
+          <p:nvPr/>
+        </p:nvSpPr>
+        <p:spPr>
+          <a:xfrm>
+            <a:off x="-1" y="0"/>
+            <a:ext cx="12191999" cy="1325563"/>
+          </a:xfrm>
+          <a:prstGeom prst="rect">
+            <a:avLst/>
+          </a:prstGeom>
+        </p:spPr>
+        <p:txBody>
+          <a:bodyPr vert="horz" lIns="91440" tIns="45720" rIns="91440" bIns="45720" rtlCol="0" anchor="ctr">
+            <a:normAutofit/>
+          </a:bodyPr>
+          <a:lstStyle>
+            <a:lvl1pPr algn="l" defTabSz="914400" rtl="0" eaLnBrk="1" latinLnBrk="0" hangingPunct="1">
+              <a:lnSpc>
+                <a:spcPct val="90000"/>
+              </a:lnSpc>
+              <a:spcBef>
+                <a:spcPct val="0"/>
+              </a:spcBef>
+              <a:buNone/>
+              <a:defRPr sz="4400" kern="1200">
+                <a:solidFill>
+                  <a:schemeClr val="tx1"/>
+                </a:solidFill>
+                <a:latin typeface="+mj-lt"/>
+                <a:ea typeface="+mj-ea"/>
+                <a:cs typeface="+mj-cs"/>
+              </a:defRPr>
+            </a:lvl1pPr>
+          </a:lstStyle>
+          <a:p>
+            <a:r>
+              <a:rPr lang="en-DE" dirty="0"/>
+              <a:t>Partitioning effects on intra-annual variability in GPP</a:t>
+            </a:r>
+          </a:p>
+        </p:txBody>
+      </p:sp>
+      <p:pic>
+        <p:nvPicPr>
+          <p:cNvPr id="11" name="Picture 10" descr="Chart, box and whisker chart&#10;&#10;Description automatically generated">
+            <a:extLst>
+              <a:ext uri="{FF2B5EF4-FFF2-40B4-BE49-F238E27FC236}">
+                <a16:creationId xmlns:a16="http://schemas.microsoft.com/office/drawing/2014/main" id="{059BCCEB-5A0D-D444-8B5A-AB84F1F4BEAA}"/>
+              </a:ext>
+            </a:extLst>
+          </p:cNvPr>
+          <p:cNvPicPr>
+            <a:picLocks noChangeAspect="1"/>
+          </p:cNvPicPr>
+          <p:nvPr/>
+        </p:nvPicPr>
+        <p:blipFill>
+          <a:blip r:embed="rId6"/>
+          <a:stretch>
+            <a:fillRect/>
+          </a:stretch>
+        </p:blipFill>
+        <p:spPr>
+          <a:xfrm>
+            <a:off x="8066098" y="2545567"/>
+            <a:ext cx="3783927" cy="2373848"/>
+          </a:xfrm>
+          <a:prstGeom prst="rect">
+            <a:avLst/>
+          </a:prstGeom>
+        </p:spPr>
+      </p:pic>
+      <p:sp>
+        <p:nvSpPr>
+          <p:cNvPr id="2" name="TextBox 1">
+            <a:extLst>
+              <a:ext uri="{FF2B5EF4-FFF2-40B4-BE49-F238E27FC236}">
+                <a16:creationId xmlns:a16="http://schemas.microsoft.com/office/drawing/2014/main" id="{11D2AE73-4FB5-0A4E-B746-880349DA28E4}"/>
+              </a:ext>
+            </a:extLst>
+          </p:cNvPr>
+          <p:cNvSpPr txBox="1"/>
+          <p:nvPr/>
+        </p:nvSpPr>
+        <p:spPr>
+          <a:xfrm>
+            <a:off x="471948" y="1566233"/>
+            <a:ext cx="2021387" cy="369332"/>
+          </a:xfrm>
+          <a:prstGeom prst="rect">
+            <a:avLst/>
+          </a:prstGeom>
+          <a:noFill/>
+        </p:spPr>
+        <p:txBody>
+          <a:bodyPr wrap="none" rtlCol="0">
+            <a:spAutoFit/>
+          </a:bodyPr>
+          <a:lstStyle/>
+          <a:p>
+            <a:r>
+              <a:rPr lang="en-DE" dirty="0"/>
+              <a:t>GPP measurements</a:t>
+            </a:r>
+          </a:p>
+        </p:txBody>
+      </p:sp>
+      <p:sp>
+        <p:nvSpPr>
+          <p:cNvPr id="13" name="TextBox 12">
+            <a:extLst>
+              <a:ext uri="{FF2B5EF4-FFF2-40B4-BE49-F238E27FC236}">
+                <a16:creationId xmlns:a16="http://schemas.microsoft.com/office/drawing/2014/main" id="{A68184AB-6F55-DA46-A497-08761EAD2A0F}"/>
+              </a:ext>
+            </a:extLst>
+          </p:cNvPr>
+          <p:cNvSpPr txBox="1"/>
+          <p:nvPr/>
+        </p:nvSpPr>
+        <p:spPr>
+          <a:xfrm>
+            <a:off x="3553679" y="1566233"/>
+            <a:ext cx="1980479" cy="369332"/>
+          </a:xfrm>
+          <a:prstGeom prst="rect">
+            <a:avLst/>
+          </a:prstGeom>
+          <a:noFill/>
+        </p:spPr>
+        <p:txBody>
+          <a:bodyPr wrap="none" rtlCol="0">
+            <a:spAutoFit/>
+          </a:bodyPr>
+          <a:lstStyle/>
+          <a:p>
+            <a:r>
+              <a:rPr lang="en-DE" dirty="0"/>
+              <a:t>PRELES simulations</a:t>
+            </a:r>
+          </a:p>
+        </p:txBody>
+      </p:sp>
+    </p:spTree>
+    <p:extLst>
+      <p:ext uri="{BB962C8B-B14F-4D97-AF65-F5344CB8AC3E}">
+        <p14:creationId xmlns:p14="http://schemas.microsoft.com/office/powerpoint/2010/main" val="1523367398"/>
+      </p:ext>
+    </p:extLst>
+  </p:cSld>
+  <p:clrMapOvr>
+    <a:masterClrMapping/>
+  </p:clrMapOvr>
+</p:sld>
+</file>
+
+<file path=ppt/slides/slide14.xml><?xml version="1.0" encoding="utf-8"?>
+<p:sld xmlns:a="http://schemas.openxmlformats.org/drawingml/2006/main" xmlns:r="http://schemas.openxmlformats.org/officeDocument/2006/relationships" xmlns:p="http://schemas.openxmlformats.org/presentationml/2006/main">
+  <p:cSld>
+    <p:spTree>
+      <p:nvGrpSpPr>
+        <p:cNvPr id="1" name=""/>
+        <p:cNvGrpSpPr/>
+        <p:nvPr/>
+      </p:nvGrpSpPr>
+      <p:grpSpPr>
+        <a:xfrm>
+          <a:off x="0" y="0"/>
+          <a:ext cx="0" cy="0"/>
+          <a:chOff x="0" y="0"/>
+          <a:chExt cx="0" cy="0"/>
+        </a:xfrm>
+      </p:grpSpPr>
+      <p:sp>
+        <p:nvSpPr>
+          <p:cNvPr id="4" name="Title 1">
+            <a:extLst>
+              <a:ext uri="{FF2B5EF4-FFF2-40B4-BE49-F238E27FC236}">
+                <a16:creationId xmlns:a16="http://schemas.microsoft.com/office/drawing/2014/main" id="{AF206EAB-2741-5C44-89C3-93147836BCB2}"/>
+              </a:ext>
+            </a:extLst>
+          </p:cNvPr>
+          <p:cNvSpPr txBox="1">
+            <a:spLocks/>
+          </p:cNvSpPr>
+          <p:nvPr/>
+        </p:nvSpPr>
+        <p:spPr>
+          <a:xfrm>
+            <a:off x="949411" y="0"/>
+            <a:ext cx="10515600" cy="1325563"/>
+          </a:xfrm>
+          <a:prstGeom prst="rect">
+            <a:avLst/>
+          </a:prstGeom>
+        </p:spPr>
+        <p:txBody>
+          <a:bodyPr vert="horz" lIns="91440" tIns="45720" rIns="91440" bIns="45720" rtlCol="0" anchor="ctr">
+            <a:normAutofit/>
+          </a:bodyPr>
+          <a:lstStyle>
+            <a:lvl1pPr algn="l" defTabSz="914400" rtl="0" eaLnBrk="1" latinLnBrk="0" hangingPunct="1">
+              <a:lnSpc>
+                <a:spcPct val="90000"/>
+              </a:lnSpc>
+              <a:spcBef>
+                <a:spcPct val="0"/>
+              </a:spcBef>
+              <a:buNone/>
+              <a:defRPr sz="4400" kern="1200">
+                <a:solidFill>
+                  <a:schemeClr val="tx1"/>
+                </a:solidFill>
+                <a:latin typeface="+mj-lt"/>
+                <a:ea typeface="+mj-ea"/>
+                <a:cs typeface="+mj-cs"/>
+              </a:defRPr>
+            </a:lvl1pPr>
+          </a:lstStyle>
+          <a:p>
+            <a:r>
+              <a:rPr lang="en-DE"/>
+              <a:t>Partitioning climatic and biotic effects on GPP</a:t>
+            </a:r>
+            <a:endParaRPr lang="en-DE" dirty="0"/>
+          </a:p>
+        </p:txBody>
+      </p:sp>
+      <p:pic>
+        <p:nvPicPr>
+          <p:cNvPr id="3" name="Picture 2" descr="Chart, scatter chart&#10;&#10;Description automatically generated">
+            <a:extLst>
+              <a:ext uri="{FF2B5EF4-FFF2-40B4-BE49-F238E27FC236}">
+                <a16:creationId xmlns:a16="http://schemas.microsoft.com/office/drawing/2014/main" id="{825BCC5B-A794-6945-A73F-5E32AF37A2BB}"/>
+              </a:ext>
+            </a:extLst>
+          </p:cNvPr>
+          <p:cNvPicPr>
+            <a:picLocks noChangeAspect="1"/>
+          </p:cNvPicPr>
+          <p:nvPr/>
+        </p:nvPicPr>
+        <p:blipFill>
+          <a:blip r:embed="rId2"/>
+          <a:stretch>
+            <a:fillRect/>
+          </a:stretch>
+        </p:blipFill>
+        <p:spPr>
+          <a:xfrm>
+            <a:off x="949411" y="1507523"/>
+            <a:ext cx="4888317" cy="3842954"/>
+          </a:xfrm>
+          <a:prstGeom prst="rect">
+            <a:avLst/>
+          </a:prstGeom>
+        </p:spPr>
+      </p:pic>
+      <p:pic>
+        <p:nvPicPr>
+          <p:cNvPr id="7" name="Picture 6" descr="Chart, scatter chart&#10;&#10;Description automatically generated">
+            <a:extLst>
+              <a:ext uri="{FF2B5EF4-FFF2-40B4-BE49-F238E27FC236}">
+                <a16:creationId xmlns:a16="http://schemas.microsoft.com/office/drawing/2014/main" id="{5E167675-179F-D846-B433-5B98CD029226}"/>
+              </a:ext>
+            </a:extLst>
+          </p:cNvPr>
+          <p:cNvPicPr>
+            <a:picLocks noChangeAspect="1"/>
+          </p:cNvPicPr>
+          <p:nvPr/>
+        </p:nvPicPr>
+        <p:blipFill>
+          <a:blip r:embed="rId3"/>
+          <a:stretch>
+            <a:fillRect/>
+          </a:stretch>
+        </p:blipFill>
+        <p:spPr>
+          <a:xfrm>
             <a:off x="6207211" y="1507523"/>
             <a:ext cx="4888317" cy="3842954"/>
           </a:xfrm>
@@ -3674,6 +5308,314 @@
     <p:extLst>
       <p:ext uri="{BB962C8B-B14F-4D97-AF65-F5344CB8AC3E}">
         <p14:creationId xmlns:p14="http://schemas.microsoft.com/office/powerpoint/2010/main" val="3529452215"/>
+      </p:ext>
+    </p:extLst>
+  </p:cSld>
+  <p:clrMapOvr>
+    <a:masterClrMapping/>
+  </p:clrMapOvr>
+</p:sld>
+</file>
+
+<file path=ppt/slides/slide15.xml><?xml version="1.0" encoding="utf-8"?>
+<p:sld xmlns:a="http://schemas.openxmlformats.org/drawingml/2006/main" xmlns:r="http://schemas.openxmlformats.org/officeDocument/2006/relationships" xmlns:p="http://schemas.openxmlformats.org/presentationml/2006/main">
+  <p:cSld>
+    <p:spTree>
+      <p:nvGrpSpPr>
+        <p:cNvPr id="1" name=""/>
+        <p:cNvGrpSpPr/>
+        <p:nvPr/>
+      </p:nvGrpSpPr>
+      <p:grpSpPr>
+        <a:xfrm>
+          <a:off x="0" y="0"/>
+          <a:ext cx="0" cy="0"/>
+          <a:chOff x="0" y="0"/>
+          <a:chExt cx="0" cy="0"/>
+        </a:xfrm>
+      </p:grpSpPr>
+      <p:sp>
+        <p:nvSpPr>
+          <p:cNvPr id="2" name="Title 1">
+            <a:extLst>
+              <a:ext uri="{FF2B5EF4-FFF2-40B4-BE49-F238E27FC236}">
+                <a16:creationId xmlns:a16="http://schemas.microsoft.com/office/drawing/2014/main" id="{E63ABC4E-84FB-E340-9DEC-4A345A06D2E5}"/>
+              </a:ext>
+            </a:extLst>
+          </p:cNvPr>
+          <p:cNvSpPr>
+            <a:spLocks noGrp="1"/>
+          </p:cNvSpPr>
+          <p:nvPr>
+            <p:ph type="title"/>
+          </p:nvPr>
+        </p:nvSpPr>
+        <p:spPr>
+          <a:xfrm>
+            <a:off x="0" y="0"/>
+            <a:ext cx="10515600" cy="1325563"/>
+          </a:xfrm>
+        </p:spPr>
+        <p:txBody>
+          <a:bodyPr/>
+          <a:lstStyle/>
+          <a:p>
+            <a:r>
+              <a:rPr lang="en-DE" dirty="0"/>
+              <a:t>References</a:t>
+            </a:r>
+          </a:p>
+        </p:txBody>
+      </p:sp>
+      <p:sp>
+        <p:nvSpPr>
+          <p:cNvPr id="4" name="TextBox 3">
+            <a:extLst>
+              <a:ext uri="{FF2B5EF4-FFF2-40B4-BE49-F238E27FC236}">
+                <a16:creationId xmlns:a16="http://schemas.microsoft.com/office/drawing/2014/main" id="{B06AD010-CAE5-B347-A3E5-6E529717DB86}"/>
+              </a:ext>
+            </a:extLst>
+          </p:cNvPr>
+          <p:cNvSpPr txBox="1"/>
+          <p:nvPr/>
+        </p:nvSpPr>
+        <p:spPr>
+          <a:xfrm>
+            <a:off x="226142" y="1465006"/>
+            <a:ext cx="10289458" cy="3693319"/>
+          </a:xfrm>
+          <a:prstGeom prst="rect">
+            <a:avLst/>
+          </a:prstGeom>
+          <a:noFill/>
+        </p:spPr>
+        <p:txBody>
+          <a:bodyPr wrap="square" rtlCol="0">
+            <a:spAutoFit/>
+          </a:bodyPr>
+          <a:lstStyle/>
+          <a:p>
+            <a:r>
+              <a:rPr lang="en-DE" dirty="0"/>
+              <a:t>[1] </a:t>
+            </a:r>
+            <a:r>
+              <a:rPr lang="en-GB" dirty="0"/>
+              <a:t>Christopher PO </a:t>
+            </a:r>
+            <a:r>
+              <a:rPr lang="en-GB" dirty="0" err="1"/>
+              <a:t>Reyer</a:t>
+            </a:r>
+            <a:r>
+              <a:rPr lang="en-GB" dirty="0"/>
+              <a:t>, Ramiro </a:t>
+            </a:r>
+            <a:r>
+              <a:rPr lang="en-GB" dirty="0" err="1"/>
+              <a:t>Silveyra</a:t>
+            </a:r>
+            <a:r>
+              <a:rPr lang="en-GB" dirty="0"/>
+              <a:t> Gonzalez, Klara Dolos, Florian </a:t>
+            </a:r>
+            <a:r>
+              <a:rPr lang="en-GB" dirty="0" err="1"/>
+              <a:t>Hartig</a:t>
+            </a:r>
+            <a:r>
+              <a:rPr lang="en-GB" dirty="0"/>
+              <a:t>, </a:t>
+            </a:r>
+            <a:r>
+              <a:rPr lang="en-GB" dirty="0" err="1"/>
+              <a:t>Ylva</a:t>
+            </a:r>
+            <a:r>
+              <a:rPr lang="en-GB" dirty="0"/>
+              <a:t> </a:t>
+            </a:r>
+            <a:r>
+              <a:rPr lang="en-GB" dirty="0" err="1"/>
+              <a:t>Hauf</a:t>
+            </a:r>
+            <a:r>
+              <a:rPr lang="en-GB" dirty="0"/>
+              <a:t>, </a:t>
+            </a:r>
+            <a:r>
+              <a:rPr lang="en-GB" dirty="0" err="1"/>
+              <a:t>MatthiasNoack</a:t>
+            </a:r>
+            <a:r>
+              <a:rPr lang="en-GB" dirty="0"/>
+              <a:t>, Petra </a:t>
+            </a:r>
+            <a:r>
+              <a:rPr lang="en-GB" dirty="0" err="1"/>
+              <a:t>Lasch</a:t>
+            </a:r>
+            <a:r>
+              <a:rPr lang="en-GB" dirty="0"/>
+              <a:t>-Born, Thomas R ̈</a:t>
+            </a:r>
+            <a:r>
+              <a:rPr lang="en-GB" dirty="0" err="1"/>
+              <a:t>otzer</a:t>
+            </a:r>
+            <a:r>
+              <a:rPr lang="en-GB" dirty="0"/>
+              <a:t>, Hans </a:t>
+            </a:r>
+            <a:r>
+              <a:rPr lang="en-GB" dirty="0" err="1"/>
+              <a:t>Pretzsch</a:t>
+            </a:r>
+            <a:r>
+              <a:rPr lang="en-GB" dirty="0"/>
+              <a:t>, Henning </a:t>
+            </a:r>
+            <a:r>
+              <a:rPr lang="en-GB" dirty="0" err="1"/>
+              <a:t>Meesenburg</a:t>
+            </a:r>
+            <a:r>
+              <a:rPr lang="en-GB" dirty="0"/>
+              <a:t>, et al. </a:t>
+            </a:r>
+            <a:r>
+              <a:rPr lang="en-GB" dirty="0" err="1"/>
+              <a:t>Theprofound</a:t>
+            </a:r>
+            <a:r>
+              <a:rPr lang="en-GB" dirty="0"/>
+              <a:t> database for evaluating vegetation models and simulating climate impacts on </a:t>
+            </a:r>
+            <a:r>
+              <a:rPr lang="en-GB" dirty="0" err="1"/>
+              <a:t>europeanforests.Earth</a:t>
+            </a:r>
+            <a:r>
+              <a:rPr lang="en-GB" dirty="0"/>
+              <a:t> system science data, 12(2):1295–1320, 2020.</a:t>
+            </a:r>
+            <a:endParaRPr lang="en-DE" dirty="0"/>
+          </a:p>
+          <a:p>
+            <a:endParaRPr lang="en-DE" dirty="0"/>
+          </a:p>
+          <a:p>
+            <a:r>
+              <a:rPr lang="en-DE" dirty="0"/>
+              <a:t>[2] </a:t>
+            </a:r>
+            <a:r>
+              <a:rPr lang="en-GB" dirty="0"/>
+              <a:t>J. Wu, L. van der Linden, G. </a:t>
+            </a:r>
+            <a:r>
+              <a:rPr lang="en-GB" dirty="0" err="1"/>
+              <a:t>Lasslop</a:t>
+            </a:r>
+            <a:r>
+              <a:rPr lang="en-GB" dirty="0"/>
+              <a:t>, N. </a:t>
+            </a:r>
+            <a:r>
+              <a:rPr lang="en-GB" dirty="0" err="1"/>
+              <a:t>Carvalhais</a:t>
+            </a:r>
+            <a:r>
+              <a:rPr lang="en-GB" dirty="0"/>
+              <a:t>, K. </a:t>
+            </a:r>
+            <a:r>
+              <a:rPr lang="en-GB" dirty="0" err="1"/>
+              <a:t>Pilegaard</a:t>
+            </a:r>
+            <a:r>
+              <a:rPr lang="en-GB" dirty="0"/>
+              <a:t>, C. </a:t>
+            </a:r>
+            <a:r>
+              <a:rPr lang="en-GB" dirty="0" err="1"/>
+              <a:t>Beier</a:t>
+            </a:r>
+            <a:r>
+              <a:rPr lang="en-GB" dirty="0"/>
+              <a:t>, and A. </a:t>
+            </a:r>
+            <a:r>
+              <a:rPr lang="en-GB" dirty="0" err="1"/>
+              <a:t>Ibrom</a:t>
+            </a:r>
+            <a:r>
+              <a:rPr lang="en-GB" dirty="0"/>
+              <a:t>. </a:t>
+            </a:r>
+            <a:r>
+              <a:rPr lang="en-GB" dirty="0" err="1"/>
+              <a:t>Effectsof</a:t>
+            </a:r>
+            <a:r>
+              <a:rPr lang="en-GB" dirty="0"/>
+              <a:t> climate variability and functional changes on the interannual variation of the carbon </a:t>
+            </a:r>
+            <a:r>
+              <a:rPr lang="en-GB" dirty="0" err="1"/>
+              <a:t>balancein</a:t>
+            </a:r>
+            <a:r>
+              <a:rPr lang="en-GB" dirty="0"/>
+              <a:t> a temperate deciduous </a:t>
+            </a:r>
+            <a:r>
+              <a:rPr lang="en-GB" dirty="0" err="1"/>
+              <a:t>forest.Biogeosciences</a:t>
+            </a:r>
+            <a:r>
+              <a:rPr lang="en-GB" dirty="0"/>
+              <a:t>, 9(1):13–28, 2012. </a:t>
+            </a:r>
+            <a:r>
+              <a:rPr lang="en-GB" dirty="0" err="1"/>
+              <a:t>doi</a:t>
+            </a:r>
+            <a:r>
+              <a:rPr lang="en-GB" dirty="0"/>
+              <a:t>: 10.5194/bg-9-13-2012.URLhttps://</a:t>
+            </a:r>
+            <a:r>
+              <a:rPr lang="en-GB" dirty="0" err="1"/>
+              <a:t>bg.copernicus.org</a:t>
+            </a:r>
+            <a:r>
+              <a:rPr lang="en-GB" dirty="0"/>
+              <a:t>/articles/9/13/2012/</a:t>
+            </a:r>
+            <a:endParaRPr lang="en-DE" dirty="0"/>
+          </a:p>
+          <a:p>
+            <a:endParaRPr lang="en-DE" dirty="0"/>
+          </a:p>
+          <a:p>
+            <a:r>
+              <a:rPr lang="en-DE" dirty="0"/>
+              <a:t>[3]</a:t>
+            </a:r>
+          </a:p>
+          <a:p>
+            <a:endParaRPr lang="en-DE" dirty="0"/>
+          </a:p>
+          <a:p>
+            <a:endParaRPr lang="en-DE" dirty="0"/>
+          </a:p>
+        </p:txBody>
+      </p:sp>
+    </p:spTree>
+    <p:extLst>
+      <p:ext uri="{BB962C8B-B14F-4D97-AF65-F5344CB8AC3E}">
+        <p14:creationId xmlns:p14="http://schemas.microsoft.com/office/powerpoint/2010/main" val="2423437450"/>
       </p:ext>
     </p:extLst>
   </p:cSld>
@@ -3705,7 +5647,7 @@
           <p:cNvPr id="2" name="Title 1">
             <a:extLst>
               <a:ext uri="{FF2B5EF4-FFF2-40B4-BE49-F238E27FC236}">
-                <a16:creationId xmlns:a16="http://schemas.microsoft.com/office/drawing/2014/main" id="{E2B212F2-5324-D144-85F2-E252F68E2C52}"/>
+                <a16:creationId xmlns:a16="http://schemas.microsoft.com/office/drawing/2014/main" id="{B437CA8E-6833-2D4A-B0BD-9E1F9F72FF30}"/>
               </a:ext>
             </a:extLst>
           </p:cNvPr>
@@ -3723,181 +5665,35 @@
           <a:p>
             <a:r>
               <a:rPr lang="en-DE" dirty="0"/>
-              <a:t>Gross primary productivity at Soro (DK)</a:t>
-            </a:r>
-          </a:p>
-        </p:txBody>
-      </p:sp>
-      <p:pic>
-        <p:nvPicPr>
-          <p:cNvPr id="5" name="Picture 4" descr="Chart, histogram&#10;&#10;Description automatically generated">
-            <a:extLst>
-              <a:ext uri="{FF2B5EF4-FFF2-40B4-BE49-F238E27FC236}">
-                <a16:creationId xmlns:a16="http://schemas.microsoft.com/office/drawing/2014/main" id="{59D6609C-AAFC-3F44-9404-132F56AA80A5}"/>
-              </a:ext>
-            </a:extLst>
-          </p:cNvPr>
-          <p:cNvPicPr>
-            <a:picLocks noChangeAspect="1"/>
-          </p:cNvPicPr>
-          <p:nvPr/>
-        </p:nvPicPr>
-        <p:blipFill>
-          <a:blip r:embed="rId2"/>
-          <a:stretch>
-            <a:fillRect/>
-          </a:stretch>
-        </p:blipFill>
-        <p:spPr>
-          <a:xfrm>
-            <a:off x="513491" y="2088290"/>
-            <a:ext cx="4740545" cy="3436895"/>
-          </a:xfrm>
-          <a:prstGeom prst="rect">
-            <a:avLst/>
-          </a:prstGeom>
-        </p:spPr>
-      </p:pic>
-      <p:pic>
-        <p:nvPicPr>
-          <p:cNvPr id="7" name="Picture 6" descr="Chart&#10;&#10;Description automatically generated">
-            <a:extLst>
-              <a:ext uri="{FF2B5EF4-FFF2-40B4-BE49-F238E27FC236}">
-                <a16:creationId xmlns:a16="http://schemas.microsoft.com/office/drawing/2014/main" id="{FA434209-9538-6E41-8B5D-867224926946}"/>
-              </a:ext>
-            </a:extLst>
-          </p:cNvPr>
-          <p:cNvPicPr>
-            <a:picLocks noChangeAspect="1"/>
-          </p:cNvPicPr>
-          <p:nvPr/>
-        </p:nvPicPr>
-        <p:blipFill>
-          <a:blip r:embed="rId3"/>
-          <a:stretch>
-            <a:fillRect/>
-          </a:stretch>
-        </p:blipFill>
-        <p:spPr>
-          <a:xfrm>
-            <a:off x="6362897" y="2088290"/>
-            <a:ext cx="5315612" cy="3436895"/>
-          </a:xfrm>
-          <a:prstGeom prst="rect">
-            <a:avLst/>
-          </a:prstGeom>
-        </p:spPr>
-      </p:pic>
-      <p:cxnSp>
-        <p:nvCxnSpPr>
-          <p:cNvPr id="9" name="Straight Arrow Connector 8">
-            <a:extLst>
-              <a:ext uri="{FF2B5EF4-FFF2-40B4-BE49-F238E27FC236}">
-                <a16:creationId xmlns:a16="http://schemas.microsoft.com/office/drawing/2014/main" id="{582D7CCC-273B-5B41-BA0E-14AE72500BB6}"/>
-              </a:ext>
-            </a:extLst>
-          </p:cNvPr>
-          <p:cNvCxnSpPr>
-            <a:cxnSpLocks/>
-          </p:cNvCxnSpPr>
-          <p:nvPr/>
-        </p:nvCxnSpPr>
-        <p:spPr>
-          <a:xfrm flipV="1">
-            <a:off x="7444307" y="3927613"/>
-            <a:ext cx="0" cy="1947670"/>
-          </a:xfrm>
-          <a:prstGeom prst="straightConnector1">
-            <a:avLst/>
-          </a:prstGeom>
-          <a:ln>
-            <a:solidFill>
-              <a:schemeClr val="tx1"/>
-            </a:solidFill>
-            <a:tailEnd type="triangle"/>
-          </a:ln>
-        </p:spPr>
-        <p:style>
-          <a:lnRef idx="1">
-            <a:schemeClr val="accent1"/>
-          </a:lnRef>
-          <a:fillRef idx="0">
-            <a:schemeClr val="accent1"/>
-          </a:fillRef>
-          <a:effectRef idx="0">
-            <a:schemeClr val="accent1"/>
-          </a:effectRef>
-          <a:fontRef idx="minor">
-            <a:schemeClr val="tx1"/>
-          </a:fontRef>
-        </p:style>
-      </p:cxnSp>
-      <p:sp>
-        <p:nvSpPr>
-          <p:cNvPr id="12" name="TextBox 11">
-            <a:extLst>
-              <a:ext uri="{FF2B5EF4-FFF2-40B4-BE49-F238E27FC236}">
-                <a16:creationId xmlns:a16="http://schemas.microsoft.com/office/drawing/2014/main" id="{61971364-C74A-E545-891E-A636A6697801}"/>
-              </a:ext>
-            </a:extLst>
-          </p:cNvPr>
-          <p:cNvSpPr txBox="1"/>
-          <p:nvPr/>
-        </p:nvSpPr>
-        <p:spPr>
-          <a:xfrm>
-            <a:off x="7317961" y="5875283"/>
-            <a:ext cx="3405484" cy="369332"/>
-          </a:xfrm>
-          <a:prstGeom prst="rect">
-            <a:avLst/>
-          </a:prstGeom>
-          <a:noFill/>
-        </p:spPr>
-        <p:txBody>
-          <a:bodyPr wrap="none" rtlCol="0">
-            <a:spAutoFit/>
-          </a:bodyPr>
+              <a:t>Background</a:t>
+            </a:r>
+          </a:p>
+        </p:txBody>
+      </p:sp>
+      <p:sp>
+        <p:nvSpPr>
+          <p:cNvPr id="3" name="Content Placeholder 2">
+            <a:extLst>
+              <a:ext uri="{FF2B5EF4-FFF2-40B4-BE49-F238E27FC236}">
+                <a16:creationId xmlns:a16="http://schemas.microsoft.com/office/drawing/2014/main" id="{A9A155A2-B2EE-EC4A-B84A-641910BBFC66}"/>
+              </a:ext>
+            </a:extLst>
+          </p:cNvPr>
+          <p:cNvSpPr>
+            <a:spLocks noGrp="1"/>
+          </p:cNvSpPr>
+          <p:nvPr>
+            <p:ph idx="1"/>
+          </p:nvPr>
+        </p:nvSpPr>
+        <p:spPr/>
+        <p:txBody>
+          <a:bodyPr/>
           <a:lstStyle/>
           <a:p>
             <a:r>
               <a:rPr lang="en-DE" dirty="0"/>
-              <a:t>Mean sum of yearly GPP: ﻿1850.27 </a:t>
-            </a:r>
-          </a:p>
-        </p:txBody>
-      </p:sp>
-      <p:sp>
-        <p:nvSpPr>
-          <p:cNvPr id="13" name="TextBox 12">
-            <a:extLst>
-              <a:ext uri="{FF2B5EF4-FFF2-40B4-BE49-F238E27FC236}">
-                <a16:creationId xmlns:a16="http://schemas.microsoft.com/office/drawing/2014/main" id="{C05EBCE5-4BC7-CA4D-9CEE-71E51DA1557D}"/>
-              </a:ext>
-            </a:extLst>
-          </p:cNvPr>
-          <p:cNvSpPr txBox="1"/>
-          <p:nvPr/>
-        </p:nvSpPr>
-        <p:spPr>
-          <a:xfrm>
-            <a:off x="1114600" y="5875283"/>
-            <a:ext cx="4166077" cy="369332"/>
-          </a:xfrm>
-          <a:prstGeom prst="rect">
-            <a:avLst/>
-          </a:prstGeom>
-          <a:noFill/>
-        </p:spPr>
-        <p:txBody>
-          <a:bodyPr wrap="none" rtlCol="0">
-            <a:spAutoFit/>
-          </a:bodyPr>
-          <a:lstStyle/>
-          <a:p>
-            <a:r>
-              <a:rPr lang="en-DE" dirty="0"/>
-              <a:t>Mean daily GPP over 13 years (2000-2012)</a:t>
+              <a:t>Based on the paper of Wu et al. [1] </a:t>
             </a:r>
           </a:p>
         </p:txBody>
@@ -3905,7 +5701,7 @@
     </p:spTree>
     <p:extLst>
       <p:ext uri="{BB962C8B-B14F-4D97-AF65-F5344CB8AC3E}">
-        <p14:creationId xmlns:p14="http://schemas.microsoft.com/office/powerpoint/2010/main" val="2127971876"/>
+        <p14:creationId xmlns:p14="http://schemas.microsoft.com/office/powerpoint/2010/main" val="12507187"/>
       </p:ext>
     </p:extLst>
   </p:cSld>
@@ -3937,7 +5733,7 @@
           <p:cNvPr id="2" name="Title 1">
             <a:extLst>
               <a:ext uri="{FF2B5EF4-FFF2-40B4-BE49-F238E27FC236}">
-                <a16:creationId xmlns:a16="http://schemas.microsoft.com/office/drawing/2014/main" id="{284FF2F7-29B9-F440-9620-2E9432410183}"/>
+                <a16:creationId xmlns:a16="http://schemas.microsoft.com/office/drawing/2014/main" id="{E2B212F2-5324-D144-85F2-E252F68E2C52}"/>
               </a:ext>
             </a:extLst>
           </p:cNvPr>
@@ -3948,14 +5744,193 @@
             <p:ph type="title"/>
           </p:nvPr>
         </p:nvSpPr>
-        <p:spPr/>
+        <p:spPr>
+          <a:xfrm>
+            <a:off x="0" y="0"/>
+            <a:ext cx="10515600" cy="1325563"/>
+          </a:xfrm>
+        </p:spPr>
         <p:txBody>
           <a:bodyPr/>
           <a:lstStyle/>
           <a:p>
             <a:r>
               <a:rPr lang="en-DE" dirty="0"/>
-              <a:t>Process-based modeling of the gross primary productivity</a:t>
+              <a:t>Gross primary productivity at Soro (DK)</a:t>
+            </a:r>
+          </a:p>
+        </p:txBody>
+      </p:sp>
+      <p:pic>
+        <p:nvPicPr>
+          <p:cNvPr id="5" name="Picture 4" descr="Chart, histogram&#10;&#10;Description automatically generated">
+            <a:extLst>
+              <a:ext uri="{FF2B5EF4-FFF2-40B4-BE49-F238E27FC236}">
+                <a16:creationId xmlns:a16="http://schemas.microsoft.com/office/drawing/2014/main" id="{59D6609C-AAFC-3F44-9404-132F56AA80A5}"/>
+              </a:ext>
+            </a:extLst>
+          </p:cNvPr>
+          <p:cNvPicPr>
+            <a:picLocks noChangeAspect="1"/>
+          </p:cNvPicPr>
+          <p:nvPr/>
+        </p:nvPicPr>
+        <p:blipFill>
+          <a:blip r:embed="rId2"/>
+          <a:stretch>
+            <a:fillRect/>
+          </a:stretch>
+        </p:blipFill>
+        <p:spPr>
+          <a:xfrm>
+            <a:off x="513491" y="2088290"/>
+            <a:ext cx="4740545" cy="3436895"/>
+          </a:xfrm>
+          <a:prstGeom prst="rect">
+            <a:avLst/>
+          </a:prstGeom>
+        </p:spPr>
+      </p:pic>
+      <p:pic>
+        <p:nvPicPr>
+          <p:cNvPr id="7" name="Picture 6" descr="Chart&#10;&#10;Description automatically generated">
+            <a:extLst>
+              <a:ext uri="{FF2B5EF4-FFF2-40B4-BE49-F238E27FC236}">
+                <a16:creationId xmlns:a16="http://schemas.microsoft.com/office/drawing/2014/main" id="{FA434209-9538-6E41-8B5D-867224926946}"/>
+              </a:ext>
+            </a:extLst>
+          </p:cNvPr>
+          <p:cNvPicPr>
+            <a:picLocks noChangeAspect="1"/>
+          </p:cNvPicPr>
+          <p:nvPr/>
+        </p:nvPicPr>
+        <p:blipFill>
+          <a:blip r:embed="rId3"/>
+          <a:stretch>
+            <a:fillRect/>
+          </a:stretch>
+        </p:blipFill>
+        <p:spPr>
+          <a:xfrm>
+            <a:off x="6362897" y="2088290"/>
+            <a:ext cx="5315612" cy="3436895"/>
+          </a:xfrm>
+          <a:prstGeom prst="rect">
+            <a:avLst/>
+          </a:prstGeom>
+        </p:spPr>
+      </p:pic>
+      <p:cxnSp>
+        <p:nvCxnSpPr>
+          <p:cNvPr id="9" name="Straight Arrow Connector 8">
+            <a:extLst>
+              <a:ext uri="{FF2B5EF4-FFF2-40B4-BE49-F238E27FC236}">
+                <a16:creationId xmlns:a16="http://schemas.microsoft.com/office/drawing/2014/main" id="{582D7CCC-273B-5B41-BA0E-14AE72500BB6}"/>
+              </a:ext>
+            </a:extLst>
+          </p:cNvPr>
+          <p:cNvCxnSpPr>
+            <a:cxnSpLocks/>
+          </p:cNvCxnSpPr>
+          <p:nvPr/>
+        </p:nvCxnSpPr>
+        <p:spPr>
+          <a:xfrm flipV="1">
+            <a:off x="7414811" y="3927613"/>
+            <a:ext cx="0" cy="1810508"/>
+          </a:xfrm>
+          <a:prstGeom prst="straightConnector1">
+            <a:avLst/>
+          </a:prstGeom>
+          <a:ln>
+            <a:solidFill>
+              <a:schemeClr val="tx1"/>
+            </a:solidFill>
+            <a:tailEnd type="triangle"/>
+          </a:ln>
+        </p:spPr>
+        <p:style>
+          <a:lnRef idx="1">
+            <a:schemeClr val="accent1"/>
+          </a:lnRef>
+          <a:fillRef idx="0">
+            <a:schemeClr val="accent1"/>
+          </a:fillRef>
+          <a:effectRef idx="0">
+            <a:schemeClr val="accent1"/>
+          </a:effectRef>
+          <a:fontRef idx="minor">
+            <a:schemeClr val="tx1"/>
+          </a:fontRef>
+        </p:style>
+      </p:cxnSp>
+      <p:sp>
+        <p:nvSpPr>
+          <p:cNvPr id="12" name="TextBox 11">
+            <a:extLst>
+              <a:ext uri="{FF2B5EF4-FFF2-40B4-BE49-F238E27FC236}">
+                <a16:creationId xmlns:a16="http://schemas.microsoft.com/office/drawing/2014/main" id="{61971364-C74A-E545-891E-A636A6697801}"/>
+              </a:ext>
+            </a:extLst>
+          </p:cNvPr>
+          <p:cNvSpPr txBox="1"/>
+          <p:nvPr/>
+        </p:nvSpPr>
+        <p:spPr>
+          <a:xfrm>
+            <a:off x="6806683" y="5738121"/>
+            <a:ext cx="3405484" cy="369332"/>
+          </a:xfrm>
+          <a:prstGeom prst="rect">
+            <a:avLst/>
+          </a:prstGeom>
+          <a:noFill/>
+        </p:spPr>
+        <p:txBody>
+          <a:bodyPr wrap="none" rtlCol="0">
+            <a:spAutoFit/>
+          </a:bodyPr>
+          <a:lstStyle/>
+          <a:p>
+            <a:r>
+              <a:rPr lang="en-DE" dirty="0"/>
+              <a:t>Mean sum of yearly GPP: ﻿1850.27 </a:t>
+            </a:r>
+          </a:p>
+        </p:txBody>
+      </p:sp>
+      <p:sp>
+        <p:nvSpPr>
+          <p:cNvPr id="13" name="TextBox 12">
+            <a:extLst>
+              <a:ext uri="{FF2B5EF4-FFF2-40B4-BE49-F238E27FC236}">
+                <a16:creationId xmlns:a16="http://schemas.microsoft.com/office/drawing/2014/main" id="{C05EBCE5-4BC7-CA4D-9CEE-71E51DA1557D}"/>
+              </a:ext>
+            </a:extLst>
+          </p:cNvPr>
+          <p:cNvSpPr txBox="1"/>
+          <p:nvPr/>
+        </p:nvSpPr>
+        <p:spPr>
+          <a:xfrm>
+            <a:off x="330820" y="1598741"/>
+            <a:ext cx="5105885" cy="369332"/>
+          </a:xfrm>
+          <a:prstGeom prst="rect">
+            <a:avLst/>
+          </a:prstGeom>
+          <a:noFill/>
+        </p:spPr>
+        <p:txBody>
+          <a:bodyPr wrap="none" rtlCol="0">
+            <a:spAutoFit/>
+          </a:bodyPr>
+          <a:lstStyle/>
+          <a:p>
+            <a:r>
+              <a:rPr lang="en-DE" dirty="0"/>
+              <a:t>13 years (2000-2012) of daily GPP measurements [2]</a:t>
             </a:r>
           </a:p>
         </p:txBody>
@@ -3963,7 +5938,7 @@
     </p:spTree>
     <p:extLst>
       <p:ext uri="{BB962C8B-B14F-4D97-AF65-F5344CB8AC3E}">
-        <p14:creationId xmlns:p14="http://schemas.microsoft.com/office/powerpoint/2010/main" val="1803599487"/>
+        <p14:creationId xmlns:p14="http://schemas.microsoft.com/office/powerpoint/2010/main" val="2127971876"/>
       </p:ext>
     </p:extLst>
   </p:cSld>
@@ -3995,7 +5970,7 @@
           <p:cNvPr id="2" name="Title 1">
             <a:extLst>
               <a:ext uri="{FF2B5EF4-FFF2-40B4-BE49-F238E27FC236}">
-                <a16:creationId xmlns:a16="http://schemas.microsoft.com/office/drawing/2014/main" id="{08021691-589B-7841-8BAE-E2999CA34EA3}"/>
+                <a16:creationId xmlns:a16="http://schemas.microsoft.com/office/drawing/2014/main" id="{284FF2F7-29B9-F440-9620-2E9432410183}"/>
               </a:ext>
             </a:extLst>
           </p:cNvPr>
@@ -4006,152 +5981,600 @@
             <p:ph type="title"/>
           </p:nvPr>
         </p:nvSpPr>
-        <p:spPr/>
+        <p:spPr>
+          <a:xfrm>
+            <a:off x="0" y="0"/>
+            <a:ext cx="10515600" cy="1325563"/>
+          </a:xfrm>
+        </p:spPr>
         <p:txBody>
           <a:bodyPr/>
           <a:lstStyle/>
           <a:p>
             <a:r>
               <a:rPr lang="en-DE" dirty="0"/>
-              <a:t>Observed and modeled GPP</a:t>
-            </a:r>
-          </a:p>
-        </p:txBody>
-      </p:sp>
-      <p:pic>
-        <p:nvPicPr>
-          <p:cNvPr id="5" name="Picture 4" descr="Chart, histogram&#10;&#10;Description automatically generated">
-            <a:extLst>
-              <a:ext uri="{FF2B5EF4-FFF2-40B4-BE49-F238E27FC236}">
-                <a16:creationId xmlns:a16="http://schemas.microsoft.com/office/drawing/2014/main" id="{C1AB52D7-0569-1143-94D7-FE4EB80FC16B}"/>
-              </a:ext>
-            </a:extLst>
-          </p:cNvPr>
-          <p:cNvPicPr>
-            <a:picLocks noChangeAspect="1"/>
-          </p:cNvPicPr>
+              <a:t>Process-based modeling of the gross primary productivity: PRELES</a:t>
+            </a:r>
+          </a:p>
+        </p:txBody>
+      </p:sp>
+      <p:sp>
+        <p:nvSpPr>
+          <p:cNvPr id="3" name="Rounded Rectangle 2">
+            <a:extLst>
+              <a:ext uri="{FF2B5EF4-FFF2-40B4-BE49-F238E27FC236}">
+                <a16:creationId xmlns:a16="http://schemas.microsoft.com/office/drawing/2014/main" id="{40735302-6325-4543-AAF8-9A6BDCF3323E}"/>
+              </a:ext>
+            </a:extLst>
+          </p:cNvPr>
+          <p:cNvSpPr/>
           <p:nvPr/>
-        </p:nvPicPr>
-        <p:blipFill>
-          <a:blip r:embed="rId2"/>
-          <a:stretch>
-            <a:fillRect/>
-          </a:stretch>
-        </p:blipFill>
+        </p:nvSpPr>
         <p:spPr>
           <a:xfrm>
-            <a:off x="6460510" y="2100648"/>
-            <a:ext cx="4893290" cy="3547635"/>
-          </a:xfrm>
-          <a:prstGeom prst="rect">
+            <a:off x="5132441" y="1897627"/>
+            <a:ext cx="2418734" cy="1081548"/>
+          </a:xfrm>
+          <a:prstGeom prst="roundRect">
             <a:avLst/>
           </a:prstGeom>
-        </p:spPr>
-      </p:pic>
-      <p:pic>
-        <p:nvPicPr>
-          <p:cNvPr id="7" name="Picture 6" descr="Chart, histogram&#10;&#10;Description automatically generated">
-            <a:extLst>
-              <a:ext uri="{FF2B5EF4-FFF2-40B4-BE49-F238E27FC236}">
-                <a16:creationId xmlns:a16="http://schemas.microsoft.com/office/drawing/2014/main" id="{CDE60BFD-FBB9-5041-BD5A-03DDD02AF4AA}"/>
-              </a:ext>
-            </a:extLst>
-          </p:cNvPr>
-          <p:cNvPicPr>
-            <a:picLocks noChangeAspect="1"/>
-          </p:cNvPicPr>
+          <a:solidFill>
+            <a:schemeClr val="bg2">
+              <a:lumMod val="75000"/>
+            </a:schemeClr>
+          </a:solidFill>
+          <a:ln>
+            <a:solidFill>
+              <a:schemeClr val="tx1"/>
+            </a:solidFill>
+          </a:ln>
+        </p:spPr>
+        <p:style>
+          <a:lnRef idx="2">
+            <a:schemeClr val="accent1">
+              <a:shade val="50000"/>
+            </a:schemeClr>
+          </a:lnRef>
+          <a:fillRef idx="1">
+            <a:schemeClr val="accent1"/>
+          </a:fillRef>
+          <a:effectRef idx="0">
+            <a:schemeClr val="accent1"/>
+          </a:effectRef>
+          <a:fontRef idx="minor">
+            <a:schemeClr val="lt1"/>
+          </a:fontRef>
+        </p:style>
+        <p:txBody>
+          <a:bodyPr rtlCol="0" anchor="ctr"/>
+          <a:lstStyle/>
+          <a:p>
+            <a:pPr algn="ctr"/>
+            <a:r>
+              <a:rPr lang="en-DE" dirty="0"/>
+              <a:t>Light-use efficiency (P) </a:t>
+            </a:r>
+          </a:p>
+        </p:txBody>
+      </p:sp>
+      <p:sp>
+        <p:nvSpPr>
+          <p:cNvPr id="4" name="Rounded Rectangle 3">
+            <a:extLst>
+              <a:ext uri="{FF2B5EF4-FFF2-40B4-BE49-F238E27FC236}">
+                <a16:creationId xmlns:a16="http://schemas.microsoft.com/office/drawing/2014/main" id="{2FBEA962-F164-F24B-BF6F-E50950057D78}"/>
+              </a:ext>
+            </a:extLst>
+          </p:cNvPr>
+          <p:cNvSpPr/>
           <p:nvPr/>
-        </p:nvPicPr>
-        <p:blipFill>
-          <a:blip r:embed="rId3"/>
-          <a:stretch>
-            <a:fillRect/>
-          </a:stretch>
-        </p:blipFill>
+        </p:nvSpPr>
         <p:spPr>
           <a:xfrm>
-            <a:off x="436292" y="2100648"/>
-            <a:ext cx="4893290" cy="3547635"/>
-          </a:xfrm>
-          <a:prstGeom prst="rect">
+            <a:off x="5132441" y="3751008"/>
+            <a:ext cx="2418734" cy="1081548"/>
+          </a:xfrm>
+          <a:prstGeom prst="roundRect">
             <a:avLst/>
           </a:prstGeom>
-        </p:spPr>
-      </p:pic>
-      <p:sp>
-        <p:nvSpPr>
-          <p:cNvPr id="8" name="TextBox 7">
-            <a:extLst>
-              <a:ext uri="{FF2B5EF4-FFF2-40B4-BE49-F238E27FC236}">
-                <a16:creationId xmlns:a16="http://schemas.microsoft.com/office/drawing/2014/main" id="{82B178BD-ADFD-074A-B47C-509BD6B10D42}"/>
-              </a:ext>
-            </a:extLst>
-          </p:cNvPr>
-          <p:cNvSpPr txBox="1"/>
+          <a:solidFill>
+            <a:schemeClr val="bg2">
+              <a:lumMod val="75000"/>
+            </a:schemeClr>
+          </a:solidFill>
+          <a:ln>
+            <a:solidFill>
+              <a:schemeClr val="tx1"/>
+            </a:solidFill>
+          </a:ln>
+        </p:spPr>
+        <p:style>
+          <a:lnRef idx="2">
+            <a:schemeClr val="accent1">
+              <a:shade val="50000"/>
+            </a:schemeClr>
+          </a:lnRef>
+          <a:fillRef idx="1">
+            <a:schemeClr val="accent1"/>
+          </a:fillRef>
+          <a:effectRef idx="0">
+            <a:schemeClr val="accent1"/>
+          </a:effectRef>
+          <a:fontRef idx="minor">
+            <a:schemeClr val="lt1"/>
+          </a:fontRef>
+        </p:style>
+        <p:txBody>
+          <a:bodyPr rtlCol="0" anchor="ctr"/>
+          <a:lstStyle/>
+          <a:p>
+            <a:pPr algn="ctr"/>
+            <a:r>
+              <a:rPr lang="en-DE" dirty="0"/>
+              <a:t>Soil water content (SW)</a:t>
+            </a:r>
+          </a:p>
+        </p:txBody>
+      </p:sp>
+      <p:sp>
+        <p:nvSpPr>
+          <p:cNvPr id="5" name="Rounded Rectangle 4">
+            <a:extLst>
+              <a:ext uri="{FF2B5EF4-FFF2-40B4-BE49-F238E27FC236}">
+                <a16:creationId xmlns:a16="http://schemas.microsoft.com/office/drawing/2014/main" id="{AD3E7581-43C0-1346-89BF-27D23D7A1FEE}"/>
+              </a:ext>
+            </a:extLst>
+          </p:cNvPr>
+          <p:cNvSpPr/>
           <p:nvPr/>
         </p:nvSpPr>
         <p:spPr>
           <a:xfrm>
-            <a:off x="1149178" y="5906530"/>
-            <a:ext cx="1417632" cy="369332"/>
-          </a:xfrm>
-          <a:prstGeom prst="rect">
+            <a:off x="9030928" y="1897627"/>
+            <a:ext cx="2418733" cy="1081548"/>
+          </a:xfrm>
+          <a:prstGeom prst="roundRect">
             <a:avLst/>
           </a:prstGeom>
-          <a:noFill/>
-        </p:spPr>
-        <p:txBody>
-          <a:bodyPr wrap="none" rtlCol="0">
-            <a:spAutoFit/>
-          </a:bodyPr>
+          <a:solidFill>
+            <a:schemeClr val="bg2">
+              <a:lumMod val="75000"/>
+            </a:schemeClr>
+          </a:solidFill>
+          <a:ln>
+            <a:solidFill>
+              <a:schemeClr val="tx1"/>
+            </a:solidFill>
+          </a:ln>
+        </p:spPr>
+        <p:style>
+          <a:lnRef idx="2">
+            <a:schemeClr val="accent1">
+              <a:shade val="50000"/>
+            </a:schemeClr>
+          </a:lnRef>
+          <a:fillRef idx="1">
+            <a:schemeClr val="accent1"/>
+          </a:fillRef>
+          <a:effectRef idx="0">
+            <a:schemeClr val="accent1"/>
+          </a:effectRef>
+          <a:fontRef idx="minor">
+            <a:schemeClr val="lt1"/>
+          </a:fontRef>
+        </p:style>
+        <p:txBody>
+          <a:bodyPr rtlCol="0" anchor="ctr"/>
           <a:lstStyle/>
           <a:p>
+            <a:pPr algn="ctr"/>
             <a:r>
               <a:rPr lang="en-DE" dirty="0"/>
-              <a:t>Observations</a:t>
-            </a:r>
-          </a:p>
-        </p:txBody>
-      </p:sp>
-      <p:sp>
-        <p:nvSpPr>
-          <p:cNvPr id="9" name="TextBox 8">
-            <a:extLst>
-              <a:ext uri="{FF2B5EF4-FFF2-40B4-BE49-F238E27FC236}">
-                <a16:creationId xmlns:a16="http://schemas.microsoft.com/office/drawing/2014/main" id="{0B6F790D-E363-4D47-8C08-7C59F11CB5B4}"/>
-              </a:ext>
-            </a:extLst>
-          </p:cNvPr>
-          <p:cNvSpPr txBox="1"/>
+              <a:t>Evapotranspiration (ET)</a:t>
+            </a:r>
+          </a:p>
+        </p:txBody>
+      </p:sp>
+      <p:cxnSp>
+        <p:nvCxnSpPr>
+          <p:cNvPr id="7" name="Straight Arrow Connector 6">
+            <a:extLst>
+              <a:ext uri="{FF2B5EF4-FFF2-40B4-BE49-F238E27FC236}">
+                <a16:creationId xmlns:a16="http://schemas.microsoft.com/office/drawing/2014/main" id="{8992D967-3A7A-724A-8490-5A8BCAC45FD5}"/>
+              </a:ext>
+            </a:extLst>
+          </p:cNvPr>
+          <p:cNvCxnSpPr/>
           <p:nvPr/>
-        </p:nvSpPr>
+        </p:nvCxnSpPr>
         <p:spPr>
           <a:xfrm>
-            <a:off x="7072184" y="5906530"/>
-            <a:ext cx="1957139" cy="369332"/>
-          </a:xfrm>
-          <a:prstGeom prst="rect">
+            <a:off x="7737988" y="2448233"/>
+            <a:ext cx="1061884" cy="0"/>
+          </a:xfrm>
+          <a:prstGeom prst="straightConnector1">
             <a:avLst/>
           </a:prstGeom>
-          <a:noFill/>
-        </p:spPr>
-        <p:txBody>
-          <a:bodyPr wrap="none" rtlCol="0">
-            <a:spAutoFit/>
-          </a:bodyPr>
-          <a:lstStyle/>
-          <a:p>
-            <a:r>
-              <a:rPr lang="en-DE" dirty="0"/>
-              <a:t>PRELES predictions</a:t>
-            </a:r>
-          </a:p>
-        </p:txBody>
-      </p:sp>
+          <a:ln w="19050">
+            <a:solidFill>
+              <a:schemeClr val="tx1"/>
+            </a:solidFill>
+            <a:tailEnd type="triangle"/>
+          </a:ln>
+        </p:spPr>
+        <p:style>
+          <a:lnRef idx="1">
+            <a:schemeClr val="accent1"/>
+          </a:lnRef>
+          <a:fillRef idx="0">
+            <a:schemeClr val="accent1"/>
+          </a:fillRef>
+          <a:effectRef idx="0">
+            <a:schemeClr val="accent1"/>
+          </a:effectRef>
+          <a:fontRef idx="minor">
+            <a:schemeClr val="tx1"/>
+          </a:fontRef>
+        </p:style>
+      </p:cxnSp>
+      <p:cxnSp>
+        <p:nvCxnSpPr>
+          <p:cNvPr id="8" name="Straight Arrow Connector 7">
+            <a:extLst>
+              <a:ext uri="{FF2B5EF4-FFF2-40B4-BE49-F238E27FC236}">
+                <a16:creationId xmlns:a16="http://schemas.microsoft.com/office/drawing/2014/main" id="{35DA12BE-B545-F343-A3C4-484705E68C76}"/>
+              </a:ext>
+            </a:extLst>
+          </p:cNvPr>
+          <p:cNvCxnSpPr>
+            <a:cxnSpLocks/>
+          </p:cNvCxnSpPr>
+          <p:nvPr/>
+        </p:nvCxnSpPr>
+        <p:spPr>
+          <a:xfrm flipV="1">
+            <a:off x="6322143" y="3077499"/>
+            <a:ext cx="0" cy="599766"/>
+          </a:xfrm>
+          <a:prstGeom prst="straightConnector1">
+            <a:avLst/>
+          </a:prstGeom>
+          <a:ln w="19050">
+            <a:solidFill>
+              <a:schemeClr val="tx1"/>
+            </a:solidFill>
+            <a:tailEnd type="triangle"/>
+          </a:ln>
+        </p:spPr>
+        <p:style>
+          <a:lnRef idx="1">
+            <a:schemeClr val="accent1"/>
+          </a:lnRef>
+          <a:fillRef idx="0">
+            <a:schemeClr val="accent1"/>
+          </a:fillRef>
+          <a:effectRef idx="0">
+            <a:schemeClr val="accent1"/>
+          </a:effectRef>
+          <a:fontRef idx="minor">
+            <a:schemeClr val="tx1"/>
+          </a:fontRef>
+        </p:style>
+      </p:cxnSp>
+      <p:cxnSp>
+        <p:nvCxnSpPr>
+          <p:cNvPr id="15" name="Straight Arrow Connector 14">
+            <a:extLst>
+              <a:ext uri="{FF2B5EF4-FFF2-40B4-BE49-F238E27FC236}">
+                <a16:creationId xmlns:a16="http://schemas.microsoft.com/office/drawing/2014/main" id="{C96B68AA-B06C-5B40-A987-DB8FBA9ED5D2}"/>
+              </a:ext>
+            </a:extLst>
+          </p:cNvPr>
+          <p:cNvCxnSpPr/>
+          <p:nvPr/>
+        </p:nvCxnSpPr>
+        <p:spPr>
+          <a:xfrm flipH="1">
+            <a:off x="7737988" y="3077499"/>
+            <a:ext cx="2241755" cy="1199534"/>
+          </a:xfrm>
+          <a:prstGeom prst="straightConnector1">
+            <a:avLst/>
+          </a:prstGeom>
+          <a:ln w="19050">
+            <a:solidFill>
+              <a:schemeClr val="tx1"/>
+            </a:solidFill>
+            <a:headEnd type="triangle"/>
+            <a:tailEnd type="triangle"/>
+          </a:ln>
+        </p:spPr>
+        <p:style>
+          <a:lnRef idx="1">
+            <a:schemeClr val="accent1"/>
+          </a:lnRef>
+          <a:fillRef idx="0">
+            <a:schemeClr val="accent1"/>
+          </a:fillRef>
+          <a:effectRef idx="0">
+            <a:schemeClr val="accent1"/>
+          </a:effectRef>
+          <a:fontRef idx="minor">
+            <a:schemeClr val="tx1"/>
+          </a:fontRef>
+        </p:style>
+      </p:cxnSp>
+      <mc:AlternateContent xmlns:mc="http://schemas.openxmlformats.org/markup-compatibility/2006">
+        <mc:Choice xmlns:a14="http://schemas.microsoft.com/office/drawing/2010/main" Requires="a14">
+          <p:sp>
+            <p:nvSpPr>
+              <p:cNvPr id="16" name="TextBox 15">
+                <a:extLst>
+                  <a:ext uri="{FF2B5EF4-FFF2-40B4-BE49-F238E27FC236}">
+                    <a16:creationId xmlns:a16="http://schemas.microsoft.com/office/drawing/2014/main" id="{282E0CD7-DD60-7F4A-9434-075757107EB8}"/>
+                  </a:ext>
+                </a:extLst>
+              </p:cNvPr>
+              <p:cNvSpPr txBox="1"/>
+              <p:nvPr/>
+            </p:nvSpPr>
+            <p:spPr>
+              <a:xfrm>
+                <a:off x="353962" y="2136940"/>
+                <a:ext cx="3480619" cy="602922"/>
+              </a:xfrm>
+              <a:prstGeom prst="rect">
+                <a:avLst/>
+              </a:prstGeom>
+              <a:noFill/>
+            </p:spPr>
+            <p:txBody>
+              <a:bodyPr wrap="square" rtlCol="0">
+                <a:spAutoFit/>
+              </a:bodyPr>
+              <a:lstStyle/>
+              <a:p>
+                <a14:m>
+                  <m:oMathPara xmlns:m="http://schemas.openxmlformats.org/officeDocument/2006/math">
+                    <m:oMathParaPr>
+                      <m:jc m:val="centerGroup"/>
+                    </m:oMathParaPr>
+                    <m:oMath xmlns:m="http://schemas.openxmlformats.org/officeDocument/2006/math">
+                      <m:sSub>
+                        <m:sSubPr>
+                          <m:ctrlPr>
+                            <a:rPr lang="en-DE" i="1" smtClean="0">
+                              <a:latin typeface="Cambria Math" panose="02040503050406030204" pitchFamily="18" charset="0"/>
+                            </a:rPr>
+                          </m:ctrlPr>
+                        </m:sSubPr>
+                        <m:e>
+                          <m:r>
+                            <a:rPr lang="de-DE" b="0" i="1" smtClean="0">
+                              <a:latin typeface="Cambria Math" panose="02040503050406030204" pitchFamily="18" charset="0"/>
+                            </a:rPr>
+                            <m:t>𝑃</m:t>
+                          </m:r>
+                        </m:e>
+                        <m:sub>
+                          <m:r>
+                            <a:rPr lang="de-DE" b="0" i="1" smtClean="0">
+                              <a:latin typeface="Cambria Math" panose="02040503050406030204" pitchFamily="18" charset="0"/>
+                            </a:rPr>
+                            <m:t>𝑘</m:t>
+                          </m:r>
+                        </m:sub>
+                      </m:sSub>
+                      <m:r>
+                        <a:rPr lang="de-DE" b="0" i="1" smtClean="0">
+                          <a:latin typeface="Cambria Math" panose="02040503050406030204" pitchFamily="18" charset="0"/>
+                        </a:rPr>
+                        <m:t>=</m:t>
+                      </m:r>
+                      <m:sSub>
+                        <m:sSubPr>
+                          <m:ctrlPr>
+                            <a:rPr lang="de-DE" b="0" i="1" smtClean="0">
+                              <a:latin typeface="Cambria Math" panose="02040503050406030204" pitchFamily="18" charset="0"/>
+                            </a:rPr>
+                          </m:ctrlPr>
+                        </m:sSubPr>
+                        <m:e>
+                          <m:r>
+                            <a:rPr lang="de-DE" b="0" i="1" smtClean="0">
+                              <a:latin typeface="Cambria Math" panose="02040503050406030204" pitchFamily="18" charset="0"/>
+                              <a:ea typeface="Cambria Math" panose="02040503050406030204" pitchFamily="18" charset="0"/>
+                            </a:rPr>
+                            <m:t>𝛽</m:t>
+                          </m:r>
+                        </m:e>
+                        <m:sub>
+                          <m:r>
+                            <a:rPr lang="de-DE" b="0" i="1" smtClean="0">
+                              <a:latin typeface="Cambria Math" panose="02040503050406030204" pitchFamily="18" charset="0"/>
+                            </a:rPr>
+                            <m:t>𝑃</m:t>
+                          </m:r>
+                        </m:sub>
+                      </m:sSub>
+                      <m:sSub>
+                        <m:sSubPr>
+                          <m:ctrlPr>
+                            <a:rPr lang="de-DE" b="0" i="1" smtClean="0">
+                              <a:latin typeface="Cambria Math" panose="02040503050406030204" pitchFamily="18" charset="0"/>
+                            </a:rPr>
+                          </m:ctrlPr>
+                        </m:sSubPr>
+                        <m:e>
+                          <m:r>
+                            <a:rPr lang="de-DE" b="0" i="1" smtClean="0">
+                              <a:latin typeface="Cambria Math" panose="02040503050406030204" pitchFamily="18" charset="0"/>
+                              <a:ea typeface="Cambria Math" panose="02040503050406030204" pitchFamily="18" charset="0"/>
+                            </a:rPr>
+                            <m:t>𝜑</m:t>
+                          </m:r>
+                        </m:e>
+                        <m:sub>
+                          <m:r>
+                            <a:rPr lang="de-DE" b="0" i="1" smtClean="0">
+                              <a:latin typeface="Cambria Math" panose="02040503050406030204" pitchFamily="18" charset="0"/>
+                            </a:rPr>
+                            <m:t>𝑘</m:t>
+                          </m:r>
+                        </m:sub>
+                      </m:sSub>
+                      <m:sSub>
+                        <m:sSubPr>
+                          <m:ctrlPr>
+                            <a:rPr lang="de-DE" b="0" i="1" smtClean="0">
+                              <a:latin typeface="Cambria Math" panose="02040503050406030204" pitchFamily="18" charset="0"/>
+                            </a:rPr>
+                          </m:ctrlPr>
+                        </m:sSubPr>
+                        <m:e>
+                          <m:r>
+                            <a:rPr lang="de-DE" b="0" i="1" smtClean="0">
+                              <a:latin typeface="Cambria Math" panose="02040503050406030204" pitchFamily="18" charset="0"/>
+                            </a:rPr>
+                            <m:t>𝑓</m:t>
+                          </m:r>
+                        </m:e>
+                        <m:sub>
+                          <m:r>
+                            <a:rPr lang="de-DE" b="0" i="1" smtClean="0">
+                              <a:latin typeface="Cambria Math" panose="02040503050406030204" pitchFamily="18" charset="0"/>
+                            </a:rPr>
+                            <m:t>𝑎</m:t>
+                          </m:r>
+                          <m:r>
+                            <a:rPr lang="de-DE" b="0" i="1" smtClean="0">
+                              <a:latin typeface="Cambria Math" panose="02040503050406030204" pitchFamily="18" charset="0"/>
+                              <a:ea typeface="Cambria Math" panose="02040503050406030204" pitchFamily="18" charset="0"/>
+                            </a:rPr>
+                            <m:t>𝜑</m:t>
+                          </m:r>
+                        </m:sub>
+                      </m:sSub>
+                      <m:nary>
+                        <m:naryPr>
+                          <m:chr m:val="∏"/>
+                          <m:limLoc m:val="subSup"/>
+                          <m:supHide m:val="on"/>
+                          <m:ctrlPr>
+                            <a:rPr lang="de-DE" b="0" i="1" smtClean="0">
+                              <a:latin typeface="Cambria Math" panose="02040503050406030204" pitchFamily="18" charset="0"/>
+                            </a:rPr>
+                          </m:ctrlPr>
+                        </m:naryPr>
+                        <m:sub>
+                          <m:r>
+                            <m:rPr>
+                              <m:brk m:alnAt="9"/>
+                            </m:rPr>
+                            <a:rPr lang="de-DE" b="0" i="1" smtClean="0">
+                              <a:latin typeface="Cambria Math" panose="02040503050406030204" pitchFamily="18" charset="0"/>
+                            </a:rPr>
+                            <m:t>𝑖</m:t>
+                          </m:r>
+                        </m:sub>
+                        <m:sup/>
+                        <m:e>
+                          <m:sSub>
+                            <m:sSubPr>
+                              <m:ctrlPr>
+                                <a:rPr lang="de-DE" b="0" i="1" smtClean="0">
+                                  <a:latin typeface="Cambria Math" panose="02040503050406030204" pitchFamily="18" charset="0"/>
+                                </a:rPr>
+                              </m:ctrlPr>
+                            </m:sSubPr>
+                            <m:e>
+                              <m:r>
+                                <a:rPr lang="de-DE" b="0" i="1" smtClean="0">
+                                  <a:latin typeface="Cambria Math" panose="02040503050406030204" pitchFamily="18" charset="0"/>
+                                </a:rPr>
+                                <m:t>𝑓</m:t>
+                              </m:r>
+                            </m:e>
+                            <m:sub>
+                              <m:r>
+                                <a:rPr lang="de-DE" b="0" i="1" smtClean="0">
+                                  <a:latin typeface="Cambria Math" panose="02040503050406030204" pitchFamily="18" charset="0"/>
+                                </a:rPr>
+                                <m:t>𝑖</m:t>
+                              </m:r>
+                              <m:r>
+                                <a:rPr lang="de-DE" b="0" i="1" smtClean="0">
+                                  <a:latin typeface="Cambria Math" panose="02040503050406030204" pitchFamily="18" charset="0"/>
+                                </a:rPr>
+                                <m:t>,</m:t>
+                              </m:r>
+                              <m:r>
+                                <a:rPr lang="de-DE" b="0" i="1" smtClean="0">
+                                  <a:latin typeface="Cambria Math" panose="02040503050406030204" pitchFamily="18" charset="0"/>
+                                </a:rPr>
+                                <m:t>𝑘</m:t>
+                              </m:r>
+                            </m:sub>
+                          </m:sSub>
+                        </m:e>
+                      </m:nary>
+                    </m:oMath>
+                  </m:oMathPara>
+                </a14:m>
+                <a:endParaRPr lang="en-DE" dirty="0"/>
+              </a:p>
+            </p:txBody>
+          </p:sp>
+        </mc:Choice>
+        <mc:Fallback>
+          <p:sp>
+            <p:nvSpPr>
+              <p:cNvPr id="16" name="TextBox 15">
+                <a:extLst>
+                  <a:ext uri="{FF2B5EF4-FFF2-40B4-BE49-F238E27FC236}">
+                    <a16:creationId xmlns:a16="http://schemas.microsoft.com/office/drawing/2014/main" id="{282E0CD7-DD60-7F4A-9434-075757107EB8}"/>
+                  </a:ext>
+                </a:extLst>
+              </p:cNvPr>
+              <p:cNvSpPr txBox="1">
+                <a:spLocks noRot="1" noChangeAspect="1" noMove="1" noResize="1" noEditPoints="1" noAdjustHandles="1" noChangeArrowheads="1" noChangeShapeType="1" noTextEdit="1"/>
+              </p:cNvSpPr>
+              <p:nvPr/>
+            </p:nvSpPr>
+            <p:spPr>
+              <a:xfrm>
+                <a:off x="353962" y="2136940"/>
+                <a:ext cx="3480619" cy="602922"/>
+              </a:xfrm>
+              <a:prstGeom prst="rect">
+                <a:avLst/>
+              </a:prstGeom>
+              <a:blipFill>
+                <a:blip r:embed="rId2"/>
+                <a:stretch>
+                  <a:fillRect t="-164583" b="-235417"/>
+                </a:stretch>
+              </a:blipFill>
+            </p:spPr>
+            <p:txBody>
+              <a:bodyPr/>
+              <a:lstStyle/>
+              <a:p>
+                <a:r>
+                  <a:rPr lang="en-DE">
+                    <a:noFill/>
+                  </a:rPr>
+                  <a:t> </a:t>
+                </a:r>
+              </a:p>
+            </p:txBody>
+          </p:sp>
+        </mc:Fallback>
+      </mc:AlternateContent>
     </p:spTree>
     <p:extLst>
       <p:ext uri="{BB962C8B-B14F-4D97-AF65-F5344CB8AC3E}">
-        <p14:creationId xmlns:p14="http://schemas.microsoft.com/office/powerpoint/2010/main" val="2266366255"/>
+        <p14:creationId xmlns:p14="http://schemas.microsoft.com/office/powerpoint/2010/main" val="1803599487"/>
       </p:ext>
     </p:extLst>
   </p:cSld>
@@ -4183,7 +6606,7 @@
           <p:cNvPr id="2" name="Title 1">
             <a:extLst>
               <a:ext uri="{FF2B5EF4-FFF2-40B4-BE49-F238E27FC236}">
-                <a16:creationId xmlns:a16="http://schemas.microsoft.com/office/drawing/2014/main" id="{2A7550D1-35D0-5A45-AE3D-2624102623FD}"/>
+                <a16:creationId xmlns:a16="http://schemas.microsoft.com/office/drawing/2014/main" id="{284FF2F7-29B9-F440-9620-2E9432410183}"/>
               </a:ext>
             </a:extLst>
           </p:cNvPr>
@@ -4194,14 +6617,683 @@
             <p:ph type="title"/>
           </p:nvPr>
         </p:nvSpPr>
-        <p:spPr/>
+        <p:spPr>
+          <a:xfrm>
+            <a:off x="0" y="0"/>
+            <a:ext cx="10515600" cy="1325563"/>
+          </a:xfrm>
+        </p:spPr>
         <p:txBody>
           <a:bodyPr/>
           <a:lstStyle/>
           <a:p>
             <a:r>
               <a:rPr lang="en-DE" dirty="0"/>
-              <a:t>Physical consistency in the modelled processes</a:t>
+              <a:t>Process-based modeling of the gross primary productivity: PRELES</a:t>
+            </a:r>
+          </a:p>
+        </p:txBody>
+      </p:sp>
+      <p:sp>
+        <p:nvSpPr>
+          <p:cNvPr id="3" name="Rounded Rectangle 2">
+            <a:extLst>
+              <a:ext uri="{FF2B5EF4-FFF2-40B4-BE49-F238E27FC236}">
+                <a16:creationId xmlns:a16="http://schemas.microsoft.com/office/drawing/2014/main" id="{40735302-6325-4543-AAF8-9A6BDCF3323E}"/>
+              </a:ext>
+            </a:extLst>
+          </p:cNvPr>
+          <p:cNvSpPr/>
+          <p:nvPr/>
+        </p:nvSpPr>
+        <p:spPr>
+          <a:xfrm>
+            <a:off x="5132441" y="1897627"/>
+            <a:ext cx="2418734" cy="1081548"/>
+          </a:xfrm>
+          <a:prstGeom prst="roundRect">
+            <a:avLst/>
+          </a:prstGeom>
+          <a:solidFill>
+            <a:schemeClr val="bg2">
+              <a:lumMod val="75000"/>
+            </a:schemeClr>
+          </a:solidFill>
+          <a:ln>
+            <a:solidFill>
+              <a:schemeClr val="tx1"/>
+            </a:solidFill>
+          </a:ln>
+        </p:spPr>
+        <p:style>
+          <a:lnRef idx="2">
+            <a:schemeClr val="accent1">
+              <a:shade val="50000"/>
+            </a:schemeClr>
+          </a:lnRef>
+          <a:fillRef idx="1">
+            <a:schemeClr val="accent1"/>
+          </a:fillRef>
+          <a:effectRef idx="0">
+            <a:schemeClr val="accent1"/>
+          </a:effectRef>
+          <a:fontRef idx="minor">
+            <a:schemeClr val="lt1"/>
+          </a:fontRef>
+        </p:style>
+        <p:txBody>
+          <a:bodyPr rtlCol="0" anchor="ctr"/>
+          <a:lstStyle/>
+          <a:p>
+            <a:pPr algn="ctr"/>
+            <a:r>
+              <a:rPr lang="en-DE" dirty="0"/>
+              <a:t>Light-use efficiency (P) </a:t>
+            </a:r>
+          </a:p>
+        </p:txBody>
+      </p:sp>
+      <p:sp>
+        <p:nvSpPr>
+          <p:cNvPr id="4" name="Rounded Rectangle 3">
+            <a:extLst>
+              <a:ext uri="{FF2B5EF4-FFF2-40B4-BE49-F238E27FC236}">
+                <a16:creationId xmlns:a16="http://schemas.microsoft.com/office/drawing/2014/main" id="{2FBEA962-F164-F24B-BF6F-E50950057D78}"/>
+              </a:ext>
+            </a:extLst>
+          </p:cNvPr>
+          <p:cNvSpPr/>
+          <p:nvPr/>
+        </p:nvSpPr>
+        <p:spPr>
+          <a:xfrm>
+            <a:off x="5132441" y="3751008"/>
+            <a:ext cx="2418734" cy="1081548"/>
+          </a:xfrm>
+          <a:prstGeom prst="roundRect">
+            <a:avLst/>
+          </a:prstGeom>
+          <a:solidFill>
+            <a:schemeClr val="bg2">
+              <a:lumMod val="75000"/>
+            </a:schemeClr>
+          </a:solidFill>
+          <a:ln>
+            <a:solidFill>
+              <a:schemeClr val="tx1"/>
+            </a:solidFill>
+          </a:ln>
+        </p:spPr>
+        <p:style>
+          <a:lnRef idx="2">
+            <a:schemeClr val="accent1">
+              <a:shade val="50000"/>
+            </a:schemeClr>
+          </a:lnRef>
+          <a:fillRef idx="1">
+            <a:schemeClr val="accent1"/>
+          </a:fillRef>
+          <a:effectRef idx="0">
+            <a:schemeClr val="accent1"/>
+          </a:effectRef>
+          <a:fontRef idx="minor">
+            <a:schemeClr val="lt1"/>
+          </a:fontRef>
+        </p:style>
+        <p:txBody>
+          <a:bodyPr rtlCol="0" anchor="ctr"/>
+          <a:lstStyle/>
+          <a:p>
+            <a:pPr algn="ctr"/>
+            <a:r>
+              <a:rPr lang="en-DE" dirty="0"/>
+              <a:t>Soil water content (SW)</a:t>
+            </a:r>
+          </a:p>
+        </p:txBody>
+      </p:sp>
+      <p:sp>
+        <p:nvSpPr>
+          <p:cNvPr id="5" name="Rounded Rectangle 4">
+            <a:extLst>
+              <a:ext uri="{FF2B5EF4-FFF2-40B4-BE49-F238E27FC236}">
+                <a16:creationId xmlns:a16="http://schemas.microsoft.com/office/drawing/2014/main" id="{AD3E7581-43C0-1346-89BF-27D23D7A1FEE}"/>
+              </a:ext>
+            </a:extLst>
+          </p:cNvPr>
+          <p:cNvSpPr/>
+          <p:nvPr/>
+        </p:nvSpPr>
+        <p:spPr>
+          <a:xfrm>
+            <a:off x="9030928" y="1897627"/>
+            <a:ext cx="2418733" cy="1081548"/>
+          </a:xfrm>
+          <a:prstGeom prst="roundRect">
+            <a:avLst/>
+          </a:prstGeom>
+          <a:solidFill>
+            <a:schemeClr val="bg2">
+              <a:lumMod val="75000"/>
+            </a:schemeClr>
+          </a:solidFill>
+          <a:ln>
+            <a:solidFill>
+              <a:schemeClr val="tx1"/>
+            </a:solidFill>
+          </a:ln>
+        </p:spPr>
+        <p:style>
+          <a:lnRef idx="2">
+            <a:schemeClr val="accent1">
+              <a:shade val="50000"/>
+            </a:schemeClr>
+          </a:lnRef>
+          <a:fillRef idx="1">
+            <a:schemeClr val="accent1"/>
+          </a:fillRef>
+          <a:effectRef idx="0">
+            <a:schemeClr val="accent1"/>
+          </a:effectRef>
+          <a:fontRef idx="minor">
+            <a:schemeClr val="lt1"/>
+          </a:fontRef>
+        </p:style>
+        <p:txBody>
+          <a:bodyPr rtlCol="0" anchor="ctr"/>
+          <a:lstStyle/>
+          <a:p>
+            <a:pPr algn="ctr"/>
+            <a:r>
+              <a:rPr lang="en-DE" dirty="0"/>
+              <a:t>Evapotranspiration (ET)</a:t>
+            </a:r>
+          </a:p>
+        </p:txBody>
+      </p:sp>
+      <p:cxnSp>
+        <p:nvCxnSpPr>
+          <p:cNvPr id="7" name="Straight Arrow Connector 6">
+            <a:extLst>
+              <a:ext uri="{FF2B5EF4-FFF2-40B4-BE49-F238E27FC236}">
+                <a16:creationId xmlns:a16="http://schemas.microsoft.com/office/drawing/2014/main" id="{8992D967-3A7A-724A-8490-5A8BCAC45FD5}"/>
+              </a:ext>
+            </a:extLst>
+          </p:cNvPr>
+          <p:cNvCxnSpPr/>
+          <p:nvPr/>
+        </p:nvCxnSpPr>
+        <p:spPr>
+          <a:xfrm>
+            <a:off x="7737988" y="2448233"/>
+            <a:ext cx="1061884" cy="0"/>
+          </a:xfrm>
+          <a:prstGeom prst="straightConnector1">
+            <a:avLst/>
+          </a:prstGeom>
+          <a:ln w="19050">
+            <a:solidFill>
+              <a:schemeClr val="tx1"/>
+            </a:solidFill>
+            <a:tailEnd type="triangle"/>
+          </a:ln>
+        </p:spPr>
+        <p:style>
+          <a:lnRef idx="1">
+            <a:schemeClr val="accent1"/>
+          </a:lnRef>
+          <a:fillRef idx="0">
+            <a:schemeClr val="accent1"/>
+          </a:fillRef>
+          <a:effectRef idx="0">
+            <a:schemeClr val="accent1"/>
+          </a:effectRef>
+          <a:fontRef idx="minor">
+            <a:schemeClr val="tx1"/>
+          </a:fontRef>
+        </p:style>
+      </p:cxnSp>
+      <p:cxnSp>
+        <p:nvCxnSpPr>
+          <p:cNvPr id="8" name="Straight Arrow Connector 7">
+            <a:extLst>
+              <a:ext uri="{FF2B5EF4-FFF2-40B4-BE49-F238E27FC236}">
+                <a16:creationId xmlns:a16="http://schemas.microsoft.com/office/drawing/2014/main" id="{35DA12BE-B545-F343-A3C4-484705E68C76}"/>
+              </a:ext>
+            </a:extLst>
+          </p:cNvPr>
+          <p:cNvCxnSpPr>
+            <a:cxnSpLocks/>
+          </p:cNvCxnSpPr>
+          <p:nvPr/>
+        </p:nvCxnSpPr>
+        <p:spPr>
+          <a:xfrm flipV="1">
+            <a:off x="6322143" y="3077499"/>
+            <a:ext cx="0" cy="599766"/>
+          </a:xfrm>
+          <a:prstGeom prst="straightConnector1">
+            <a:avLst/>
+          </a:prstGeom>
+          <a:ln w="19050">
+            <a:solidFill>
+              <a:schemeClr val="tx1"/>
+            </a:solidFill>
+            <a:tailEnd type="triangle"/>
+          </a:ln>
+        </p:spPr>
+        <p:style>
+          <a:lnRef idx="1">
+            <a:schemeClr val="accent1"/>
+          </a:lnRef>
+          <a:fillRef idx="0">
+            <a:schemeClr val="accent1"/>
+          </a:fillRef>
+          <a:effectRef idx="0">
+            <a:schemeClr val="accent1"/>
+          </a:effectRef>
+          <a:fontRef idx="minor">
+            <a:schemeClr val="tx1"/>
+          </a:fontRef>
+        </p:style>
+      </p:cxnSp>
+      <p:cxnSp>
+        <p:nvCxnSpPr>
+          <p:cNvPr id="15" name="Straight Arrow Connector 14">
+            <a:extLst>
+              <a:ext uri="{FF2B5EF4-FFF2-40B4-BE49-F238E27FC236}">
+                <a16:creationId xmlns:a16="http://schemas.microsoft.com/office/drawing/2014/main" id="{C96B68AA-B06C-5B40-A987-DB8FBA9ED5D2}"/>
+              </a:ext>
+            </a:extLst>
+          </p:cNvPr>
+          <p:cNvCxnSpPr/>
+          <p:nvPr/>
+        </p:nvCxnSpPr>
+        <p:spPr>
+          <a:xfrm flipH="1">
+            <a:off x="7737988" y="3077499"/>
+            <a:ext cx="2241755" cy="1199534"/>
+          </a:xfrm>
+          <a:prstGeom prst="straightConnector1">
+            <a:avLst/>
+          </a:prstGeom>
+          <a:ln w="19050">
+            <a:solidFill>
+              <a:schemeClr val="tx1"/>
+            </a:solidFill>
+            <a:headEnd type="triangle"/>
+            <a:tailEnd type="triangle"/>
+          </a:ln>
+        </p:spPr>
+        <p:style>
+          <a:lnRef idx="1">
+            <a:schemeClr val="accent1"/>
+          </a:lnRef>
+          <a:fillRef idx="0">
+            <a:schemeClr val="accent1"/>
+          </a:fillRef>
+          <a:effectRef idx="0">
+            <a:schemeClr val="accent1"/>
+          </a:effectRef>
+          <a:fontRef idx="minor">
+            <a:schemeClr val="tx1"/>
+          </a:fontRef>
+        </p:style>
+      </p:cxnSp>
+      <mc:AlternateContent xmlns:mc="http://schemas.openxmlformats.org/markup-compatibility/2006">
+        <mc:Choice xmlns:a14="http://schemas.microsoft.com/office/drawing/2010/main" Requires="a14">
+          <p:sp>
+            <p:nvSpPr>
+              <p:cNvPr id="16" name="TextBox 15">
+                <a:extLst>
+                  <a:ext uri="{FF2B5EF4-FFF2-40B4-BE49-F238E27FC236}">
+                    <a16:creationId xmlns:a16="http://schemas.microsoft.com/office/drawing/2014/main" id="{282E0CD7-DD60-7F4A-9434-075757107EB8}"/>
+                  </a:ext>
+                </a:extLst>
+              </p:cNvPr>
+              <p:cNvSpPr txBox="1"/>
+              <p:nvPr/>
+            </p:nvSpPr>
+            <p:spPr>
+              <a:xfrm>
+                <a:off x="353962" y="2136940"/>
+                <a:ext cx="3480619" cy="602922"/>
+              </a:xfrm>
+              <a:prstGeom prst="rect">
+                <a:avLst/>
+              </a:prstGeom>
+              <a:noFill/>
+            </p:spPr>
+            <p:txBody>
+              <a:bodyPr wrap="square" rtlCol="0">
+                <a:spAutoFit/>
+              </a:bodyPr>
+              <a:lstStyle/>
+              <a:p>
+                <a14:m>
+                  <m:oMathPara xmlns:m="http://schemas.openxmlformats.org/officeDocument/2006/math">
+                    <m:oMathParaPr>
+                      <m:jc m:val="centerGroup"/>
+                    </m:oMathParaPr>
+                    <m:oMath xmlns:m="http://schemas.openxmlformats.org/officeDocument/2006/math">
+                      <m:sSub>
+                        <m:sSubPr>
+                          <m:ctrlPr>
+                            <a:rPr lang="en-DE" i="1" smtClean="0">
+                              <a:latin typeface="Cambria Math" panose="02040503050406030204" pitchFamily="18" charset="0"/>
+                            </a:rPr>
+                          </m:ctrlPr>
+                        </m:sSubPr>
+                        <m:e>
+                          <m:r>
+                            <a:rPr lang="de-DE" b="0" i="1" smtClean="0">
+                              <a:latin typeface="Cambria Math" panose="02040503050406030204" pitchFamily="18" charset="0"/>
+                            </a:rPr>
+                            <m:t>𝑃</m:t>
+                          </m:r>
+                        </m:e>
+                        <m:sub>
+                          <m:r>
+                            <a:rPr lang="de-DE" b="0" i="1" smtClean="0">
+                              <a:latin typeface="Cambria Math" panose="02040503050406030204" pitchFamily="18" charset="0"/>
+                            </a:rPr>
+                            <m:t>𝑘</m:t>
+                          </m:r>
+                        </m:sub>
+                      </m:sSub>
+                      <m:r>
+                        <a:rPr lang="de-DE" b="0" i="1" smtClean="0">
+                          <a:latin typeface="Cambria Math" panose="02040503050406030204" pitchFamily="18" charset="0"/>
+                        </a:rPr>
+                        <m:t>=</m:t>
+                      </m:r>
+                      <m:sSub>
+                        <m:sSubPr>
+                          <m:ctrlPr>
+                            <a:rPr lang="de-DE" b="0" i="1" smtClean="0">
+                              <a:latin typeface="Cambria Math" panose="02040503050406030204" pitchFamily="18" charset="0"/>
+                            </a:rPr>
+                          </m:ctrlPr>
+                        </m:sSubPr>
+                        <m:e>
+                          <m:r>
+                            <a:rPr lang="de-DE" b="0" i="1" smtClean="0">
+                              <a:latin typeface="Cambria Math" panose="02040503050406030204" pitchFamily="18" charset="0"/>
+                              <a:ea typeface="Cambria Math" panose="02040503050406030204" pitchFamily="18" charset="0"/>
+                            </a:rPr>
+                            <m:t>𝛽</m:t>
+                          </m:r>
+                        </m:e>
+                        <m:sub>
+                          <m:r>
+                            <a:rPr lang="de-DE" b="0" i="1" smtClean="0">
+                              <a:latin typeface="Cambria Math" panose="02040503050406030204" pitchFamily="18" charset="0"/>
+                            </a:rPr>
+                            <m:t>𝑃</m:t>
+                          </m:r>
+                        </m:sub>
+                      </m:sSub>
+                      <m:sSub>
+                        <m:sSubPr>
+                          <m:ctrlPr>
+                            <a:rPr lang="de-DE" b="0" i="1" smtClean="0">
+                              <a:latin typeface="Cambria Math" panose="02040503050406030204" pitchFamily="18" charset="0"/>
+                            </a:rPr>
+                          </m:ctrlPr>
+                        </m:sSubPr>
+                        <m:e>
+                          <m:r>
+                            <a:rPr lang="de-DE" b="0" i="1" smtClean="0">
+                              <a:latin typeface="Cambria Math" panose="02040503050406030204" pitchFamily="18" charset="0"/>
+                              <a:ea typeface="Cambria Math" panose="02040503050406030204" pitchFamily="18" charset="0"/>
+                            </a:rPr>
+                            <m:t>𝜑</m:t>
+                          </m:r>
+                        </m:e>
+                        <m:sub>
+                          <m:r>
+                            <a:rPr lang="de-DE" b="0" i="1" smtClean="0">
+                              <a:latin typeface="Cambria Math" panose="02040503050406030204" pitchFamily="18" charset="0"/>
+                            </a:rPr>
+                            <m:t>𝑘</m:t>
+                          </m:r>
+                        </m:sub>
+                      </m:sSub>
+                      <m:sSub>
+                        <m:sSubPr>
+                          <m:ctrlPr>
+                            <a:rPr lang="de-DE" b="0" i="1" smtClean="0">
+                              <a:latin typeface="Cambria Math" panose="02040503050406030204" pitchFamily="18" charset="0"/>
+                            </a:rPr>
+                          </m:ctrlPr>
+                        </m:sSubPr>
+                        <m:e>
+                          <m:r>
+                            <a:rPr lang="de-DE" b="0" i="1" smtClean="0">
+                              <a:latin typeface="Cambria Math" panose="02040503050406030204" pitchFamily="18" charset="0"/>
+                            </a:rPr>
+                            <m:t>𝑓</m:t>
+                          </m:r>
+                        </m:e>
+                        <m:sub>
+                          <m:r>
+                            <a:rPr lang="de-DE" b="0" i="1" smtClean="0">
+                              <a:latin typeface="Cambria Math" panose="02040503050406030204" pitchFamily="18" charset="0"/>
+                            </a:rPr>
+                            <m:t>𝑎</m:t>
+                          </m:r>
+                          <m:r>
+                            <a:rPr lang="de-DE" b="0" i="1" smtClean="0">
+                              <a:latin typeface="Cambria Math" panose="02040503050406030204" pitchFamily="18" charset="0"/>
+                              <a:ea typeface="Cambria Math" panose="02040503050406030204" pitchFamily="18" charset="0"/>
+                            </a:rPr>
+                            <m:t>𝜑</m:t>
+                          </m:r>
+                        </m:sub>
+                      </m:sSub>
+                      <m:nary>
+                        <m:naryPr>
+                          <m:chr m:val="∏"/>
+                          <m:limLoc m:val="subSup"/>
+                          <m:supHide m:val="on"/>
+                          <m:ctrlPr>
+                            <a:rPr lang="de-DE" b="0" i="1" smtClean="0">
+                              <a:latin typeface="Cambria Math" panose="02040503050406030204" pitchFamily="18" charset="0"/>
+                            </a:rPr>
+                          </m:ctrlPr>
+                        </m:naryPr>
+                        <m:sub>
+                          <m:r>
+                            <m:rPr>
+                              <m:brk m:alnAt="9"/>
+                            </m:rPr>
+                            <a:rPr lang="de-DE" b="0" i="1" smtClean="0">
+                              <a:latin typeface="Cambria Math" panose="02040503050406030204" pitchFamily="18" charset="0"/>
+                            </a:rPr>
+                            <m:t>𝑖</m:t>
+                          </m:r>
+                        </m:sub>
+                        <m:sup/>
+                        <m:e>
+                          <m:sSub>
+                            <m:sSubPr>
+                              <m:ctrlPr>
+                                <a:rPr lang="de-DE" b="0" i="1" smtClean="0">
+                                  <a:latin typeface="Cambria Math" panose="02040503050406030204" pitchFamily="18" charset="0"/>
+                                </a:rPr>
+                              </m:ctrlPr>
+                            </m:sSubPr>
+                            <m:e>
+                              <m:r>
+                                <a:rPr lang="de-DE" b="0" i="1" smtClean="0">
+                                  <a:latin typeface="Cambria Math" panose="02040503050406030204" pitchFamily="18" charset="0"/>
+                                </a:rPr>
+                                <m:t>𝑓</m:t>
+                              </m:r>
+                            </m:e>
+                            <m:sub>
+                              <m:r>
+                                <a:rPr lang="de-DE" b="0" i="1" smtClean="0">
+                                  <a:latin typeface="Cambria Math" panose="02040503050406030204" pitchFamily="18" charset="0"/>
+                                </a:rPr>
+                                <m:t>𝑖</m:t>
+                              </m:r>
+                              <m:r>
+                                <a:rPr lang="de-DE" b="0" i="1" smtClean="0">
+                                  <a:latin typeface="Cambria Math" panose="02040503050406030204" pitchFamily="18" charset="0"/>
+                                </a:rPr>
+                                <m:t>,</m:t>
+                              </m:r>
+                              <m:r>
+                                <a:rPr lang="de-DE" b="0" i="1" smtClean="0">
+                                  <a:latin typeface="Cambria Math" panose="02040503050406030204" pitchFamily="18" charset="0"/>
+                                </a:rPr>
+                                <m:t>𝑘</m:t>
+                              </m:r>
+                            </m:sub>
+                          </m:sSub>
+                        </m:e>
+                      </m:nary>
+                    </m:oMath>
+                  </m:oMathPara>
+                </a14:m>
+                <a:endParaRPr lang="en-DE" dirty="0"/>
+              </a:p>
+            </p:txBody>
+          </p:sp>
+        </mc:Choice>
+        <mc:Fallback>
+          <p:sp>
+            <p:nvSpPr>
+              <p:cNvPr id="16" name="TextBox 15">
+                <a:extLst>
+                  <a:ext uri="{FF2B5EF4-FFF2-40B4-BE49-F238E27FC236}">
+                    <a16:creationId xmlns:a16="http://schemas.microsoft.com/office/drawing/2014/main" id="{282E0CD7-DD60-7F4A-9434-075757107EB8}"/>
+                  </a:ext>
+                </a:extLst>
+              </p:cNvPr>
+              <p:cNvSpPr txBox="1">
+                <a:spLocks noRot="1" noChangeAspect="1" noMove="1" noResize="1" noEditPoints="1" noAdjustHandles="1" noChangeArrowheads="1" noChangeShapeType="1" noTextEdit="1"/>
+              </p:cNvSpPr>
+              <p:nvPr/>
+            </p:nvSpPr>
+            <p:spPr>
+              <a:xfrm>
+                <a:off x="353962" y="2136940"/>
+                <a:ext cx="3480619" cy="602922"/>
+              </a:xfrm>
+              <a:prstGeom prst="rect">
+                <a:avLst/>
+              </a:prstGeom>
+              <a:blipFill>
+                <a:blip r:embed="rId2"/>
+                <a:stretch>
+                  <a:fillRect t="-164583" b="-235417"/>
+                </a:stretch>
+              </a:blipFill>
+            </p:spPr>
+            <p:txBody>
+              <a:bodyPr/>
+              <a:lstStyle/>
+              <a:p>
+                <a:r>
+                  <a:rPr lang="en-DE">
+                    <a:noFill/>
+                  </a:rPr>
+                  <a:t> </a:t>
+                </a:r>
+              </a:p>
+            </p:txBody>
+          </p:sp>
+        </mc:Fallback>
+      </mc:AlternateContent>
+      <p:cxnSp>
+        <p:nvCxnSpPr>
+          <p:cNvPr id="17" name="Straight Arrow Connector 16">
+            <a:extLst>
+              <a:ext uri="{FF2B5EF4-FFF2-40B4-BE49-F238E27FC236}">
+                <a16:creationId xmlns:a16="http://schemas.microsoft.com/office/drawing/2014/main" id="{5101FA16-997A-1C4F-BE0A-EC6BD90DD26B}"/>
+              </a:ext>
+            </a:extLst>
+          </p:cNvPr>
+          <p:cNvCxnSpPr>
+            <a:cxnSpLocks/>
+          </p:cNvCxnSpPr>
+          <p:nvPr/>
+        </p:nvCxnSpPr>
+        <p:spPr>
+          <a:xfrm flipV="1">
+            <a:off x="1641987" y="2580969"/>
+            <a:ext cx="0" cy="599766"/>
+          </a:xfrm>
+          <a:prstGeom prst="straightConnector1">
+            <a:avLst/>
+          </a:prstGeom>
+          <a:ln w="19050">
+            <a:solidFill>
+              <a:srgbClr val="0070C0"/>
+            </a:solidFill>
+            <a:tailEnd type="triangle"/>
+          </a:ln>
+        </p:spPr>
+        <p:style>
+          <a:lnRef idx="1">
+            <a:schemeClr val="accent1"/>
+          </a:lnRef>
+          <a:fillRef idx="0">
+            <a:schemeClr val="accent1"/>
+          </a:fillRef>
+          <a:effectRef idx="0">
+            <a:schemeClr val="accent1"/>
+          </a:effectRef>
+          <a:fontRef idx="minor">
+            <a:schemeClr val="tx1"/>
+          </a:fontRef>
+        </p:style>
+      </p:cxnSp>
+      <p:sp>
+        <p:nvSpPr>
+          <p:cNvPr id="18" name="TextBox 17">
+            <a:extLst>
+              <a:ext uri="{FF2B5EF4-FFF2-40B4-BE49-F238E27FC236}">
+                <a16:creationId xmlns:a16="http://schemas.microsoft.com/office/drawing/2014/main" id="{EDFDD95E-B91B-F74C-A90D-9F0E4B9F66CD}"/>
+              </a:ext>
+            </a:extLst>
+          </p:cNvPr>
+          <p:cNvSpPr txBox="1"/>
+          <p:nvPr/>
+        </p:nvSpPr>
+        <p:spPr>
+          <a:xfrm>
+            <a:off x="1317522" y="3105834"/>
+            <a:ext cx="1553497" cy="646331"/>
+          </a:xfrm>
+          <a:prstGeom prst="rect">
+            <a:avLst/>
+          </a:prstGeom>
+          <a:noFill/>
+        </p:spPr>
+        <p:txBody>
+          <a:bodyPr wrap="square" rtlCol="0">
+            <a:spAutoFit/>
+          </a:bodyPr>
+          <a:lstStyle/>
+          <a:p>
+            <a:r>
+              <a:rPr lang="en-GB" dirty="0">
+                <a:solidFill>
+                  <a:schemeClr val="accent1"/>
+                </a:solidFill>
+              </a:rPr>
+              <a:t>P</a:t>
+            </a:r>
+            <a:r>
+              <a:rPr lang="en-DE" dirty="0">
+                <a:solidFill>
+                  <a:schemeClr val="accent1"/>
+                </a:solidFill>
+              </a:rPr>
+              <a:t>otential light-use efficiency</a:t>
             </a:r>
           </a:p>
         </p:txBody>
@@ -4209,7 +7301,7 @@
     </p:spTree>
     <p:extLst>
       <p:ext uri="{BB962C8B-B14F-4D97-AF65-F5344CB8AC3E}">
-        <p14:creationId xmlns:p14="http://schemas.microsoft.com/office/powerpoint/2010/main" val="1752268435"/>
+        <p14:creationId xmlns:p14="http://schemas.microsoft.com/office/powerpoint/2010/main" val="1672198500"/>
       </p:ext>
     </p:extLst>
   </p:cSld>
@@ -4236,160 +7328,780 @@
           <a:chExt cx="0" cy="0"/>
         </a:xfrm>
       </p:grpSpPr>
-      <p:pic>
-        <p:nvPicPr>
-          <p:cNvPr id="5" name="Picture 4" descr="Histogram&#10;&#10;Description automatically generated with medium confidence">
-            <a:extLst>
-              <a:ext uri="{FF2B5EF4-FFF2-40B4-BE49-F238E27FC236}">
-                <a16:creationId xmlns:a16="http://schemas.microsoft.com/office/drawing/2014/main" id="{0FA0C3B4-A1A4-8A43-87C6-6A92A5543F75}"/>
-              </a:ext>
-            </a:extLst>
-          </p:cNvPr>
-          <p:cNvPicPr>
-            <a:picLocks noChangeAspect="1"/>
-          </p:cNvPicPr>
+      <p:sp>
+        <p:nvSpPr>
+          <p:cNvPr id="2" name="Title 1">
+            <a:extLst>
+              <a:ext uri="{FF2B5EF4-FFF2-40B4-BE49-F238E27FC236}">
+                <a16:creationId xmlns:a16="http://schemas.microsoft.com/office/drawing/2014/main" id="{284FF2F7-29B9-F440-9620-2E9432410183}"/>
+              </a:ext>
+            </a:extLst>
+          </p:cNvPr>
+          <p:cNvSpPr>
+            <a:spLocks noGrp="1"/>
+          </p:cNvSpPr>
+          <p:nvPr>
+            <p:ph type="title"/>
+          </p:nvPr>
+        </p:nvSpPr>
+        <p:spPr>
+          <a:xfrm>
+            <a:off x="0" y="0"/>
+            <a:ext cx="10515600" cy="1325563"/>
+          </a:xfrm>
+        </p:spPr>
+        <p:txBody>
+          <a:bodyPr/>
+          <a:lstStyle/>
+          <a:p>
+            <a:r>
+              <a:rPr lang="en-DE" dirty="0"/>
+              <a:t>Process-based modeling of the gross primary productivity: PRELES</a:t>
+            </a:r>
+          </a:p>
+        </p:txBody>
+      </p:sp>
+      <p:sp>
+        <p:nvSpPr>
+          <p:cNvPr id="3" name="Rounded Rectangle 2">
+            <a:extLst>
+              <a:ext uri="{FF2B5EF4-FFF2-40B4-BE49-F238E27FC236}">
+                <a16:creationId xmlns:a16="http://schemas.microsoft.com/office/drawing/2014/main" id="{40735302-6325-4543-AAF8-9A6BDCF3323E}"/>
+              </a:ext>
+            </a:extLst>
+          </p:cNvPr>
+          <p:cNvSpPr/>
           <p:nvPr/>
-        </p:nvPicPr>
-        <p:blipFill>
-          <a:blip r:embed="rId2"/>
-          <a:stretch>
-            <a:fillRect/>
-          </a:stretch>
-        </p:blipFill>
+        </p:nvSpPr>
         <p:spPr>
           <a:xfrm>
-            <a:off x="1502720" y="3429000"/>
-            <a:ext cx="3857596" cy="2745773"/>
+            <a:off x="5132441" y="1897627"/>
+            <a:ext cx="2418734" cy="1081548"/>
+          </a:xfrm>
+          <a:prstGeom prst="roundRect">
+            <a:avLst/>
+          </a:prstGeom>
+          <a:solidFill>
+            <a:schemeClr val="bg2">
+              <a:lumMod val="75000"/>
+            </a:schemeClr>
+          </a:solidFill>
+          <a:ln>
+            <a:solidFill>
+              <a:schemeClr val="tx1"/>
+            </a:solidFill>
+          </a:ln>
+        </p:spPr>
+        <p:style>
+          <a:lnRef idx="2">
+            <a:schemeClr val="accent1">
+              <a:shade val="50000"/>
+            </a:schemeClr>
+          </a:lnRef>
+          <a:fillRef idx="1">
+            <a:schemeClr val="accent1"/>
+          </a:fillRef>
+          <a:effectRef idx="0">
+            <a:schemeClr val="accent1"/>
+          </a:effectRef>
+          <a:fontRef idx="minor">
+            <a:schemeClr val="lt1"/>
+          </a:fontRef>
+        </p:style>
+        <p:txBody>
+          <a:bodyPr rtlCol="0" anchor="ctr"/>
+          <a:lstStyle/>
+          <a:p>
+            <a:pPr algn="ctr"/>
+            <a:r>
+              <a:rPr lang="en-DE" dirty="0"/>
+              <a:t>Light-use efficiency (P) </a:t>
+            </a:r>
+          </a:p>
+        </p:txBody>
+      </p:sp>
+      <p:sp>
+        <p:nvSpPr>
+          <p:cNvPr id="4" name="Rounded Rectangle 3">
+            <a:extLst>
+              <a:ext uri="{FF2B5EF4-FFF2-40B4-BE49-F238E27FC236}">
+                <a16:creationId xmlns:a16="http://schemas.microsoft.com/office/drawing/2014/main" id="{2FBEA962-F164-F24B-BF6F-E50950057D78}"/>
+              </a:ext>
+            </a:extLst>
+          </p:cNvPr>
+          <p:cNvSpPr/>
+          <p:nvPr/>
+        </p:nvSpPr>
+        <p:spPr>
+          <a:xfrm>
+            <a:off x="5132441" y="3751008"/>
+            <a:ext cx="2418734" cy="1081548"/>
+          </a:xfrm>
+          <a:prstGeom prst="roundRect">
+            <a:avLst/>
+          </a:prstGeom>
+          <a:solidFill>
+            <a:schemeClr val="bg2">
+              <a:lumMod val="75000"/>
+            </a:schemeClr>
+          </a:solidFill>
+          <a:ln>
+            <a:solidFill>
+              <a:schemeClr val="tx1"/>
+            </a:solidFill>
+          </a:ln>
+        </p:spPr>
+        <p:style>
+          <a:lnRef idx="2">
+            <a:schemeClr val="accent1">
+              <a:shade val="50000"/>
+            </a:schemeClr>
+          </a:lnRef>
+          <a:fillRef idx="1">
+            <a:schemeClr val="accent1"/>
+          </a:fillRef>
+          <a:effectRef idx="0">
+            <a:schemeClr val="accent1"/>
+          </a:effectRef>
+          <a:fontRef idx="minor">
+            <a:schemeClr val="lt1"/>
+          </a:fontRef>
+        </p:style>
+        <p:txBody>
+          <a:bodyPr rtlCol="0" anchor="ctr"/>
+          <a:lstStyle/>
+          <a:p>
+            <a:pPr algn="ctr"/>
+            <a:r>
+              <a:rPr lang="en-DE" dirty="0"/>
+              <a:t>Soil water content (SW)</a:t>
+            </a:r>
+          </a:p>
+        </p:txBody>
+      </p:sp>
+      <p:sp>
+        <p:nvSpPr>
+          <p:cNvPr id="5" name="Rounded Rectangle 4">
+            <a:extLst>
+              <a:ext uri="{FF2B5EF4-FFF2-40B4-BE49-F238E27FC236}">
+                <a16:creationId xmlns:a16="http://schemas.microsoft.com/office/drawing/2014/main" id="{AD3E7581-43C0-1346-89BF-27D23D7A1FEE}"/>
+              </a:ext>
+            </a:extLst>
+          </p:cNvPr>
+          <p:cNvSpPr/>
+          <p:nvPr/>
+        </p:nvSpPr>
+        <p:spPr>
+          <a:xfrm>
+            <a:off x="9030928" y="1897627"/>
+            <a:ext cx="2418733" cy="1081548"/>
+          </a:xfrm>
+          <a:prstGeom prst="roundRect">
+            <a:avLst/>
+          </a:prstGeom>
+          <a:solidFill>
+            <a:schemeClr val="bg2">
+              <a:lumMod val="75000"/>
+            </a:schemeClr>
+          </a:solidFill>
+          <a:ln>
+            <a:solidFill>
+              <a:schemeClr val="tx1"/>
+            </a:solidFill>
+          </a:ln>
+        </p:spPr>
+        <p:style>
+          <a:lnRef idx="2">
+            <a:schemeClr val="accent1">
+              <a:shade val="50000"/>
+            </a:schemeClr>
+          </a:lnRef>
+          <a:fillRef idx="1">
+            <a:schemeClr val="accent1"/>
+          </a:fillRef>
+          <a:effectRef idx="0">
+            <a:schemeClr val="accent1"/>
+          </a:effectRef>
+          <a:fontRef idx="minor">
+            <a:schemeClr val="lt1"/>
+          </a:fontRef>
+        </p:style>
+        <p:txBody>
+          <a:bodyPr rtlCol="0" anchor="ctr"/>
+          <a:lstStyle/>
+          <a:p>
+            <a:pPr algn="ctr"/>
+            <a:r>
+              <a:rPr lang="en-DE" dirty="0"/>
+              <a:t>Evapotranspiration (ET)</a:t>
+            </a:r>
+          </a:p>
+        </p:txBody>
+      </p:sp>
+      <p:cxnSp>
+        <p:nvCxnSpPr>
+          <p:cNvPr id="7" name="Straight Arrow Connector 6">
+            <a:extLst>
+              <a:ext uri="{FF2B5EF4-FFF2-40B4-BE49-F238E27FC236}">
+                <a16:creationId xmlns:a16="http://schemas.microsoft.com/office/drawing/2014/main" id="{8992D967-3A7A-724A-8490-5A8BCAC45FD5}"/>
+              </a:ext>
+            </a:extLst>
+          </p:cNvPr>
+          <p:cNvCxnSpPr/>
+          <p:nvPr/>
+        </p:nvCxnSpPr>
+        <p:spPr>
+          <a:xfrm>
+            <a:off x="7737988" y="2448233"/>
+            <a:ext cx="1061884" cy="0"/>
+          </a:xfrm>
+          <a:prstGeom prst="straightConnector1">
+            <a:avLst/>
+          </a:prstGeom>
+          <a:ln w="19050">
+            <a:solidFill>
+              <a:schemeClr val="tx1"/>
+            </a:solidFill>
+            <a:tailEnd type="triangle"/>
+          </a:ln>
+        </p:spPr>
+        <p:style>
+          <a:lnRef idx="1">
+            <a:schemeClr val="accent1"/>
+          </a:lnRef>
+          <a:fillRef idx="0">
+            <a:schemeClr val="accent1"/>
+          </a:fillRef>
+          <a:effectRef idx="0">
+            <a:schemeClr val="accent1"/>
+          </a:effectRef>
+          <a:fontRef idx="minor">
+            <a:schemeClr val="tx1"/>
+          </a:fontRef>
+        </p:style>
+      </p:cxnSp>
+      <p:cxnSp>
+        <p:nvCxnSpPr>
+          <p:cNvPr id="8" name="Straight Arrow Connector 7">
+            <a:extLst>
+              <a:ext uri="{FF2B5EF4-FFF2-40B4-BE49-F238E27FC236}">
+                <a16:creationId xmlns:a16="http://schemas.microsoft.com/office/drawing/2014/main" id="{35DA12BE-B545-F343-A3C4-484705E68C76}"/>
+              </a:ext>
+            </a:extLst>
+          </p:cNvPr>
+          <p:cNvCxnSpPr>
+            <a:cxnSpLocks/>
+          </p:cNvCxnSpPr>
+          <p:nvPr/>
+        </p:nvCxnSpPr>
+        <p:spPr>
+          <a:xfrm flipV="1">
+            <a:off x="6322143" y="3077499"/>
+            <a:ext cx="0" cy="599766"/>
+          </a:xfrm>
+          <a:prstGeom prst="straightConnector1">
+            <a:avLst/>
+          </a:prstGeom>
+          <a:ln w="19050">
+            <a:solidFill>
+              <a:schemeClr val="tx1"/>
+            </a:solidFill>
+            <a:tailEnd type="triangle"/>
+          </a:ln>
+        </p:spPr>
+        <p:style>
+          <a:lnRef idx="1">
+            <a:schemeClr val="accent1"/>
+          </a:lnRef>
+          <a:fillRef idx="0">
+            <a:schemeClr val="accent1"/>
+          </a:fillRef>
+          <a:effectRef idx="0">
+            <a:schemeClr val="accent1"/>
+          </a:effectRef>
+          <a:fontRef idx="minor">
+            <a:schemeClr val="tx1"/>
+          </a:fontRef>
+        </p:style>
+      </p:cxnSp>
+      <p:cxnSp>
+        <p:nvCxnSpPr>
+          <p:cNvPr id="15" name="Straight Arrow Connector 14">
+            <a:extLst>
+              <a:ext uri="{FF2B5EF4-FFF2-40B4-BE49-F238E27FC236}">
+                <a16:creationId xmlns:a16="http://schemas.microsoft.com/office/drawing/2014/main" id="{C96B68AA-B06C-5B40-A987-DB8FBA9ED5D2}"/>
+              </a:ext>
+            </a:extLst>
+          </p:cNvPr>
+          <p:cNvCxnSpPr/>
+          <p:nvPr/>
+        </p:nvCxnSpPr>
+        <p:spPr>
+          <a:xfrm flipH="1">
+            <a:off x="7737988" y="3077499"/>
+            <a:ext cx="2241755" cy="1199534"/>
+          </a:xfrm>
+          <a:prstGeom prst="straightConnector1">
+            <a:avLst/>
+          </a:prstGeom>
+          <a:ln w="19050">
+            <a:solidFill>
+              <a:schemeClr val="tx1"/>
+            </a:solidFill>
+            <a:headEnd type="triangle"/>
+            <a:tailEnd type="triangle"/>
+          </a:ln>
+        </p:spPr>
+        <p:style>
+          <a:lnRef idx="1">
+            <a:schemeClr val="accent1"/>
+          </a:lnRef>
+          <a:fillRef idx="0">
+            <a:schemeClr val="accent1"/>
+          </a:fillRef>
+          <a:effectRef idx="0">
+            <a:schemeClr val="accent1"/>
+          </a:effectRef>
+          <a:fontRef idx="minor">
+            <a:schemeClr val="tx1"/>
+          </a:fontRef>
+        </p:style>
+      </p:cxnSp>
+      <mc:AlternateContent xmlns:mc="http://schemas.openxmlformats.org/markup-compatibility/2006">
+        <mc:Choice xmlns:a14="http://schemas.microsoft.com/office/drawing/2010/main" Requires="a14">
+          <p:sp>
+            <p:nvSpPr>
+              <p:cNvPr id="16" name="TextBox 15">
+                <a:extLst>
+                  <a:ext uri="{FF2B5EF4-FFF2-40B4-BE49-F238E27FC236}">
+                    <a16:creationId xmlns:a16="http://schemas.microsoft.com/office/drawing/2014/main" id="{282E0CD7-DD60-7F4A-9434-075757107EB8}"/>
+                  </a:ext>
+                </a:extLst>
+              </p:cNvPr>
+              <p:cNvSpPr txBox="1"/>
+              <p:nvPr/>
+            </p:nvSpPr>
+            <p:spPr>
+              <a:xfrm>
+                <a:off x="353962" y="2136940"/>
+                <a:ext cx="3480619" cy="602922"/>
+              </a:xfrm>
+              <a:prstGeom prst="rect">
+                <a:avLst/>
+              </a:prstGeom>
+              <a:noFill/>
+            </p:spPr>
+            <p:txBody>
+              <a:bodyPr wrap="square" rtlCol="0">
+                <a:spAutoFit/>
+              </a:bodyPr>
+              <a:lstStyle/>
+              <a:p>
+                <a14:m>
+                  <m:oMathPara xmlns:m="http://schemas.openxmlformats.org/officeDocument/2006/math">
+                    <m:oMathParaPr>
+                      <m:jc m:val="centerGroup"/>
+                    </m:oMathParaPr>
+                    <m:oMath xmlns:m="http://schemas.openxmlformats.org/officeDocument/2006/math">
+                      <m:sSub>
+                        <m:sSubPr>
+                          <m:ctrlPr>
+                            <a:rPr lang="en-DE" i="1" smtClean="0">
+                              <a:latin typeface="Cambria Math" panose="02040503050406030204" pitchFamily="18" charset="0"/>
+                            </a:rPr>
+                          </m:ctrlPr>
+                        </m:sSubPr>
+                        <m:e>
+                          <m:r>
+                            <a:rPr lang="de-DE" b="0" i="1" smtClean="0">
+                              <a:latin typeface="Cambria Math" panose="02040503050406030204" pitchFamily="18" charset="0"/>
+                            </a:rPr>
+                            <m:t>𝑃</m:t>
+                          </m:r>
+                        </m:e>
+                        <m:sub>
+                          <m:r>
+                            <a:rPr lang="de-DE" b="0" i="1" smtClean="0">
+                              <a:latin typeface="Cambria Math" panose="02040503050406030204" pitchFamily="18" charset="0"/>
+                            </a:rPr>
+                            <m:t>𝑘</m:t>
+                          </m:r>
+                        </m:sub>
+                      </m:sSub>
+                      <m:r>
+                        <a:rPr lang="de-DE" b="0" i="1" smtClean="0">
+                          <a:latin typeface="Cambria Math" panose="02040503050406030204" pitchFamily="18" charset="0"/>
+                        </a:rPr>
+                        <m:t>=</m:t>
+                      </m:r>
+                      <m:sSub>
+                        <m:sSubPr>
+                          <m:ctrlPr>
+                            <a:rPr lang="de-DE" b="0" i="1" smtClean="0">
+                              <a:latin typeface="Cambria Math" panose="02040503050406030204" pitchFamily="18" charset="0"/>
+                            </a:rPr>
+                          </m:ctrlPr>
+                        </m:sSubPr>
+                        <m:e>
+                          <m:r>
+                            <a:rPr lang="de-DE" b="0" i="1" smtClean="0">
+                              <a:latin typeface="Cambria Math" panose="02040503050406030204" pitchFamily="18" charset="0"/>
+                              <a:ea typeface="Cambria Math" panose="02040503050406030204" pitchFamily="18" charset="0"/>
+                            </a:rPr>
+                            <m:t>𝛽</m:t>
+                          </m:r>
+                        </m:e>
+                        <m:sub>
+                          <m:r>
+                            <a:rPr lang="de-DE" b="0" i="1" smtClean="0">
+                              <a:latin typeface="Cambria Math" panose="02040503050406030204" pitchFamily="18" charset="0"/>
+                            </a:rPr>
+                            <m:t>𝑃</m:t>
+                          </m:r>
+                        </m:sub>
+                      </m:sSub>
+                      <m:sSub>
+                        <m:sSubPr>
+                          <m:ctrlPr>
+                            <a:rPr lang="de-DE" b="0" i="1" smtClean="0">
+                              <a:latin typeface="Cambria Math" panose="02040503050406030204" pitchFamily="18" charset="0"/>
+                            </a:rPr>
+                          </m:ctrlPr>
+                        </m:sSubPr>
+                        <m:e>
+                          <m:r>
+                            <a:rPr lang="de-DE" b="0" i="1" smtClean="0">
+                              <a:latin typeface="Cambria Math" panose="02040503050406030204" pitchFamily="18" charset="0"/>
+                              <a:ea typeface="Cambria Math" panose="02040503050406030204" pitchFamily="18" charset="0"/>
+                            </a:rPr>
+                            <m:t>𝜑</m:t>
+                          </m:r>
+                        </m:e>
+                        <m:sub>
+                          <m:r>
+                            <a:rPr lang="de-DE" b="0" i="1" smtClean="0">
+                              <a:latin typeface="Cambria Math" panose="02040503050406030204" pitchFamily="18" charset="0"/>
+                            </a:rPr>
+                            <m:t>𝑘</m:t>
+                          </m:r>
+                        </m:sub>
+                      </m:sSub>
+                      <m:sSub>
+                        <m:sSubPr>
+                          <m:ctrlPr>
+                            <a:rPr lang="de-DE" b="0" i="1" smtClean="0">
+                              <a:latin typeface="Cambria Math" panose="02040503050406030204" pitchFamily="18" charset="0"/>
+                            </a:rPr>
+                          </m:ctrlPr>
+                        </m:sSubPr>
+                        <m:e>
+                          <m:r>
+                            <a:rPr lang="de-DE" b="0" i="1" smtClean="0">
+                              <a:latin typeface="Cambria Math" panose="02040503050406030204" pitchFamily="18" charset="0"/>
+                            </a:rPr>
+                            <m:t>𝑓</m:t>
+                          </m:r>
+                        </m:e>
+                        <m:sub>
+                          <m:r>
+                            <a:rPr lang="de-DE" b="0" i="1" smtClean="0">
+                              <a:latin typeface="Cambria Math" panose="02040503050406030204" pitchFamily="18" charset="0"/>
+                            </a:rPr>
+                            <m:t>𝑎</m:t>
+                          </m:r>
+                          <m:r>
+                            <a:rPr lang="de-DE" b="0" i="1" smtClean="0">
+                              <a:latin typeface="Cambria Math" panose="02040503050406030204" pitchFamily="18" charset="0"/>
+                              <a:ea typeface="Cambria Math" panose="02040503050406030204" pitchFamily="18" charset="0"/>
+                            </a:rPr>
+                            <m:t>𝜑</m:t>
+                          </m:r>
+                        </m:sub>
+                      </m:sSub>
+                      <m:nary>
+                        <m:naryPr>
+                          <m:chr m:val="∏"/>
+                          <m:limLoc m:val="subSup"/>
+                          <m:supHide m:val="on"/>
+                          <m:ctrlPr>
+                            <a:rPr lang="de-DE" b="0" i="1" smtClean="0">
+                              <a:latin typeface="Cambria Math" panose="02040503050406030204" pitchFamily="18" charset="0"/>
+                            </a:rPr>
+                          </m:ctrlPr>
+                        </m:naryPr>
+                        <m:sub>
+                          <m:r>
+                            <m:rPr>
+                              <m:brk m:alnAt="9"/>
+                            </m:rPr>
+                            <a:rPr lang="de-DE" b="0" i="1" smtClean="0">
+                              <a:latin typeface="Cambria Math" panose="02040503050406030204" pitchFamily="18" charset="0"/>
+                            </a:rPr>
+                            <m:t>𝑖</m:t>
+                          </m:r>
+                        </m:sub>
+                        <m:sup/>
+                        <m:e>
+                          <m:sSub>
+                            <m:sSubPr>
+                              <m:ctrlPr>
+                                <a:rPr lang="de-DE" b="0" i="1" smtClean="0">
+                                  <a:latin typeface="Cambria Math" panose="02040503050406030204" pitchFamily="18" charset="0"/>
+                                </a:rPr>
+                              </m:ctrlPr>
+                            </m:sSubPr>
+                            <m:e>
+                              <m:r>
+                                <a:rPr lang="de-DE" b="0" i="1" smtClean="0">
+                                  <a:latin typeface="Cambria Math" panose="02040503050406030204" pitchFamily="18" charset="0"/>
+                                </a:rPr>
+                                <m:t>𝑓</m:t>
+                              </m:r>
+                            </m:e>
+                            <m:sub>
+                              <m:r>
+                                <a:rPr lang="de-DE" b="0" i="1" smtClean="0">
+                                  <a:latin typeface="Cambria Math" panose="02040503050406030204" pitchFamily="18" charset="0"/>
+                                </a:rPr>
+                                <m:t>𝑖</m:t>
+                              </m:r>
+                              <m:r>
+                                <a:rPr lang="de-DE" b="0" i="1" smtClean="0">
+                                  <a:latin typeface="Cambria Math" panose="02040503050406030204" pitchFamily="18" charset="0"/>
+                                </a:rPr>
+                                <m:t>,</m:t>
+                              </m:r>
+                              <m:r>
+                                <a:rPr lang="de-DE" b="0" i="1" smtClean="0">
+                                  <a:latin typeface="Cambria Math" panose="02040503050406030204" pitchFamily="18" charset="0"/>
+                                </a:rPr>
+                                <m:t>𝑘</m:t>
+                              </m:r>
+                            </m:sub>
+                          </m:sSub>
+                        </m:e>
+                      </m:nary>
+                    </m:oMath>
+                  </m:oMathPara>
+                </a14:m>
+                <a:endParaRPr lang="en-DE" dirty="0"/>
+              </a:p>
+            </p:txBody>
+          </p:sp>
+        </mc:Choice>
+        <mc:Fallback>
+          <p:sp>
+            <p:nvSpPr>
+              <p:cNvPr id="16" name="TextBox 15">
+                <a:extLst>
+                  <a:ext uri="{FF2B5EF4-FFF2-40B4-BE49-F238E27FC236}">
+                    <a16:creationId xmlns:a16="http://schemas.microsoft.com/office/drawing/2014/main" id="{282E0CD7-DD60-7F4A-9434-075757107EB8}"/>
+                  </a:ext>
+                </a:extLst>
+              </p:cNvPr>
+              <p:cNvSpPr txBox="1">
+                <a:spLocks noRot="1" noChangeAspect="1" noMove="1" noResize="1" noEditPoints="1" noAdjustHandles="1" noChangeArrowheads="1" noChangeShapeType="1" noTextEdit="1"/>
+              </p:cNvSpPr>
+              <p:nvPr/>
+            </p:nvSpPr>
+            <p:spPr>
+              <a:xfrm>
+                <a:off x="353962" y="2136940"/>
+                <a:ext cx="3480619" cy="602922"/>
+              </a:xfrm>
+              <a:prstGeom prst="rect">
+                <a:avLst/>
+              </a:prstGeom>
+              <a:blipFill>
+                <a:blip r:embed="rId2"/>
+                <a:stretch>
+                  <a:fillRect t="-164583" b="-235417"/>
+                </a:stretch>
+              </a:blipFill>
+            </p:spPr>
+            <p:txBody>
+              <a:bodyPr/>
+              <a:lstStyle/>
+              <a:p>
+                <a:r>
+                  <a:rPr lang="en-DE">
+                    <a:noFill/>
+                  </a:rPr>
+                  <a:t> </a:t>
+                </a:r>
+              </a:p>
+            </p:txBody>
+          </p:sp>
+        </mc:Fallback>
+      </mc:AlternateContent>
+      <p:cxnSp>
+        <p:nvCxnSpPr>
+          <p:cNvPr id="17" name="Straight Arrow Connector 16">
+            <a:extLst>
+              <a:ext uri="{FF2B5EF4-FFF2-40B4-BE49-F238E27FC236}">
+                <a16:creationId xmlns:a16="http://schemas.microsoft.com/office/drawing/2014/main" id="{5101FA16-997A-1C4F-BE0A-EC6BD90DD26B}"/>
+              </a:ext>
+            </a:extLst>
+          </p:cNvPr>
+          <p:cNvCxnSpPr>
+            <a:cxnSpLocks/>
+          </p:cNvCxnSpPr>
+          <p:nvPr/>
+        </p:nvCxnSpPr>
+        <p:spPr>
+          <a:xfrm flipV="1">
+            <a:off x="1917291" y="2580969"/>
+            <a:ext cx="0" cy="599766"/>
+          </a:xfrm>
+          <a:prstGeom prst="straightConnector1">
+            <a:avLst/>
+          </a:prstGeom>
+          <a:ln w="19050">
+            <a:solidFill>
+              <a:schemeClr val="accent6">
+                <a:lumMod val="75000"/>
+              </a:schemeClr>
+            </a:solidFill>
+            <a:tailEnd type="triangle"/>
+          </a:ln>
+        </p:spPr>
+        <p:style>
+          <a:lnRef idx="1">
+            <a:schemeClr val="accent1"/>
+          </a:lnRef>
+          <a:fillRef idx="0">
+            <a:schemeClr val="accent1"/>
+          </a:fillRef>
+          <a:effectRef idx="0">
+            <a:schemeClr val="accent1"/>
+          </a:effectRef>
+          <a:fontRef idx="minor">
+            <a:schemeClr val="tx1"/>
+          </a:fontRef>
+        </p:style>
+      </p:cxnSp>
+      <p:sp>
+        <p:nvSpPr>
+          <p:cNvPr id="18" name="TextBox 17">
+            <a:extLst>
+              <a:ext uri="{FF2B5EF4-FFF2-40B4-BE49-F238E27FC236}">
+                <a16:creationId xmlns:a16="http://schemas.microsoft.com/office/drawing/2014/main" id="{EDFDD95E-B91B-F74C-A90D-9F0E4B9F66CD}"/>
+              </a:ext>
+            </a:extLst>
+          </p:cNvPr>
+          <p:cNvSpPr txBox="1"/>
+          <p:nvPr/>
+        </p:nvSpPr>
+        <p:spPr>
+          <a:xfrm>
+            <a:off x="1317522" y="3105834"/>
+            <a:ext cx="1809135" cy="923330"/>
           </a:xfrm>
           <a:prstGeom prst="rect">
             <a:avLst/>
           </a:prstGeom>
-        </p:spPr>
-      </p:pic>
-      <p:pic>
-        <p:nvPicPr>
-          <p:cNvPr id="7" name="Picture 6" descr="Chart, histogram&#10;&#10;Description automatically generated">
-            <a:extLst>
-              <a:ext uri="{FF2B5EF4-FFF2-40B4-BE49-F238E27FC236}">
-                <a16:creationId xmlns:a16="http://schemas.microsoft.com/office/drawing/2014/main" id="{941A4E06-1839-5345-818C-4068FD19255E}"/>
-              </a:ext>
-            </a:extLst>
-          </p:cNvPr>
-          <p:cNvPicPr>
-            <a:picLocks noChangeAspect="1"/>
-          </p:cNvPicPr>
-          <p:nvPr/>
-        </p:nvPicPr>
-        <p:blipFill>
-          <a:blip r:embed="rId3"/>
-          <a:stretch>
-            <a:fillRect/>
-          </a:stretch>
-        </p:blipFill>
-        <p:spPr>
-          <a:xfrm>
-            <a:off x="6178378" y="3225973"/>
-            <a:ext cx="4399691" cy="3151825"/>
-          </a:xfrm>
-          <a:prstGeom prst="rect">
-            <a:avLst/>
-          </a:prstGeom>
-        </p:spPr>
-      </p:pic>
-      <p:pic>
-        <p:nvPicPr>
-          <p:cNvPr id="9" name="Picture 8" descr="Chart&#10;&#10;Description automatically generated">
-            <a:extLst>
-              <a:ext uri="{FF2B5EF4-FFF2-40B4-BE49-F238E27FC236}">
-                <a16:creationId xmlns:a16="http://schemas.microsoft.com/office/drawing/2014/main" id="{93682B26-7328-834A-97F7-FA5829CFAA44}"/>
-              </a:ext>
-            </a:extLst>
-          </p:cNvPr>
-          <p:cNvPicPr>
-            <a:picLocks noChangeAspect="1"/>
-          </p:cNvPicPr>
-          <p:nvPr/>
-        </p:nvPicPr>
-        <p:blipFill>
-          <a:blip r:embed="rId4"/>
-          <a:stretch>
-            <a:fillRect/>
-          </a:stretch>
-        </p:blipFill>
-        <p:spPr>
-          <a:xfrm>
-            <a:off x="8004016" y="0"/>
-            <a:ext cx="4187984" cy="3000164"/>
-          </a:xfrm>
-          <a:prstGeom prst="rect">
-            <a:avLst/>
-          </a:prstGeom>
-        </p:spPr>
-      </p:pic>
-      <p:pic>
-        <p:nvPicPr>
-          <p:cNvPr id="11" name="Picture 10" descr="Chart, histogram&#10;&#10;Description automatically generated">
-            <a:extLst>
-              <a:ext uri="{FF2B5EF4-FFF2-40B4-BE49-F238E27FC236}">
-                <a16:creationId xmlns:a16="http://schemas.microsoft.com/office/drawing/2014/main" id="{16051A7A-4BF8-8647-B926-E1DD4D2881FB}"/>
-              </a:ext>
-            </a:extLst>
-          </p:cNvPr>
-          <p:cNvPicPr>
-            <a:picLocks noChangeAspect="1"/>
-          </p:cNvPicPr>
-          <p:nvPr/>
-        </p:nvPicPr>
-        <p:blipFill>
-          <a:blip r:embed="rId5"/>
-          <a:stretch>
-            <a:fillRect/>
-          </a:stretch>
-        </p:blipFill>
-        <p:spPr>
-          <a:xfrm>
-            <a:off x="3943049" y="0"/>
-            <a:ext cx="4295070" cy="3076877"/>
-          </a:xfrm>
-          <a:prstGeom prst="rect">
-            <a:avLst/>
-          </a:prstGeom>
-        </p:spPr>
-      </p:pic>
-      <p:pic>
-        <p:nvPicPr>
-          <p:cNvPr id="13" name="Picture 12" descr="Chart&#10;&#10;Description automatically generated">
-            <a:extLst>
-              <a:ext uri="{FF2B5EF4-FFF2-40B4-BE49-F238E27FC236}">
-                <a16:creationId xmlns:a16="http://schemas.microsoft.com/office/drawing/2014/main" id="{560A0714-E0A4-7240-AAEF-530E18D15B63}"/>
-              </a:ext>
-            </a:extLst>
-          </p:cNvPr>
-          <p:cNvPicPr>
-            <a:picLocks noChangeAspect="1"/>
-          </p:cNvPicPr>
-          <p:nvPr/>
-        </p:nvPicPr>
-        <p:blipFill>
-          <a:blip r:embed="rId6"/>
-          <a:stretch>
-            <a:fillRect/>
-          </a:stretch>
-        </p:blipFill>
-        <p:spPr>
-          <a:xfrm>
-            <a:off x="14208" y="0"/>
-            <a:ext cx="4187984" cy="3000164"/>
-          </a:xfrm>
-          <a:prstGeom prst="rect">
-            <a:avLst/>
-          </a:prstGeom>
-        </p:spPr>
-      </p:pic>
+          <a:noFill/>
+        </p:spPr>
+        <p:txBody>
+          <a:bodyPr wrap="square" rtlCol="0">
+            <a:spAutoFit/>
+          </a:bodyPr>
+          <a:lstStyle/>
+          <a:p>
+            <a:r>
+              <a:rPr lang="de-DE" dirty="0" err="1">
+                <a:solidFill>
+                  <a:schemeClr val="accent6">
+                    <a:lumMod val="75000"/>
+                  </a:schemeClr>
+                </a:solidFill>
+              </a:rPr>
+              <a:t>Photosynthetic</a:t>
+            </a:r>
+            <a:r>
+              <a:rPr lang="de-DE" dirty="0">
+                <a:solidFill>
+                  <a:schemeClr val="accent6">
+                    <a:lumMod val="75000"/>
+                  </a:schemeClr>
+                </a:solidFill>
+              </a:rPr>
+              <a:t> </a:t>
+            </a:r>
+            <a:r>
+              <a:rPr lang="de-DE" dirty="0" err="1">
+                <a:solidFill>
+                  <a:schemeClr val="accent6">
+                    <a:lumMod val="75000"/>
+                  </a:schemeClr>
+                </a:solidFill>
+              </a:rPr>
+              <a:t>photon</a:t>
+            </a:r>
+            <a:r>
+              <a:rPr lang="de-DE" dirty="0">
+                <a:solidFill>
+                  <a:schemeClr val="accent6">
+                    <a:lumMod val="75000"/>
+                  </a:schemeClr>
+                </a:solidFill>
+              </a:rPr>
+              <a:t> </a:t>
+            </a:r>
+            <a:r>
+              <a:rPr lang="de-DE" dirty="0" err="1">
+                <a:solidFill>
+                  <a:schemeClr val="accent6">
+                    <a:lumMod val="75000"/>
+                  </a:schemeClr>
+                </a:solidFill>
+              </a:rPr>
+              <a:t>flux</a:t>
+            </a:r>
+            <a:r>
+              <a:rPr lang="de-DE" dirty="0">
+                <a:solidFill>
+                  <a:schemeClr val="accent6">
+                    <a:lumMod val="75000"/>
+                  </a:schemeClr>
+                </a:solidFill>
+              </a:rPr>
+              <a:t> </a:t>
+            </a:r>
+            <a:r>
+              <a:rPr lang="de-DE" dirty="0" err="1">
+                <a:solidFill>
+                  <a:schemeClr val="accent6">
+                    <a:lumMod val="75000"/>
+                  </a:schemeClr>
+                </a:solidFill>
+              </a:rPr>
+              <a:t>density</a:t>
+            </a:r>
+            <a:r>
+              <a:rPr lang="de-DE" dirty="0">
+                <a:solidFill>
+                  <a:schemeClr val="accent6">
+                    <a:lumMod val="75000"/>
+                  </a:schemeClr>
+                </a:solidFill>
+              </a:rPr>
+              <a:t> </a:t>
+            </a:r>
+            <a:endParaRPr lang="en-DE" dirty="0">
+              <a:solidFill>
+                <a:schemeClr val="accent6">
+                  <a:lumMod val="75000"/>
+                </a:schemeClr>
+              </a:solidFill>
+            </a:endParaRPr>
+          </a:p>
+        </p:txBody>
+      </p:sp>
     </p:spTree>
     <p:extLst>
       <p:ext uri="{BB962C8B-B14F-4D97-AF65-F5344CB8AC3E}">
-        <p14:creationId xmlns:p14="http://schemas.microsoft.com/office/powerpoint/2010/main" val="927236568"/>
+        <p14:creationId xmlns:p14="http://schemas.microsoft.com/office/powerpoint/2010/main" val="2129608546"/>
       </p:ext>
     </p:extLst>
   </p:cSld>
@@ -4421,7 +8133,7 @@
           <p:cNvPr id="2" name="Title 1">
             <a:extLst>
               <a:ext uri="{FF2B5EF4-FFF2-40B4-BE49-F238E27FC236}">
-                <a16:creationId xmlns:a16="http://schemas.microsoft.com/office/drawing/2014/main" id="{A70C229B-0A2C-5E40-8544-FA4D6809B2A5}"/>
+                <a16:creationId xmlns:a16="http://schemas.microsoft.com/office/drawing/2014/main" id="{284FF2F7-29B9-F440-9620-2E9432410183}"/>
               </a:ext>
             </a:extLst>
           </p:cNvPr>
@@ -4434,7 +8146,7 @@
         </p:nvSpPr>
         <p:spPr>
           <a:xfrm>
-            <a:off x="949411" y="0"/>
+            <a:off x="0" y="0"/>
             <a:ext cx="10515600" cy="1325563"/>
           </a:xfrm>
         </p:spPr>
@@ -4444,15 +8156,895 @@
           <a:p>
             <a:r>
               <a:rPr lang="en-DE" dirty="0"/>
-              <a:t>Partitioning climatic and biotic effects on GPP</a:t>
-            </a:r>
-          </a:p>
-        </p:txBody>
-      </p:sp>
+              <a:t>Process-based modeling of the gross primary productivity: PRELES</a:t>
+            </a:r>
+          </a:p>
+        </p:txBody>
+      </p:sp>
+      <p:sp>
+        <p:nvSpPr>
+          <p:cNvPr id="3" name="Rounded Rectangle 2">
+            <a:extLst>
+              <a:ext uri="{FF2B5EF4-FFF2-40B4-BE49-F238E27FC236}">
+                <a16:creationId xmlns:a16="http://schemas.microsoft.com/office/drawing/2014/main" id="{40735302-6325-4543-AAF8-9A6BDCF3323E}"/>
+              </a:ext>
+            </a:extLst>
+          </p:cNvPr>
+          <p:cNvSpPr/>
+          <p:nvPr/>
+        </p:nvSpPr>
+        <p:spPr>
+          <a:xfrm>
+            <a:off x="5132441" y="1897627"/>
+            <a:ext cx="2418734" cy="1081548"/>
+          </a:xfrm>
+          <a:prstGeom prst="roundRect">
+            <a:avLst/>
+          </a:prstGeom>
+          <a:solidFill>
+            <a:schemeClr val="bg2">
+              <a:lumMod val="75000"/>
+            </a:schemeClr>
+          </a:solidFill>
+          <a:ln>
+            <a:solidFill>
+              <a:schemeClr val="tx1"/>
+            </a:solidFill>
+          </a:ln>
+        </p:spPr>
+        <p:style>
+          <a:lnRef idx="2">
+            <a:schemeClr val="accent1">
+              <a:shade val="50000"/>
+            </a:schemeClr>
+          </a:lnRef>
+          <a:fillRef idx="1">
+            <a:schemeClr val="accent1"/>
+          </a:fillRef>
+          <a:effectRef idx="0">
+            <a:schemeClr val="accent1"/>
+          </a:effectRef>
+          <a:fontRef idx="minor">
+            <a:schemeClr val="lt1"/>
+          </a:fontRef>
+        </p:style>
+        <p:txBody>
+          <a:bodyPr rtlCol="0" anchor="ctr"/>
+          <a:lstStyle/>
+          <a:p>
+            <a:pPr algn="ctr"/>
+            <a:r>
+              <a:rPr lang="en-DE" dirty="0"/>
+              <a:t>Light-use efficiency (P) </a:t>
+            </a:r>
+          </a:p>
+        </p:txBody>
+      </p:sp>
+      <p:sp>
+        <p:nvSpPr>
+          <p:cNvPr id="4" name="Rounded Rectangle 3">
+            <a:extLst>
+              <a:ext uri="{FF2B5EF4-FFF2-40B4-BE49-F238E27FC236}">
+                <a16:creationId xmlns:a16="http://schemas.microsoft.com/office/drawing/2014/main" id="{2FBEA962-F164-F24B-BF6F-E50950057D78}"/>
+              </a:ext>
+            </a:extLst>
+          </p:cNvPr>
+          <p:cNvSpPr/>
+          <p:nvPr/>
+        </p:nvSpPr>
+        <p:spPr>
+          <a:xfrm>
+            <a:off x="5132441" y="3751008"/>
+            <a:ext cx="2418734" cy="1081548"/>
+          </a:xfrm>
+          <a:prstGeom prst="roundRect">
+            <a:avLst/>
+          </a:prstGeom>
+          <a:solidFill>
+            <a:schemeClr val="bg2">
+              <a:lumMod val="75000"/>
+            </a:schemeClr>
+          </a:solidFill>
+          <a:ln>
+            <a:solidFill>
+              <a:schemeClr val="tx1"/>
+            </a:solidFill>
+          </a:ln>
+        </p:spPr>
+        <p:style>
+          <a:lnRef idx="2">
+            <a:schemeClr val="accent1">
+              <a:shade val="50000"/>
+            </a:schemeClr>
+          </a:lnRef>
+          <a:fillRef idx="1">
+            <a:schemeClr val="accent1"/>
+          </a:fillRef>
+          <a:effectRef idx="0">
+            <a:schemeClr val="accent1"/>
+          </a:effectRef>
+          <a:fontRef idx="minor">
+            <a:schemeClr val="lt1"/>
+          </a:fontRef>
+        </p:style>
+        <p:txBody>
+          <a:bodyPr rtlCol="0" anchor="ctr"/>
+          <a:lstStyle/>
+          <a:p>
+            <a:pPr algn="ctr"/>
+            <a:r>
+              <a:rPr lang="en-DE" dirty="0"/>
+              <a:t>Soil water content (SW)</a:t>
+            </a:r>
+          </a:p>
+        </p:txBody>
+      </p:sp>
+      <p:sp>
+        <p:nvSpPr>
+          <p:cNvPr id="5" name="Rounded Rectangle 4">
+            <a:extLst>
+              <a:ext uri="{FF2B5EF4-FFF2-40B4-BE49-F238E27FC236}">
+                <a16:creationId xmlns:a16="http://schemas.microsoft.com/office/drawing/2014/main" id="{AD3E7581-43C0-1346-89BF-27D23D7A1FEE}"/>
+              </a:ext>
+            </a:extLst>
+          </p:cNvPr>
+          <p:cNvSpPr/>
+          <p:nvPr/>
+        </p:nvSpPr>
+        <p:spPr>
+          <a:xfrm>
+            <a:off x="9030928" y="1897627"/>
+            <a:ext cx="2418733" cy="1081548"/>
+          </a:xfrm>
+          <a:prstGeom prst="roundRect">
+            <a:avLst/>
+          </a:prstGeom>
+          <a:solidFill>
+            <a:schemeClr val="bg2">
+              <a:lumMod val="75000"/>
+            </a:schemeClr>
+          </a:solidFill>
+          <a:ln>
+            <a:solidFill>
+              <a:schemeClr val="tx1"/>
+            </a:solidFill>
+          </a:ln>
+        </p:spPr>
+        <p:style>
+          <a:lnRef idx="2">
+            <a:schemeClr val="accent1">
+              <a:shade val="50000"/>
+            </a:schemeClr>
+          </a:lnRef>
+          <a:fillRef idx="1">
+            <a:schemeClr val="accent1"/>
+          </a:fillRef>
+          <a:effectRef idx="0">
+            <a:schemeClr val="accent1"/>
+          </a:effectRef>
+          <a:fontRef idx="minor">
+            <a:schemeClr val="lt1"/>
+          </a:fontRef>
+        </p:style>
+        <p:txBody>
+          <a:bodyPr rtlCol="0" anchor="ctr"/>
+          <a:lstStyle/>
+          <a:p>
+            <a:pPr algn="ctr"/>
+            <a:r>
+              <a:rPr lang="en-DE" dirty="0"/>
+              <a:t>Evapotranspiration (ET)</a:t>
+            </a:r>
+          </a:p>
+        </p:txBody>
+      </p:sp>
+      <p:cxnSp>
+        <p:nvCxnSpPr>
+          <p:cNvPr id="7" name="Straight Arrow Connector 6">
+            <a:extLst>
+              <a:ext uri="{FF2B5EF4-FFF2-40B4-BE49-F238E27FC236}">
+                <a16:creationId xmlns:a16="http://schemas.microsoft.com/office/drawing/2014/main" id="{8992D967-3A7A-724A-8490-5A8BCAC45FD5}"/>
+              </a:ext>
+            </a:extLst>
+          </p:cNvPr>
+          <p:cNvCxnSpPr/>
+          <p:nvPr/>
+        </p:nvCxnSpPr>
+        <p:spPr>
+          <a:xfrm>
+            <a:off x="7737988" y="2448233"/>
+            <a:ext cx="1061884" cy="0"/>
+          </a:xfrm>
+          <a:prstGeom prst="straightConnector1">
+            <a:avLst/>
+          </a:prstGeom>
+          <a:ln w="19050">
+            <a:solidFill>
+              <a:schemeClr val="tx1"/>
+            </a:solidFill>
+            <a:tailEnd type="triangle"/>
+          </a:ln>
+        </p:spPr>
+        <p:style>
+          <a:lnRef idx="1">
+            <a:schemeClr val="accent1"/>
+          </a:lnRef>
+          <a:fillRef idx="0">
+            <a:schemeClr val="accent1"/>
+          </a:fillRef>
+          <a:effectRef idx="0">
+            <a:schemeClr val="accent1"/>
+          </a:effectRef>
+          <a:fontRef idx="minor">
+            <a:schemeClr val="tx1"/>
+          </a:fontRef>
+        </p:style>
+      </p:cxnSp>
+      <p:cxnSp>
+        <p:nvCxnSpPr>
+          <p:cNvPr id="8" name="Straight Arrow Connector 7">
+            <a:extLst>
+              <a:ext uri="{FF2B5EF4-FFF2-40B4-BE49-F238E27FC236}">
+                <a16:creationId xmlns:a16="http://schemas.microsoft.com/office/drawing/2014/main" id="{35DA12BE-B545-F343-A3C4-484705E68C76}"/>
+              </a:ext>
+            </a:extLst>
+          </p:cNvPr>
+          <p:cNvCxnSpPr>
+            <a:cxnSpLocks/>
+          </p:cNvCxnSpPr>
+          <p:nvPr/>
+        </p:nvCxnSpPr>
+        <p:spPr>
+          <a:xfrm flipV="1">
+            <a:off x="6322143" y="3077499"/>
+            <a:ext cx="0" cy="599766"/>
+          </a:xfrm>
+          <a:prstGeom prst="straightConnector1">
+            <a:avLst/>
+          </a:prstGeom>
+          <a:ln w="19050">
+            <a:solidFill>
+              <a:schemeClr val="tx1"/>
+            </a:solidFill>
+            <a:tailEnd type="triangle"/>
+          </a:ln>
+        </p:spPr>
+        <p:style>
+          <a:lnRef idx="1">
+            <a:schemeClr val="accent1"/>
+          </a:lnRef>
+          <a:fillRef idx="0">
+            <a:schemeClr val="accent1"/>
+          </a:fillRef>
+          <a:effectRef idx="0">
+            <a:schemeClr val="accent1"/>
+          </a:effectRef>
+          <a:fontRef idx="minor">
+            <a:schemeClr val="tx1"/>
+          </a:fontRef>
+        </p:style>
+      </p:cxnSp>
+      <p:cxnSp>
+        <p:nvCxnSpPr>
+          <p:cNvPr id="15" name="Straight Arrow Connector 14">
+            <a:extLst>
+              <a:ext uri="{FF2B5EF4-FFF2-40B4-BE49-F238E27FC236}">
+                <a16:creationId xmlns:a16="http://schemas.microsoft.com/office/drawing/2014/main" id="{C96B68AA-B06C-5B40-A987-DB8FBA9ED5D2}"/>
+              </a:ext>
+            </a:extLst>
+          </p:cNvPr>
+          <p:cNvCxnSpPr/>
+          <p:nvPr/>
+        </p:nvCxnSpPr>
+        <p:spPr>
+          <a:xfrm flipH="1">
+            <a:off x="7737988" y="3077499"/>
+            <a:ext cx="2241755" cy="1199534"/>
+          </a:xfrm>
+          <a:prstGeom prst="straightConnector1">
+            <a:avLst/>
+          </a:prstGeom>
+          <a:ln w="19050">
+            <a:solidFill>
+              <a:schemeClr val="tx1"/>
+            </a:solidFill>
+            <a:headEnd type="triangle"/>
+            <a:tailEnd type="triangle"/>
+          </a:ln>
+        </p:spPr>
+        <p:style>
+          <a:lnRef idx="1">
+            <a:schemeClr val="accent1"/>
+          </a:lnRef>
+          <a:fillRef idx="0">
+            <a:schemeClr val="accent1"/>
+          </a:fillRef>
+          <a:effectRef idx="0">
+            <a:schemeClr val="accent1"/>
+          </a:effectRef>
+          <a:fontRef idx="minor">
+            <a:schemeClr val="tx1"/>
+          </a:fontRef>
+        </p:style>
+      </p:cxnSp>
+      <mc:AlternateContent xmlns:mc="http://schemas.openxmlformats.org/markup-compatibility/2006">
+        <mc:Choice xmlns:a14="http://schemas.microsoft.com/office/drawing/2010/main" Requires="a14">
+          <p:sp>
+            <p:nvSpPr>
+              <p:cNvPr id="16" name="TextBox 15">
+                <a:extLst>
+                  <a:ext uri="{FF2B5EF4-FFF2-40B4-BE49-F238E27FC236}">
+                    <a16:creationId xmlns:a16="http://schemas.microsoft.com/office/drawing/2014/main" id="{282E0CD7-DD60-7F4A-9434-075757107EB8}"/>
+                  </a:ext>
+                </a:extLst>
+              </p:cNvPr>
+              <p:cNvSpPr txBox="1"/>
+              <p:nvPr/>
+            </p:nvSpPr>
+            <p:spPr>
+              <a:xfrm>
+                <a:off x="353962" y="2136940"/>
+                <a:ext cx="3480619" cy="602922"/>
+              </a:xfrm>
+              <a:prstGeom prst="rect">
+                <a:avLst/>
+              </a:prstGeom>
+              <a:noFill/>
+            </p:spPr>
+            <p:txBody>
+              <a:bodyPr wrap="square" rtlCol="0">
+                <a:spAutoFit/>
+              </a:bodyPr>
+              <a:lstStyle/>
+              <a:p>
+                <a14:m>
+                  <m:oMathPara xmlns:m="http://schemas.openxmlformats.org/officeDocument/2006/math">
+                    <m:oMathParaPr>
+                      <m:jc m:val="centerGroup"/>
+                    </m:oMathParaPr>
+                    <m:oMath xmlns:m="http://schemas.openxmlformats.org/officeDocument/2006/math">
+                      <m:sSub>
+                        <m:sSubPr>
+                          <m:ctrlPr>
+                            <a:rPr lang="en-DE" i="1" smtClean="0">
+                              <a:latin typeface="Cambria Math" panose="02040503050406030204" pitchFamily="18" charset="0"/>
+                            </a:rPr>
+                          </m:ctrlPr>
+                        </m:sSubPr>
+                        <m:e>
+                          <m:r>
+                            <a:rPr lang="de-DE" b="0" i="1" smtClean="0">
+                              <a:latin typeface="Cambria Math" panose="02040503050406030204" pitchFamily="18" charset="0"/>
+                            </a:rPr>
+                            <m:t>𝑃</m:t>
+                          </m:r>
+                        </m:e>
+                        <m:sub>
+                          <m:r>
+                            <a:rPr lang="de-DE" b="0" i="1" smtClean="0">
+                              <a:latin typeface="Cambria Math" panose="02040503050406030204" pitchFamily="18" charset="0"/>
+                            </a:rPr>
+                            <m:t>𝑘</m:t>
+                          </m:r>
+                        </m:sub>
+                      </m:sSub>
+                      <m:r>
+                        <a:rPr lang="de-DE" b="0" i="1" smtClean="0">
+                          <a:latin typeface="Cambria Math" panose="02040503050406030204" pitchFamily="18" charset="0"/>
+                        </a:rPr>
+                        <m:t>=</m:t>
+                      </m:r>
+                      <m:sSub>
+                        <m:sSubPr>
+                          <m:ctrlPr>
+                            <a:rPr lang="de-DE" b="0" i="1" smtClean="0">
+                              <a:latin typeface="Cambria Math" panose="02040503050406030204" pitchFamily="18" charset="0"/>
+                            </a:rPr>
+                          </m:ctrlPr>
+                        </m:sSubPr>
+                        <m:e>
+                          <m:r>
+                            <a:rPr lang="de-DE" b="0" i="1" smtClean="0">
+                              <a:latin typeface="Cambria Math" panose="02040503050406030204" pitchFamily="18" charset="0"/>
+                              <a:ea typeface="Cambria Math" panose="02040503050406030204" pitchFamily="18" charset="0"/>
+                            </a:rPr>
+                            <m:t>𝛽</m:t>
+                          </m:r>
+                        </m:e>
+                        <m:sub>
+                          <m:r>
+                            <a:rPr lang="de-DE" b="0" i="1" smtClean="0">
+                              <a:latin typeface="Cambria Math" panose="02040503050406030204" pitchFamily="18" charset="0"/>
+                            </a:rPr>
+                            <m:t>𝑃</m:t>
+                          </m:r>
+                        </m:sub>
+                      </m:sSub>
+                      <m:sSub>
+                        <m:sSubPr>
+                          <m:ctrlPr>
+                            <a:rPr lang="de-DE" b="0" i="1" smtClean="0">
+                              <a:latin typeface="Cambria Math" panose="02040503050406030204" pitchFamily="18" charset="0"/>
+                            </a:rPr>
+                          </m:ctrlPr>
+                        </m:sSubPr>
+                        <m:e>
+                          <m:r>
+                            <a:rPr lang="de-DE" b="0" i="1" smtClean="0">
+                              <a:latin typeface="Cambria Math" panose="02040503050406030204" pitchFamily="18" charset="0"/>
+                              <a:ea typeface="Cambria Math" panose="02040503050406030204" pitchFamily="18" charset="0"/>
+                            </a:rPr>
+                            <m:t>𝜑</m:t>
+                          </m:r>
+                        </m:e>
+                        <m:sub>
+                          <m:r>
+                            <a:rPr lang="de-DE" b="0" i="1" smtClean="0">
+                              <a:latin typeface="Cambria Math" panose="02040503050406030204" pitchFamily="18" charset="0"/>
+                            </a:rPr>
+                            <m:t>𝑘</m:t>
+                          </m:r>
+                        </m:sub>
+                      </m:sSub>
+                      <m:sSub>
+                        <m:sSubPr>
+                          <m:ctrlPr>
+                            <a:rPr lang="de-DE" b="0" i="1" smtClean="0">
+                              <a:latin typeface="Cambria Math" panose="02040503050406030204" pitchFamily="18" charset="0"/>
+                            </a:rPr>
+                          </m:ctrlPr>
+                        </m:sSubPr>
+                        <m:e>
+                          <m:r>
+                            <a:rPr lang="de-DE" b="0" i="1" smtClean="0">
+                              <a:latin typeface="Cambria Math" panose="02040503050406030204" pitchFamily="18" charset="0"/>
+                            </a:rPr>
+                            <m:t>𝑓</m:t>
+                          </m:r>
+                        </m:e>
+                        <m:sub>
+                          <m:r>
+                            <a:rPr lang="de-DE" b="0" i="1" smtClean="0">
+                              <a:latin typeface="Cambria Math" panose="02040503050406030204" pitchFamily="18" charset="0"/>
+                            </a:rPr>
+                            <m:t>𝑎</m:t>
+                          </m:r>
+                          <m:r>
+                            <a:rPr lang="de-DE" b="0" i="1" smtClean="0">
+                              <a:latin typeface="Cambria Math" panose="02040503050406030204" pitchFamily="18" charset="0"/>
+                              <a:ea typeface="Cambria Math" panose="02040503050406030204" pitchFamily="18" charset="0"/>
+                            </a:rPr>
+                            <m:t>𝜑</m:t>
+                          </m:r>
+                        </m:sub>
+                      </m:sSub>
+                      <m:nary>
+                        <m:naryPr>
+                          <m:chr m:val="∏"/>
+                          <m:limLoc m:val="subSup"/>
+                          <m:supHide m:val="on"/>
+                          <m:ctrlPr>
+                            <a:rPr lang="de-DE" b="0" i="1" smtClean="0">
+                              <a:latin typeface="Cambria Math" panose="02040503050406030204" pitchFamily="18" charset="0"/>
+                            </a:rPr>
+                          </m:ctrlPr>
+                        </m:naryPr>
+                        <m:sub>
+                          <m:r>
+                            <m:rPr>
+                              <m:brk m:alnAt="9"/>
+                            </m:rPr>
+                            <a:rPr lang="de-DE" b="0" i="1" smtClean="0">
+                              <a:latin typeface="Cambria Math" panose="02040503050406030204" pitchFamily="18" charset="0"/>
+                            </a:rPr>
+                            <m:t>𝑖</m:t>
+                          </m:r>
+                        </m:sub>
+                        <m:sup/>
+                        <m:e>
+                          <m:sSub>
+                            <m:sSubPr>
+                              <m:ctrlPr>
+                                <a:rPr lang="de-DE" b="0" i="1" smtClean="0">
+                                  <a:latin typeface="Cambria Math" panose="02040503050406030204" pitchFamily="18" charset="0"/>
+                                </a:rPr>
+                              </m:ctrlPr>
+                            </m:sSubPr>
+                            <m:e>
+                              <m:r>
+                                <a:rPr lang="de-DE" b="0" i="1" smtClean="0">
+                                  <a:latin typeface="Cambria Math" panose="02040503050406030204" pitchFamily="18" charset="0"/>
+                                </a:rPr>
+                                <m:t>𝑓</m:t>
+                              </m:r>
+                            </m:e>
+                            <m:sub>
+                              <m:r>
+                                <a:rPr lang="de-DE" b="0" i="1" smtClean="0">
+                                  <a:latin typeface="Cambria Math" panose="02040503050406030204" pitchFamily="18" charset="0"/>
+                                </a:rPr>
+                                <m:t>𝑖</m:t>
+                              </m:r>
+                              <m:r>
+                                <a:rPr lang="de-DE" b="0" i="1" smtClean="0">
+                                  <a:latin typeface="Cambria Math" panose="02040503050406030204" pitchFamily="18" charset="0"/>
+                                </a:rPr>
+                                <m:t>,</m:t>
+                              </m:r>
+                              <m:r>
+                                <a:rPr lang="de-DE" b="0" i="1" smtClean="0">
+                                  <a:latin typeface="Cambria Math" panose="02040503050406030204" pitchFamily="18" charset="0"/>
+                                </a:rPr>
+                                <m:t>𝑘</m:t>
+                              </m:r>
+                            </m:sub>
+                          </m:sSub>
+                        </m:e>
+                      </m:nary>
+                    </m:oMath>
+                  </m:oMathPara>
+                </a14:m>
+                <a:endParaRPr lang="en-DE" dirty="0"/>
+              </a:p>
+            </p:txBody>
+          </p:sp>
+        </mc:Choice>
+        <mc:Fallback>
+          <p:sp>
+            <p:nvSpPr>
+              <p:cNvPr id="16" name="TextBox 15">
+                <a:extLst>
+                  <a:ext uri="{FF2B5EF4-FFF2-40B4-BE49-F238E27FC236}">
+                    <a16:creationId xmlns:a16="http://schemas.microsoft.com/office/drawing/2014/main" id="{282E0CD7-DD60-7F4A-9434-075757107EB8}"/>
+                  </a:ext>
+                </a:extLst>
+              </p:cNvPr>
+              <p:cNvSpPr txBox="1">
+                <a:spLocks noRot="1" noChangeAspect="1" noMove="1" noResize="1" noEditPoints="1" noAdjustHandles="1" noChangeArrowheads="1" noChangeShapeType="1" noTextEdit="1"/>
+              </p:cNvSpPr>
+              <p:nvPr/>
+            </p:nvSpPr>
+            <p:spPr>
+              <a:xfrm>
+                <a:off x="353962" y="2136940"/>
+                <a:ext cx="3480619" cy="602922"/>
+              </a:xfrm>
+              <a:prstGeom prst="rect">
+                <a:avLst/>
+              </a:prstGeom>
+              <a:blipFill>
+                <a:blip r:embed="rId2"/>
+                <a:stretch>
+                  <a:fillRect t="-164583" b="-235417"/>
+                </a:stretch>
+              </a:blipFill>
+            </p:spPr>
+            <p:txBody>
+              <a:bodyPr/>
+              <a:lstStyle/>
+              <a:p>
+                <a:r>
+                  <a:rPr lang="en-DE">
+                    <a:noFill/>
+                  </a:rPr>
+                  <a:t> </a:t>
+                </a:r>
+              </a:p>
+            </p:txBody>
+          </p:sp>
+        </mc:Fallback>
+      </mc:AlternateContent>
+      <p:cxnSp>
+        <p:nvCxnSpPr>
+          <p:cNvPr id="17" name="Straight Arrow Connector 16">
+            <a:extLst>
+              <a:ext uri="{FF2B5EF4-FFF2-40B4-BE49-F238E27FC236}">
+                <a16:creationId xmlns:a16="http://schemas.microsoft.com/office/drawing/2014/main" id="{5101FA16-997A-1C4F-BE0A-EC6BD90DD26B}"/>
+              </a:ext>
+            </a:extLst>
+          </p:cNvPr>
+          <p:cNvCxnSpPr>
+            <a:cxnSpLocks/>
+          </p:cNvCxnSpPr>
+          <p:nvPr/>
+        </p:nvCxnSpPr>
+        <p:spPr>
+          <a:xfrm flipV="1">
+            <a:off x="2222090" y="2580969"/>
+            <a:ext cx="0" cy="599766"/>
+          </a:xfrm>
+          <a:prstGeom prst="straightConnector1">
+            <a:avLst/>
+          </a:prstGeom>
+          <a:ln w="19050">
+            <a:solidFill>
+              <a:schemeClr val="accent6">
+                <a:lumMod val="75000"/>
+              </a:schemeClr>
+            </a:solidFill>
+            <a:tailEnd type="triangle"/>
+          </a:ln>
+        </p:spPr>
+        <p:style>
+          <a:lnRef idx="1">
+            <a:schemeClr val="accent1"/>
+          </a:lnRef>
+          <a:fillRef idx="0">
+            <a:schemeClr val="accent1"/>
+          </a:fillRef>
+          <a:effectRef idx="0">
+            <a:schemeClr val="accent1"/>
+          </a:effectRef>
+          <a:fontRef idx="minor">
+            <a:schemeClr val="tx1"/>
+          </a:fontRef>
+        </p:style>
+      </p:cxnSp>
+      <mc:AlternateContent xmlns:mc="http://schemas.openxmlformats.org/markup-compatibility/2006">
+        <mc:Choice xmlns:a14="http://schemas.microsoft.com/office/drawing/2010/main" Requires="a14">
+          <p:sp>
+            <p:nvSpPr>
+              <p:cNvPr id="18" name="TextBox 17">
+                <a:extLst>
+                  <a:ext uri="{FF2B5EF4-FFF2-40B4-BE49-F238E27FC236}">
+                    <a16:creationId xmlns:a16="http://schemas.microsoft.com/office/drawing/2014/main" id="{EDFDD95E-B91B-F74C-A90D-9F0E4B9F66CD}"/>
+                  </a:ext>
+                </a:extLst>
+              </p:cNvPr>
+              <p:cNvSpPr txBox="1"/>
+              <p:nvPr/>
+            </p:nvSpPr>
+            <p:spPr>
+              <a:xfrm>
+                <a:off x="1317522" y="3105834"/>
+                <a:ext cx="1809135" cy="923330"/>
+              </a:xfrm>
+              <a:prstGeom prst="rect">
+                <a:avLst/>
+              </a:prstGeom>
+              <a:noFill/>
+            </p:spPr>
+            <p:txBody>
+              <a:bodyPr wrap="square" rtlCol="0">
+                <a:spAutoFit/>
+              </a:bodyPr>
+              <a:lstStyle/>
+              <a:p>
+                <a:r>
+                  <a:rPr lang="de-DE" dirty="0" err="1">
+                    <a:solidFill>
+                      <a:schemeClr val="accent6">
+                        <a:lumMod val="75000"/>
+                      </a:schemeClr>
+                    </a:solidFill>
+                  </a:rPr>
+                  <a:t>Fraction</a:t>
+                </a:r>
+                <a:r>
+                  <a:rPr lang="de-DE" dirty="0">
+                    <a:solidFill>
+                      <a:schemeClr val="accent6">
+                        <a:lumMod val="75000"/>
+                      </a:schemeClr>
+                    </a:solidFill>
+                  </a:rPr>
+                  <a:t> </a:t>
+                </a:r>
+                <a:r>
+                  <a:rPr lang="de-DE" dirty="0" err="1">
+                    <a:solidFill>
+                      <a:schemeClr val="accent6">
+                        <a:lumMod val="75000"/>
+                      </a:schemeClr>
+                    </a:solidFill>
+                  </a:rPr>
+                  <a:t>of</a:t>
+                </a:r>
+                <a:r>
+                  <a:rPr lang="de-DE" dirty="0">
+                    <a:solidFill>
+                      <a:schemeClr val="accent6">
+                        <a:lumMod val="75000"/>
+                      </a:schemeClr>
+                    </a:solidFill>
+                  </a:rPr>
+                  <a:t> </a:t>
+                </a:r>
+                <a14:m>
+                  <m:oMath xmlns:m="http://schemas.openxmlformats.org/officeDocument/2006/math">
+                    <m:sSub>
+                      <m:sSubPr>
+                        <m:ctrlPr>
+                          <a:rPr lang="de-DE" i="1">
+                            <a:solidFill>
+                              <a:schemeClr val="accent6">
+                                <a:lumMod val="75000"/>
+                              </a:schemeClr>
+                            </a:solidFill>
+                            <a:latin typeface="Cambria Math" panose="02040503050406030204" pitchFamily="18" charset="0"/>
+                          </a:rPr>
+                        </m:ctrlPr>
+                      </m:sSubPr>
+                      <m:e>
+                        <m:r>
+                          <a:rPr lang="de-DE" i="1">
+                            <a:solidFill>
+                              <a:schemeClr val="accent6">
+                                <a:lumMod val="75000"/>
+                              </a:schemeClr>
+                            </a:solidFill>
+                            <a:latin typeface="Cambria Math" panose="02040503050406030204" pitchFamily="18" charset="0"/>
+                            <a:ea typeface="Cambria Math" panose="02040503050406030204" pitchFamily="18" charset="0"/>
+                          </a:rPr>
+                          <m:t>𝜑</m:t>
+                        </m:r>
+                      </m:e>
+                      <m:sub>
+                        <m:r>
+                          <a:rPr lang="de-DE" i="1">
+                            <a:solidFill>
+                              <a:schemeClr val="accent6">
+                                <a:lumMod val="75000"/>
+                              </a:schemeClr>
+                            </a:solidFill>
+                            <a:latin typeface="Cambria Math" panose="02040503050406030204" pitchFamily="18" charset="0"/>
+                          </a:rPr>
+                          <m:t>𝑘</m:t>
+                        </m:r>
+                      </m:sub>
+                    </m:sSub>
+                  </m:oMath>
+                </a14:m>
+                <a:r>
+                  <a:rPr lang="de-DE" dirty="0">
+                    <a:solidFill>
+                      <a:schemeClr val="accent6">
+                        <a:lumMod val="75000"/>
+                      </a:schemeClr>
+                    </a:solidFill>
+                  </a:rPr>
+                  <a:t> </a:t>
+                </a:r>
+                <a:r>
+                  <a:rPr lang="de-DE" dirty="0" err="1">
+                    <a:solidFill>
+                      <a:schemeClr val="accent6">
+                        <a:lumMod val="75000"/>
+                      </a:schemeClr>
+                    </a:solidFill>
+                  </a:rPr>
+                  <a:t>absorbed</a:t>
+                </a:r>
+                <a:r>
+                  <a:rPr lang="de-DE" dirty="0">
+                    <a:solidFill>
+                      <a:schemeClr val="accent6">
+                        <a:lumMod val="75000"/>
+                      </a:schemeClr>
+                    </a:solidFill>
+                  </a:rPr>
+                  <a:t> </a:t>
+                </a:r>
+                <a:r>
+                  <a:rPr lang="de-DE" dirty="0" err="1">
+                    <a:solidFill>
+                      <a:schemeClr val="accent6">
+                        <a:lumMod val="75000"/>
+                      </a:schemeClr>
+                    </a:solidFill>
+                  </a:rPr>
+                  <a:t>by</a:t>
+                </a:r>
+                <a:r>
+                  <a:rPr lang="de-DE" dirty="0">
+                    <a:solidFill>
+                      <a:schemeClr val="accent6">
+                        <a:lumMod val="75000"/>
+                      </a:schemeClr>
+                    </a:solidFill>
+                  </a:rPr>
+                  <a:t> </a:t>
+                </a:r>
+                <a:r>
+                  <a:rPr lang="de-DE" dirty="0" err="1">
+                    <a:solidFill>
+                      <a:schemeClr val="accent6">
+                        <a:lumMod val="75000"/>
+                      </a:schemeClr>
+                    </a:solidFill>
+                  </a:rPr>
+                  <a:t>the</a:t>
+                </a:r>
+                <a:r>
+                  <a:rPr lang="de-DE" dirty="0">
+                    <a:solidFill>
+                      <a:schemeClr val="accent6">
+                        <a:lumMod val="75000"/>
+                      </a:schemeClr>
+                    </a:solidFill>
+                  </a:rPr>
+                  <a:t> </a:t>
+                </a:r>
+                <a:r>
+                  <a:rPr lang="de-DE" dirty="0" err="1">
+                    <a:solidFill>
+                      <a:schemeClr val="accent6">
+                        <a:lumMod val="75000"/>
+                      </a:schemeClr>
+                    </a:solidFill>
+                  </a:rPr>
+                  <a:t>canopy</a:t>
+                </a:r>
+                <a:r>
+                  <a:rPr lang="de-DE" dirty="0">
+                    <a:solidFill>
+                      <a:schemeClr val="accent6">
+                        <a:lumMod val="75000"/>
+                      </a:schemeClr>
+                    </a:solidFill>
+                  </a:rPr>
+                  <a:t> </a:t>
+                </a:r>
+                <a:endParaRPr lang="en-DE" dirty="0">
+                  <a:solidFill>
+                    <a:schemeClr val="accent6">
+                      <a:lumMod val="75000"/>
+                    </a:schemeClr>
+                  </a:solidFill>
+                </a:endParaRPr>
+              </a:p>
+            </p:txBody>
+          </p:sp>
+        </mc:Choice>
+        <mc:Fallback>
+          <p:sp>
+            <p:nvSpPr>
+              <p:cNvPr id="18" name="TextBox 17">
+                <a:extLst>
+                  <a:ext uri="{FF2B5EF4-FFF2-40B4-BE49-F238E27FC236}">
+                    <a16:creationId xmlns:a16="http://schemas.microsoft.com/office/drawing/2014/main" id="{EDFDD95E-B91B-F74C-A90D-9F0E4B9F66CD}"/>
+                  </a:ext>
+                </a:extLst>
+              </p:cNvPr>
+              <p:cNvSpPr txBox="1">
+                <a:spLocks noRot="1" noChangeAspect="1" noMove="1" noResize="1" noEditPoints="1" noAdjustHandles="1" noChangeArrowheads="1" noChangeShapeType="1" noTextEdit="1"/>
+              </p:cNvSpPr>
+              <p:nvPr/>
+            </p:nvSpPr>
+            <p:spPr>
+              <a:xfrm>
+                <a:off x="1317522" y="3105834"/>
+                <a:ext cx="1809135" cy="923330"/>
+              </a:xfrm>
+              <a:prstGeom prst="rect">
+                <a:avLst/>
+              </a:prstGeom>
+              <a:blipFill>
+                <a:blip r:embed="rId3"/>
+                <a:stretch>
+                  <a:fillRect l="-2778" t="-2703" b="-9459"/>
+                </a:stretch>
+              </a:blipFill>
+            </p:spPr>
+            <p:txBody>
+              <a:bodyPr/>
+              <a:lstStyle/>
+              <a:p>
+                <a:r>
+                  <a:rPr lang="en-DE">
+                    <a:noFill/>
+                  </a:rPr>
+                  <a:t> </a:t>
+                </a:r>
+              </a:p>
+            </p:txBody>
+          </p:sp>
+        </mc:Fallback>
+      </mc:AlternateContent>
     </p:spTree>
     <p:extLst>
       <p:ext uri="{BB962C8B-B14F-4D97-AF65-F5344CB8AC3E}">
-        <p14:creationId xmlns:p14="http://schemas.microsoft.com/office/powerpoint/2010/main" val="2949573319"/>
+        <p14:creationId xmlns:p14="http://schemas.microsoft.com/office/powerpoint/2010/main" val="206620813"/>
       </p:ext>
     </p:extLst>
   </p:cSld>
@@ -4479,42 +9071,222 @@
           <a:chExt cx="0" cy="0"/>
         </a:xfrm>
       </p:grpSpPr>
-      <p:pic>
-        <p:nvPicPr>
-          <p:cNvPr id="5" name="Picture 4" descr="Chart, histogram&#10;&#10;Description automatically generated">
-            <a:extLst>
-              <a:ext uri="{FF2B5EF4-FFF2-40B4-BE49-F238E27FC236}">
-                <a16:creationId xmlns:a16="http://schemas.microsoft.com/office/drawing/2014/main" id="{F0D374EF-330D-6849-8EB1-AAA9BA21633E}"/>
-              </a:ext>
-            </a:extLst>
-          </p:cNvPr>
-          <p:cNvPicPr>
-            <a:picLocks noChangeAspect="1"/>
-          </p:cNvPicPr>
+      <p:sp>
+        <p:nvSpPr>
+          <p:cNvPr id="2" name="Title 1">
+            <a:extLst>
+              <a:ext uri="{FF2B5EF4-FFF2-40B4-BE49-F238E27FC236}">
+                <a16:creationId xmlns:a16="http://schemas.microsoft.com/office/drawing/2014/main" id="{284FF2F7-29B9-F440-9620-2E9432410183}"/>
+              </a:ext>
+            </a:extLst>
+          </p:cNvPr>
+          <p:cNvSpPr>
+            <a:spLocks noGrp="1"/>
+          </p:cNvSpPr>
+          <p:nvPr>
+            <p:ph type="title"/>
+          </p:nvPr>
+        </p:nvSpPr>
+        <p:spPr>
+          <a:xfrm>
+            <a:off x="0" y="0"/>
+            <a:ext cx="10515600" cy="1325563"/>
+          </a:xfrm>
+        </p:spPr>
+        <p:txBody>
+          <a:bodyPr/>
+          <a:lstStyle/>
+          <a:p>
+            <a:r>
+              <a:rPr lang="en-DE" dirty="0"/>
+              <a:t>Process-based modeling of the gross primary productivity: PRELES</a:t>
+            </a:r>
+          </a:p>
+        </p:txBody>
+      </p:sp>
+      <p:sp>
+        <p:nvSpPr>
+          <p:cNvPr id="3" name="Rounded Rectangle 2">
+            <a:extLst>
+              <a:ext uri="{FF2B5EF4-FFF2-40B4-BE49-F238E27FC236}">
+                <a16:creationId xmlns:a16="http://schemas.microsoft.com/office/drawing/2014/main" id="{40735302-6325-4543-AAF8-9A6BDCF3323E}"/>
+              </a:ext>
+            </a:extLst>
+          </p:cNvPr>
+          <p:cNvSpPr/>
           <p:nvPr/>
-        </p:nvPicPr>
-        <p:blipFill>
-          <a:blip r:embed="rId2"/>
-          <a:stretch>
-            <a:fillRect/>
-          </a:stretch>
-        </p:blipFill>
+        </p:nvSpPr>
         <p:spPr>
           <a:xfrm>
-            <a:off x="442145" y="2043778"/>
-            <a:ext cx="5519351" cy="3737061"/>
-          </a:xfrm>
-          <a:prstGeom prst="rect">
+            <a:off x="5132441" y="1897627"/>
+            <a:ext cx="2418734" cy="1081548"/>
+          </a:xfrm>
+          <a:prstGeom prst="roundRect">
             <a:avLst/>
           </a:prstGeom>
-        </p:spPr>
-      </p:pic>
+          <a:solidFill>
+            <a:schemeClr val="bg2">
+              <a:lumMod val="75000"/>
+            </a:schemeClr>
+          </a:solidFill>
+          <a:ln>
+            <a:solidFill>
+              <a:schemeClr val="tx1"/>
+            </a:solidFill>
+          </a:ln>
+        </p:spPr>
+        <p:style>
+          <a:lnRef idx="2">
+            <a:schemeClr val="accent1">
+              <a:shade val="50000"/>
+            </a:schemeClr>
+          </a:lnRef>
+          <a:fillRef idx="1">
+            <a:schemeClr val="accent1"/>
+          </a:fillRef>
+          <a:effectRef idx="0">
+            <a:schemeClr val="accent1"/>
+          </a:effectRef>
+          <a:fontRef idx="minor">
+            <a:schemeClr val="lt1"/>
+          </a:fontRef>
+        </p:style>
+        <p:txBody>
+          <a:bodyPr rtlCol="0" anchor="ctr"/>
+          <a:lstStyle/>
+          <a:p>
+            <a:pPr algn="ctr"/>
+            <a:r>
+              <a:rPr lang="en-DE" dirty="0"/>
+              <a:t>Light-use efficiency (P) </a:t>
+            </a:r>
+          </a:p>
+        </p:txBody>
+      </p:sp>
+      <p:sp>
+        <p:nvSpPr>
+          <p:cNvPr id="4" name="Rounded Rectangle 3">
+            <a:extLst>
+              <a:ext uri="{FF2B5EF4-FFF2-40B4-BE49-F238E27FC236}">
+                <a16:creationId xmlns:a16="http://schemas.microsoft.com/office/drawing/2014/main" id="{2FBEA962-F164-F24B-BF6F-E50950057D78}"/>
+              </a:ext>
+            </a:extLst>
+          </p:cNvPr>
+          <p:cNvSpPr/>
+          <p:nvPr/>
+        </p:nvSpPr>
+        <p:spPr>
+          <a:xfrm>
+            <a:off x="5132441" y="3751008"/>
+            <a:ext cx="2418734" cy="1081548"/>
+          </a:xfrm>
+          <a:prstGeom prst="roundRect">
+            <a:avLst/>
+          </a:prstGeom>
+          <a:solidFill>
+            <a:schemeClr val="bg2">
+              <a:lumMod val="75000"/>
+            </a:schemeClr>
+          </a:solidFill>
+          <a:ln>
+            <a:solidFill>
+              <a:schemeClr val="tx1"/>
+            </a:solidFill>
+          </a:ln>
+        </p:spPr>
+        <p:style>
+          <a:lnRef idx="2">
+            <a:schemeClr val="accent1">
+              <a:shade val="50000"/>
+            </a:schemeClr>
+          </a:lnRef>
+          <a:fillRef idx="1">
+            <a:schemeClr val="accent1"/>
+          </a:fillRef>
+          <a:effectRef idx="0">
+            <a:schemeClr val="accent1"/>
+          </a:effectRef>
+          <a:fontRef idx="minor">
+            <a:schemeClr val="lt1"/>
+          </a:fontRef>
+        </p:style>
+        <p:txBody>
+          <a:bodyPr rtlCol="0" anchor="ctr"/>
+          <a:lstStyle/>
+          <a:p>
+            <a:pPr algn="ctr"/>
+            <a:r>
+              <a:rPr lang="en-DE" dirty="0"/>
+              <a:t>Soil water content (SW)</a:t>
+            </a:r>
+          </a:p>
+        </p:txBody>
+      </p:sp>
+      <p:sp>
+        <p:nvSpPr>
+          <p:cNvPr id="5" name="Rounded Rectangle 4">
+            <a:extLst>
+              <a:ext uri="{FF2B5EF4-FFF2-40B4-BE49-F238E27FC236}">
+                <a16:creationId xmlns:a16="http://schemas.microsoft.com/office/drawing/2014/main" id="{AD3E7581-43C0-1346-89BF-27D23D7A1FEE}"/>
+              </a:ext>
+            </a:extLst>
+          </p:cNvPr>
+          <p:cNvSpPr/>
+          <p:nvPr/>
+        </p:nvSpPr>
+        <p:spPr>
+          <a:xfrm>
+            <a:off x="9030928" y="1897627"/>
+            <a:ext cx="2418733" cy="1081548"/>
+          </a:xfrm>
+          <a:prstGeom prst="roundRect">
+            <a:avLst/>
+          </a:prstGeom>
+          <a:solidFill>
+            <a:schemeClr val="bg2">
+              <a:lumMod val="75000"/>
+            </a:schemeClr>
+          </a:solidFill>
+          <a:ln>
+            <a:solidFill>
+              <a:schemeClr val="tx1"/>
+            </a:solidFill>
+          </a:ln>
+        </p:spPr>
+        <p:style>
+          <a:lnRef idx="2">
+            <a:schemeClr val="accent1">
+              <a:shade val="50000"/>
+            </a:schemeClr>
+          </a:lnRef>
+          <a:fillRef idx="1">
+            <a:schemeClr val="accent1"/>
+          </a:fillRef>
+          <a:effectRef idx="0">
+            <a:schemeClr val="accent1"/>
+          </a:effectRef>
+          <a:fontRef idx="minor">
+            <a:schemeClr val="lt1"/>
+          </a:fontRef>
+        </p:style>
+        <p:txBody>
+          <a:bodyPr rtlCol="0" anchor="ctr"/>
+          <a:lstStyle/>
+          <a:p>
+            <a:pPr algn="ctr"/>
+            <a:r>
+              <a:rPr lang="en-DE" dirty="0"/>
+              <a:t>Evapotranspiration (ET)</a:t>
+            </a:r>
+          </a:p>
+        </p:txBody>
+      </p:sp>
       <p:cxnSp>
         <p:nvCxnSpPr>
-          <p:cNvPr id="7" name="Straight Connector 6">
-            <a:extLst>
-              <a:ext uri="{FF2B5EF4-FFF2-40B4-BE49-F238E27FC236}">
-                <a16:creationId xmlns:a16="http://schemas.microsoft.com/office/drawing/2014/main" id="{1E792950-4B41-7C4F-AC03-7C83C5E94030}"/>
+          <p:cNvPr id="7" name="Straight Arrow Connector 6">
+            <a:extLst>
+              <a:ext uri="{FF2B5EF4-FFF2-40B4-BE49-F238E27FC236}">
+                <a16:creationId xmlns:a16="http://schemas.microsoft.com/office/drawing/2014/main" id="{8992D967-3A7A-724A-8490-5A8BCAC45FD5}"/>
               </a:ext>
             </a:extLst>
           </p:cNvPr>
@@ -4523,17 +9295,17 @@
         </p:nvCxnSpPr>
         <p:spPr>
           <a:xfrm>
-            <a:off x="3558746" y="1956056"/>
-            <a:ext cx="0" cy="3468560"/>
-          </a:xfrm>
-          <a:prstGeom prst="line">
+            <a:off x="7737988" y="2448233"/>
+            <a:ext cx="1061884" cy="0"/>
+          </a:xfrm>
+          <a:prstGeom prst="straightConnector1">
             <a:avLst/>
           </a:prstGeom>
-          <a:ln w="28575">
+          <a:ln w="19050">
             <a:solidFill>
-              <a:srgbClr val="C00000"/>
+              <a:schemeClr val="tx1"/>
             </a:solidFill>
-            <a:prstDash val="dash"/>
+            <a:tailEnd type="triangle"/>
           </a:ln>
         </p:spPr>
         <p:style>
@@ -4551,143 +9323,569 @@
           </a:fontRef>
         </p:style>
       </p:cxnSp>
-      <p:sp>
-        <p:nvSpPr>
-          <p:cNvPr id="8" name="TextBox 7">
-            <a:extLst>
-              <a:ext uri="{FF2B5EF4-FFF2-40B4-BE49-F238E27FC236}">
-                <a16:creationId xmlns:a16="http://schemas.microsoft.com/office/drawing/2014/main" id="{BC7BDCB1-F888-DC48-9B85-18AD4AF9E779}"/>
-              </a:ext>
-            </a:extLst>
-          </p:cNvPr>
-          <p:cNvSpPr txBox="1"/>
+      <p:cxnSp>
+        <p:nvCxnSpPr>
+          <p:cNvPr id="8" name="Straight Arrow Connector 7">
+            <a:extLst>
+              <a:ext uri="{FF2B5EF4-FFF2-40B4-BE49-F238E27FC236}">
+                <a16:creationId xmlns:a16="http://schemas.microsoft.com/office/drawing/2014/main" id="{35DA12BE-B545-F343-A3C4-484705E68C76}"/>
+              </a:ext>
+            </a:extLst>
+          </p:cNvPr>
+          <p:cNvCxnSpPr>
+            <a:cxnSpLocks/>
+          </p:cNvCxnSpPr>
           <p:nvPr/>
-        </p:nvSpPr>
-        <p:spPr>
-          <a:xfrm>
-            <a:off x="2060028" y="5773819"/>
-            <a:ext cx="420308" cy="369332"/>
-          </a:xfrm>
-          <a:prstGeom prst="rect">
+        </p:nvCxnSpPr>
+        <p:spPr>
+          <a:xfrm flipV="1">
+            <a:off x="6322143" y="3077499"/>
+            <a:ext cx="0" cy="599766"/>
+          </a:xfrm>
+          <a:prstGeom prst="straightConnector1">
             <a:avLst/>
           </a:prstGeom>
-          <a:noFill/>
-        </p:spPr>
-        <p:txBody>
-          <a:bodyPr wrap="none" rtlCol="0">
-            <a:spAutoFit/>
-          </a:bodyPr>
-          <a:lstStyle/>
-          <a:p>
-            <a:r>
-              <a:rPr lang="en-DE" dirty="0">
-                <a:solidFill>
-                  <a:srgbClr val="C00000"/>
-                </a:solidFill>
-              </a:rPr>
-              <a:t>P1</a:t>
-            </a:r>
-          </a:p>
-        </p:txBody>
-      </p:sp>
-      <p:sp>
-        <p:nvSpPr>
-          <p:cNvPr id="9" name="TextBox 8">
-            <a:extLst>
-              <a:ext uri="{FF2B5EF4-FFF2-40B4-BE49-F238E27FC236}">
-                <a16:creationId xmlns:a16="http://schemas.microsoft.com/office/drawing/2014/main" id="{7B9A39DD-5157-D749-A3C3-5DE9E3CAE665}"/>
-              </a:ext>
-            </a:extLst>
-          </p:cNvPr>
-          <p:cNvSpPr txBox="1"/>
+          <a:ln w="19050">
+            <a:solidFill>
+              <a:schemeClr val="tx1"/>
+            </a:solidFill>
+            <a:tailEnd type="triangle"/>
+          </a:ln>
+        </p:spPr>
+        <p:style>
+          <a:lnRef idx="1">
+            <a:schemeClr val="accent1"/>
+          </a:lnRef>
+          <a:fillRef idx="0">
+            <a:schemeClr val="accent1"/>
+          </a:fillRef>
+          <a:effectRef idx="0">
+            <a:schemeClr val="accent1"/>
+          </a:effectRef>
+          <a:fontRef idx="minor">
+            <a:schemeClr val="tx1"/>
+          </a:fontRef>
+        </p:style>
+      </p:cxnSp>
+      <p:cxnSp>
+        <p:nvCxnSpPr>
+          <p:cNvPr id="15" name="Straight Arrow Connector 14">
+            <a:extLst>
+              <a:ext uri="{FF2B5EF4-FFF2-40B4-BE49-F238E27FC236}">
+                <a16:creationId xmlns:a16="http://schemas.microsoft.com/office/drawing/2014/main" id="{C96B68AA-B06C-5B40-A987-DB8FBA9ED5D2}"/>
+              </a:ext>
+            </a:extLst>
+          </p:cNvPr>
+          <p:cNvCxnSpPr/>
           <p:nvPr/>
-        </p:nvSpPr>
-        <p:spPr>
-          <a:xfrm>
-            <a:off x="4629807" y="5773819"/>
-            <a:ext cx="420308" cy="369332"/>
-          </a:xfrm>
-          <a:prstGeom prst="rect">
+        </p:nvCxnSpPr>
+        <p:spPr>
+          <a:xfrm flipH="1">
+            <a:off x="7737988" y="3077499"/>
+            <a:ext cx="2241755" cy="1199534"/>
+          </a:xfrm>
+          <a:prstGeom prst="straightConnector1">
             <a:avLst/>
           </a:prstGeom>
-          <a:noFill/>
-        </p:spPr>
-        <p:txBody>
-          <a:bodyPr wrap="none" rtlCol="0">
-            <a:spAutoFit/>
-          </a:bodyPr>
-          <a:lstStyle/>
-          <a:p>
-            <a:r>
-              <a:rPr lang="en-DE" dirty="0">
-                <a:solidFill>
-                  <a:srgbClr val="C00000"/>
-                </a:solidFill>
-              </a:rPr>
-              <a:t>P2</a:t>
-            </a:r>
-          </a:p>
-        </p:txBody>
-      </p:sp>
-      <p:sp>
-        <p:nvSpPr>
-          <p:cNvPr id="13" name="Title 1">
-            <a:extLst>
-              <a:ext uri="{FF2B5EF4-FFF2-40B4-BE49-F238E27FC236}">
-                <a16:creationId xmlns:a16="http://schemas.microsoft.com/office/drawing/2014/main" id="{26FA6C61-512D-2140-A96C-D66A69188103}"/>
-              </a:ext>
-            </a:extLst>
-          </p:cNvPr>
-          <p:cNvSpPr txBox="1">
-            <a:spLocks/>
-          </p:cNvSpPr>
+          <a:ln w="19050">
+            <a:solidFill>
+              <a:schemeClr val="tx1"/>
+            </a:solidFill>
+            <a:headEnd type="triangle"/>
+            <a:tailEnd type="triangle"/>
+          </a:ln>
+        </p:spPr>
+        <p:style>
+          <a:lnRef idx="1">
+            <a:schemeClr val="accent1"/>
+          </a:lnRef>
+          <a:fillRef idx="0">
+            <a:schemeClr val="accent1"/>
+          </a:fillRef>
+          <a:effectRef idx="0">
+            <a:schemeClr val="accent1"/>
+          </a:effectRef>
+          <a:fontRef idx="minor">
+            <a:schemeClr val="tx1"/>
+          </a:fontRef>
+        </p:style>
+      </p:cxnSp>
+      <mc:AlternateContent xmlns:mc="http://schemas.openxmlformats.org/markup-compatibility/2006">
+        <mc:Choice xmlns:a14="http://schemas.microsoft.com/office/drawing/2010/main" Requires="a14">
+          <p:sp>
+            <p:nvSpPr>
+              <p:cNvPr id="16" name="TextBox 15">
+                <a:extLst>
+                  <a:ext uri="{FF2B5EF4-FFF2-40B4-BE49-F238E27FC236}">
+                    <a16:creationId xmlns:a16="http://schemas.microsoft.com/office/drawing/2014/main" id="{282E0CD7-DD60-7F4A-9434-075757107EB8}"/>
+                  </a:ext>
+                </a:extLst>
+              </p:cNvPr>
+              <p:cNvSpPr txBox="1"/>
+              <p:nvPr/>
+            </p:nvSpPr>
+            <p:spPr>
+              <a:xfrm>
+                <a:off x="353962" y="2136940"/>
+                <a:ext cx="3480619" cy="602922"/>
+              </a:xfrm>
+              <a:prstGeom prst="rect">
+                <a:avLst/>
+              </a:prstGeom>
+              <a:noFill/>
+            </p:spPr>
+            <p:txBody>
+              <a:bodyPr wrap="square" rtlCol="0">
+                <a:spAutoFit/>
+              </a:bodyPr>
+              <a:lstStyle/>
+              <a:p>
+                <a14:m>
+                  <m:oMathPara xmlns:m="http://schemas.openxmlformats.org/officeDocument/2006/math">
+                    <m:oMathParaPr>
+                      <m:jc m:val="centerGroup"/>
+                    </m:oMathParaPr>
+                    <m:oMath xmlns:m="http://schemas.openxmlformats.org/officeDocument/2006/math">
+                      <m:sSub>
+                        <m:sSubPr>
+                          <m:ctrlPr>
+                            <a:rPr lang="en-DE" i="1" smtClean="0">
+                              <a:latin typeface="Cambria Math" panose="02040503050406030204" pitchFamily="18" charset="0"/>
+                            </a:rPr>
+                          </m:ctrlPr>
+                        </m:sSubPr>
+                        <m:e>
+                          <m:r>
+                            <a:rPr lang="de-DE" b="0" i="1" smtClean="0">
+                              <a:latin typeface="Cambria Math" panose="02040503050406030204" pitchFamily="18" charset="0"/>
+                            </a:rPr>
+                            <m:t>𝑃</m:t>
+                          </m:r>
+                        </m:e>
+                        <m:sub>
+                          <m:r>
+                            <a:rPr lang="de-DE" b="0" i="1" smtClean="0">
+                              <a:latin typeface="Cambria Math" panose="02040503050406030204" pitchFamily="18" charset="0"/>
+                            </a:rPr>
+                            <m:t>𝑘</m:t>
+                          </m:r>
+                        </m:sub>
+                      </m:sSub>
+                      <m:r>
+                        <a:rPr lang="de-DE" b="0" i="1" smtClean="0">
+                          <a:latin typeface="Cambria Math" panose="02040503050406030204" pitchFamily="18" charset="0"/>
+                        </a:rPr>
+                        <m:t>=</m:t>
+                      </m:r>
+                      <m:sSub>
+                        <m:sSubPr>
+                          <m:ctrlPr>
+                            <a:rPr lang="de-DE" b="0" i="1" smtClean="0">
+                              <a:latin typeface="Cambria Math" panose="02040503050406030204" pitchFamily="18" charset="0"/>
+                            </a:rPr>
+                          </m:ctrlPr>
+                        </m:sSubPr>
+                        <m:e>
+                          <m:r>
+                            <a:rPr lang="de-DE" b="0" i="1" smtClean="0">
+                              <a:latin typeface="Cambria Math" panose="02040503050406030204" pitchFamily="18" charset="0"/>
+                              <a:ea typeface="Cambria Math" panose="02040503050406030204" pitchFamily="18" charset="0"/>
+                            </a:rPr>
+                            <m:t>𝛽</m:t>
+                          </m:r>
+                        </m:e>
+                        <m:sub>
+                          <m:r>
+                            <a:rPr lang="de-DE" b="0" i="1" smtClean="0">
+                              <a:latin typeface="Cambria Math" panose="02040503050406030204" pitchFamily="18" charset="0"/>
+                            </a:rPr>
+                            <m:t>𝑃</m:t>
+                          </m:r>
+                        </m:sub>
+                      </m:sSub>
+                      <m:sSub>
+                        <m:sSubPr>
+                          <m:ctrlPr>
+                            <a:rPr lang="de-DE" b="0" i="1" smtClean="0">
+                              <a:latin typeface="Cambria Math" panose="02040503050406030204" pitchFamily="18" charset="0"/>
+                            </a:rPr>
+                          </m:ctrlPr>
+                        </m:sSubPr>
+                        <m:e>
+                          <m:r>
+                            <a:rPr lang="de-DE" b="0" i="1" smtClean="0">
+                              <a:latin typeface="Cambria Math" panose="02040503050406030204" pitchFamily="18" charset="0"/>
+                              <a:ea typeface="Cambria Math" panose="02040503050406030204" pitchFamily="18" charset="0"/>
+                            </a:rPr>
+                            <m:t>𝜑</m:t>
+                          </m:r>
+                        </m:e>
+                        <m:sub>
+                          <m:r>
+                            <a:rPr lang="de-DE" b="0" i="1" smtClean="0">
+                              <a:latin typeface="Cambria Math" panose="02040503050406030204" pitchFamily="18" charset="0"/>
+                            </a:rPr>
+                            <m:t>𝑘</m:t>
+                          </m:r>
+                        </m:sub>
+                      </m:sSub>
+                      <m:sSub>
+                        <m:sSubPr>
+                          <m:ctrlPr>
+                            <a:rPr lang="de-DE" b="0" i="1" smtClean="0">
+                              <a:latin typeface="Cambria Math" panose="02040503050406030204" pitchFamily="18" charset="0"/>
+                            </a:rPr>
+                          </m:ctrlPr>
+                        </m:sSubPr>
+                        <m:e>
+                          <m:r>
+                            <a:rPr lang="de-DE" b="0" i="1" smtClean="0">
+                              <a:latin typeface="Cambria Math" panose="02040503050406030204" pitchFamily="18" charset="0"/>
+                            </a:rPr>
+                            <m:t>𝑓</m:t>
+                          </m:r>
+                        </m:e>
+                        <m:sub>
+                          <m:r>
+                            <a:rPr lang="de-DE" b="0" i="1" smtClean="0">
+                              <a:latin typeface="Cambria Math" panose="02040503050406030204" pitchFamily="18" charset="0"/>
+                            </a:rPr>
+                            <m:t>𝑎</m:t>
+                          </m:r>
+                          <m:r>
+                            <a:rPr lang="de-DE" b="0" i="1" smtClean="0">
+                              <a:latin typeface="Cambria Math" panose="02040503050406030204" pitchFamily="18" charset="0"/>
+                              <a:ea typeface="Cambria Math" panose="02040503050406030204" pitchFamily="18" charset="0"/>
+                            </a:rPr>
+                            <m:t>𝜑</m:t>
+                          </m:r>
+                        </m:sub>
+                      </m:sSub>
+                      <m:nary>
+                        <m:naryPr>
+                          <m:chr m:val="∏"/>
+                          <m:limLoc m:val="subSup"/>
+                          <m:supHide m:val="on"/>
+                          <m:ctrlPr>
+                            <a:rPr lang="de-DE" b="0" i="1" smtClean="0">
+                              <a:latin typeface="Cambria Math" panose="02040503050406030204" pitchFamily="18" charset="0"/>
+                            </a:rPr>
+                          </m:ctrlPr>
+                        </m:naryPr>
+                        <m:sub>
+                          <m:r>
+                            <m:rPr>
+                              <m:brk m:alnAt="9"/>
+                            </m:rPr>
+                            <a:rPr lang="de-DE" b="0" i="1" smtClean="0">
+                              <a:latin typeface="Cambria Math" panose="02040503050406030204" pitchFamily="18" charset="0"/>
+                            </a:rPr>
+                            <m:t>𝑖</m:t>
+                          </m:r>
+                        </m:sub>
+                        <m:sup/>
+                        <m:e>
+                          <m:sSub>
+                            <m:sSubPr>
+                              <m:ctrlPr>
+                                <a:rPr lang="de-DE" b="0" i="1" smtClean="0">
+                                  <a:latin typeface="Cambria Math" panose="02040503050406030204" pitchFamily="18" charset="0"/>
+                                </a:rPr>
+                              </m:ctrlPr>
+                            </m:sSubPr>
+                            <m:e>
+                              <m:r>
+                                <a:rPr lang="de-DE" b="0" i="1" smtClean="0">
+                                  <a:latin typeface="Cambria Math" panose="02040503050406030204" pitchFamily="18" charset="0"/>
+                                </a:rPr>
+                                <m:t>𝑓</m:t>
+                              </m:r>
+                            </m:e>
+                            <m:sub>
+                              <m:r>
+                                <a:rPr lang="de-DE" b="0" i="1" smtClean="0">
+                                  <a:latin typeface="Cambria Math" panose="02040503050406030204" pitchFamily="18" charset="0"/>
+                                </a:rPr>
+                                <m:t>𝑖</m:t>
+                              </m:r>
+                              <m:r>
+                                <a:rPr lang="de-DE" b="0" i="1" smtClean="0">
+                                  <a:latin typeface="Cambria Math" panose="02040503050406030204" pitchFamily="18" charset="0"/>
+                                </a:rPr>
+                                <m:t>,</m:t>
+                              </m:r>
+                              <m:r>
+                                <a:rPr lang="de-DE" b="0" i="1" smtClean="0">
+                                  <a:latin typeface="Cambria Math" panose="02040503050406030204" pitchFamily="18" charset="0"/>
+                                </a:rPr>
+                                <m:t>𝑘</m:t>
+                              </m:r>
+                            </m:sub>
+                          </m:sSub>
+                        </m:e>
+                      </m:nary>
+                    </m:oMath>
+                  </m:oMathPara>
+                </a14:m>
+                <a:endParaRPr lang="en-DE" dirty="0"/>
+              </a:p>
+            </p:txBody>
+          </p:sp>
+        </mc:Choice>
+        <mc:Fallback>
+          <p:sp>
+            <p:nvSpPr>
+              <p:cNvPr id="16" name="TextBox 15">
+                <a:extLst>
+                  <a:ext uri="{FF2B5EF4-FFF2-40B4-BE49-F238E27FC236}">
+                    <a16:creationId xmlns:a16="http://schemas.microsoft.com/office/drawing/2014/main" id="{282E0CD7-DD60-7F4A-9434-075757107EB8}"/>
+                  </a:ext>
+                </a:extLst>
+              </p:cNvPr>
+              <p:cNvSpPr txBox="1">
+                <a:spLocks noRot="1" noChangeAspect="1" noMove="1" noResize="1" noEditPoints="1" noAdjustHandles="1" noChangeArrowheads="1" noChangeShapeType="1" noTextEdit="1"/>
+              </p:cNvSpPr>
+              <p:nvPr/>
+            </p:nvSpPr>
+            <p:spPr>
+              <a:xfrm>
+                <a:off x="353962" y="2136940"/>
+                <a:ext cx="3480619" cy="602922"/>
+              </a:xfrm>
+              <a:prstGeom prst="rect">
+                <a:avLst/>
+              </a:prstGeom>
+              <a:blipFill>
+                <a:blip r:embed="rId2"/>
+                <a:stretch>
+                  <a:fillRect t="-164583" b="-235417"/>
+                </a:stretch>
+              </a:blipFill>
+            </p:spPr>
+            <p:txBody>
+              <a:bodyPr/>
+              <a:lstStyle/>
+              <a:p>
+                <a:r>
+                  <a:rPr lang="en-DE">
+                    <a:noFill/>
+                  </a:rPr>
+                  <a:t> </a:t>
+                </a:r>
+              </a:p>
+            </p:txBody>
+          </p:sp>
+        </mc:Fallback>
+      </mc:AlternateContent>
+      <p:cxnSp>
+        <p:nvCxnSpPr>
+          <p:cNvPr id="17" name="Straight Arrow Connector 16">
+            <a:extLst>
+              <a:ext uri="{FF2B5EF4-FFF2-40B4-BE49-F238E27FC236}">
+                <a16:creationId xmlns:a16="http://schemas.microsoft.com/office/drawing/2014/main" id="{5101FA16-997A-1C4F-BE0A-EC6BD90DD26B}"/>
+              </a:ext>
+            </a:extLst>
+          </p:cNvPr>
+          <p:cNvCxnSpPr>
+            <a:cxnSpLocks/>
+          </p:cNvCxnSpPr>
           <p:nvPr/>
-        </p:nvSpPr>
-        <p:spPr>
-          <a:xfrm>
-            <a:off x="949411" y="0"/>
-            <a:ext cx="10515600" cy="1325563"/>
-          </a:xfrm>
-          <a:prstGeom prst="rect">
+        </p:nvCxnSpPr>
+        <p:spPr>
+          <a:xfrm flipV="1">
+            <a:off x="2959508" y="2580969"/>
+            <a:ext cx="0" cy="599766"/>
+          </a:xfrm>
+          <a:prstGeom prst="straightConnector1">
             <a:avLst/>
           </a:prstGeom>
-        </p:spPr>
-        <p:txBody>
-          <a:bodyPr vert="horz" lIns="91440" tIns="45720" rIns="91440" bIns="45720" rtlCol="0" anchor="ctr">
-            <a:normAutofit/>
-          </a:bodyPr>
-          <a:lstStyle>
-            <a:lvl1pPr algn="l" defTabSz="914400" rtl="0" eaLnBrk="1" latinLnBrk="0" hangingPunct="1">
-              <a:lnSpc>
-                <a:spcPct val="90000"/>
-              </a:lnSpc>
-              <a:spcBef>
-                <a:spcPct val="0"/>
-              </a:spcBef>
-              <a:buNone/>
-              <a:defRPr sz="4400" kern="1200">
-                <a:solidFill>
-                  <a:schemeClr val="tx1"/>
-                </a:solidFill>
-                <a:latin typeface="+mj-lt"/>
-                <a:ea typeface="+mj-ea"/>
-                <a:cs typeface="+mj-cs"/>
-              </a:defRPr>
-            </a:lvl1pPr>
-          </a:lstStyle>
-          <a:p>
-            <a:r>
-              <a:rPr lang="en-DE"/>
-              <a:t>Partitioning climatic and biotic effects on GPP</a:t>
-            </a:r>
-            <a:endParaRPr lang="en-DE" dirty="0"/>
-          </a:p>
-        </p:txBody>
-      </p:sp>
+          <a:ln w="19050">
+            <a:solidFill>
+              <a:schemeClr val="accent1"/>
+            </a:solidFill>
+            <a:tailEnd type="triangle"/>
+          </a:ln>
+        </p:spPr>
+        <p:style>
+          <a:lnRef idx="1">
+            <a:schemeClr val="accent1"/>
+          </a:lnRef>
+          <a:fillRef idx="0">
+            <a:schemeClr val="accent1"/>
+          </a:fillRef>
+          <a:effectRef idx="0">
+            <a:schemeClr val="accent1"/>
+          </a:effectRef>
+          <a:fontRef idx="minor">
+            <a:schemeClr val="tx1"/>
+          </a:fontRef>
+        </p:style>
+      </p:cxnSp>
+      <mc:AlternateContent xmlns:mc="http://schemas.openxmlformats.org/markup-compatibility/2006">
+        <mc:Choice xmlns:a14="http://schemas.microsoft.com/office/drawing/2010/main" Requires="a14">
+          <p:sp>
+            <p:nvSpPr>
+              <p:cNvPr id="18" name="TextBox 17">
+                <a:extLst>
+                  <a:ext uri="{FF2B5EF4-FFF2-40B4-BE49-F238E27FC236}">
+                    <a16:creationId xmlns:a16="http://schemas.microsoft.com/office/drawing/2014/main" id="{EDFDD95E-B91B-F74C-A90D-9F0E4B9F66CD}"/>
+                  </a:ext>
+                </a:extLst>
+              </p:cNvPr>
+              <p:cNvSpPr txBox="1"/>
+              <p:nvPr/>
+            </p:nvSpPr>
+            <p:spPr>
+              <a:xfrm>
+                <a:off x="2212257" y="3089574"/>
+                <a:ext cx="1809135" cy="369332"/>
+              </a:xfrm>
+              <a:prstGeom prst="rect">
+                <a:avLst/>
+              </a:prstGeom>
+              <a:noFill/>
+            </p:spPr>
+            <p:txBody>
+              <a:bodyPr wrap="square" rtlCol="0">
+                <a:spAutoFit/>
+              </a:bodyPr>
+              <a:lstStyle/>
+              <a:p>
+                <a:r>
+                  <a:rPr lang="de-DE" dirty="0">
+                    <a:solidFill>
+                      <a:schemeClr val="accent1">
+                        <a:lumMod val="75000"/>
+                      </a:schemeClr>
+                    </a:solidFill>
+                  </a:rPr>
+                  <a:t>Modifiers </a:t>
+                </a:r>
+                <a:r>
+                  <a:rPr lang="de-DE" dirty="0" err="1">
+                    <a:solidFill>
+                      <a:schemeClr val="accent1">
+                        <a:lumMod val="75000"/>
+                      </a:schemeClr>
+                    </a:solidFill>
+                  </a:rPr>
+                  <a:t>for</a:t>
+                </a:r>
+                <a:r>
+                  <a:rPr lang="de-DE" dirty="0">
+                    <a:solidFill>
+                      <a:schemeClr val="accent1">
+                        <a:lumMod val="75000"/>
+                      </a:schemeClr>
+                    </a:solidFill>
+                  </a:rPr>
+                  <a:t> </a:t>
+                </a:r>
+                <a14:m>
+                  <m:oMath xmlns:m="http://schemas.openxmlformats.org/officeDocument/2006/math">
+                    <m:sSub>
+                      <m:sSubPr>
+                        <m:ctrlPr>
+                          <a:rPr lang="de-DE" i="1">
+                            <a:solidFill>
+                              <a:schemeClr val="accent1">
+                                <a:lumMod val="75000"/>
+                              </a:schemeClr>
+                            </a:solidFill>
+                            <a:latin typeface="Cambria Math" panose="02040503050406030204" pitchFamily="18" charset="0"/>
+                          </a:rPr>
+                        </m:ctrlPr>
+                      </m:sSubPr>
+                      <m:e>
+                        <m:r>
+                          <a:rPr lang="de-DE" i="1">
+                            <a:solidFill>
+                              <a:schemeClr val="accent1">
+                                <a:lumMod val="75000"/>
+                              </a:schemeClr>
+                            </a:solidFill>
+                            <a:latin typeface="Cambria Math" panose="02040503050406030204" pitchFamily="18" charset="0"/>
+                            <a:ea typeface="Cambria Math" panose="02040503050406030204" pitchFamily="18" charset="0"/>
+                          </a:rPr>
+                          <m:t>𝛽</m:t>
+                        </m:r>
+                      </m:e>
+                      <m:sub>
+                        <m:r>
+                          <a:rPr lang="de-DE" i="1">
+                            <a:solidFill>
+                              <a:schemeClr val="accent1">
+                                <a:lumMod val="75000"/>
+                              </a:schemeClr>
+                            </a:solidFill>
+                            <a:latin typeface="Cambria Math" panose="02040503050406030204" pitchFamily="18" charset="0"/>
+                          </a:rPr>
+                          <m:t>𝑃</m:t>
+                        </m:r>
+                      </m:sub>
+                    </m:sSub>
+                  </m:oMath>
+                </a14:m>
+                <a:endParaRPr lang="en-DE" dirty="0">
+                  <a:solidFill>
+                    <a:schemeClr val="accent1">
+                      <a:lumMod val="75000"/>
+                    </a:schemeClr>
+                  </a:solidFill>
+                </a:endParaRPr>
+              </a:p>
+            </p:txBody>
+          </p:sp>
+        </mc:Choice>
+        <mc:Fallback>
+          <p:sp>
+            <p:nvSpPr>
+              <p:cNvPr id="18" name="TextBox 17">
+                <a:extLst>
+                  <a:ext uri="{FF2B5EF4-FFF2-40B4-BE49-F238E27FC236}">
+                    <a16:creationId xmlns:a16="http://schemas.microsoft.com/office/drawing/2014/main" id="{EDFDD95E-B91B-F74C-A90D-9F0E4B9F66CD}"/>
+                  </a:ext>
+                </a:extLst>
+              </p:cNvPr>
+              <p:cNvSpPr txBox="1">
+                <a:spLocks noRot="1" noChangeAspect="1" noMove="1" noResize="1" noEditPoints="1" noAdjustHandles="1" noChangeArrowheads="1" noChangeShapeType="1" noTextEdit="1"/>
+              </p:cNvSpPr>
+              <p:nvPr/>
+            </p:nvSpPr>
+            <p:spPr>
+              <a:xfrm>
+                <a:off x="2212257" y="3089574"/>
+                <a:ext cx="1809135" cy="369332"/>
+              </a:xfrm>
+              <a:prstGeom prst="rect">
+                <a:avLst/>
+              </a:prstGeom>
+              <a:blipFill>
+                <a:blip r:embed="rId3"/>
+                <a:stretch>
+                  <a:fillRect l="-3497" t="-10000" b="-26667"/>
+                </a:stretch>
+              </a:blipFill>
+            </p:spPr>
+            <p:txBody>
+              <a:bodyPr/>
+              <a:lstStyle/>
+              <a:p>
+                <a:r>
+                  <a:rPr lang="en-DE">
+                    <a:noFill/>
+                  </a:rPr>
+                  <a:t> </a:t>
+                </a:r>
+              </a:p>
+            </p:txBody>
+          </p:sp>
+        </mc:Fallback>
+      </mc:AlternateContent>
     </p:spTree>
     <p:extLst>
       <p:ext uri="{BB962C8B-B14F-4D97-AF65-F5344CB8AC3E}">
-        <p14:creationId xmlns:p14="http://schemas.microsoft.com/office/powerpoint/2010/main" val="267855705"/>
+        <p14:creationId xmlns:p14="http://schemas.microsoft.com/office/powerpoint/2010/main" val="222261196"/>
       </p:ext>
     </p:extLst>
   </p:cSld>
@@ -4714,185 +9912,775 @@
           <a:chExt cx="0" cy="0"/>
         </a:xfrm>
       </p:grpSpPr>
-      <p:pic>
-        <p:nvPicPr>
-          <p:cNvPr id="6" name="Picture 5" descr="Chart, histogram&#10;&#10;Description automatically generated">
-            <a:extLst>
-              <a:ext uri="{FF2B5EF4-FFF2-40B4-BE49-F238E27FC236}">
-                <a16:creationId xmlns:a16="http://schemas.microsoft.com/office/drawing/2014/main" id="{ED6E21D4-6260-4548-B4EF-F6B74CF2B804}"/>
-              </a:ext>
-            </a:extLst>
-          </p:cNvPr>
-          <p:cNvPicPr>
-            <a:picLocks noChangeAspect="1"/>
-          </p:cNvPicPr>
+      <p:sp>
+        <p:nvSpPr>
+          <p:cNvPr id="2" name="Title 1">
+            <a:extLst>
+              <a:ext uri="{FF2B5EF4-FFF2-40B4-BE49-F238E27FC236}">
+                <a16:creationId xmlns:a16="http://schemas.microsoft.com/office/drawing/2014/main" id="{284FF2F7-29B9-F440-9620-2E9432410183}"/>
+              </a:ext>
+            </a:extLst>
+          </p:cNvPr>
+          <p:cNvSpPr>
+            <a:spLocks noGrp="1"/>
+          </p:cNvSpPr>
+          <p:nvPr>
+            <p:ph type="title"/>
+          </p:nvPr>
+        </p:nvSpPr>
+        <p:spPr>
+          <a:xfrm>
+            <a:off x="0" y="0"/>
+            <a:ext cx="10515600" cy="1325563"/>
+          </a:xfrm>
+        </p:spPr>
+        <p:txBody>
+          <a:bodyPr/>
+          <a:lstStyle/>
+          <a:p>
+            <a:r>
+              <a:rPr lang="en-DE" dirty="0"/>
+              <a:t>Process-based modeling of the gross primary productivity: PRELES</a:t>
+            </a:r>
+          </a:p>
+        </p:txBody>
+      </p:sp>
+      <p:sp>
+        <p:nvSpPr>
+          <p:cNvPr id="3" name="Rounded Rectangle 2">
+            <a:extLst>
+              <a:ext uri="{FF2B5EF4-FFF2-40B4-BE49-F238E27FC236}">
+                <a16:creationId xmlns:a16="http://schemas.microsoft.com/office/drawing/2014/main" id="{40735302-6325-4543-AAF8-9A6BDCF3323E}"/>
+              </a:ext>
+            </a:extLst>
+          </p:cNvPr>
+          <p:cNvSpPr/>
           <p:nvPr/>
-        </p:nvPicPr>
-        <p:blipFill>
-          <a:blip r:embed="rId2"/>
-          <a:stretch>
-            <a:fillRect/>
-          </a:stretch>
-        </p:blipFill>
+        </p:nvSpPr>
         <p:spPr>
           <a:xfrm>
-            <a:off x="1653550" y="1405249"/>
-            <a:ext cx="3474652" cy="2602784"/>
+            <a:off x="5132441" y="1897627"/>
+            <a:ext cx="2418734" cy="1081548"/>
+          </a:xfrm>
+          <a:prstGeom prst="roundRect">
+            <a:avLst/>
+          </a:prstGeom>
+          <a:solidFill>
+            <a:schemeClr val="bg2">
+              <a:lumMod val="75000"/>
+            </a:schemeClr>
+          </a:solidFill>
+          <a:ln>
+            <a:solidFill>
+              <a:schemeClr val="tx1"/>
+            </a:solidFill>
+          </a:ln>
+        </p:spPr>
+        <p:style>
+          <a:lnRef idx="2">
+            <a:schemeClr val="accent1">
+              <a:shade val="50000"/>
+            </a:schemeClr>
+          </a:lnRef>
+          <a:fillRef idx="1">
+            <a:schemeClr val="accent1"/>
+          </a:fillRef>
+          <a:effectRef idx="0">
+            <a:schemeClr val="accent1"/>
+          </a:effectRef>
+          <a:fontRef idx="minor">
+            <a:schemeClr val="lt1"/>
+          </a:fontRef>
+        </p:style>
+        <p:txBody>
+          <a:bodyPr rtlCol="0" anchor="ctr"/>
+          <a:lstStyle/>
+          <a:p>
+            <a:pPr algn="ctr"/>
+            <a:r>
+              <a:rPr lang="en-DE" dirty="0"/>
+              <a:t>Light-use efficiency (P) </a:t>
+            </a:r>
+          </a:p>
+        </p:txBody>
+      </p:sp>
+      <p:sp>
+        <p:nvSpPr>
+          <p:cNvPr id="4" name="Rounded Rectangle 3">
+            <a:extLst>
+              <a:ext uri="{FF2B5EF4-FFF2-40B4-BE49-F238E27FC236}">
+                <a16:creationId xmlns:a16="http://schemas.microsoft.com/office/drawing/2014/main" id="{2FBEA962-F164-F24B-BF6F-E50950057D78}"/>
+              </a:ext>
+            </a:extLst>
+          </p:cNvPr>
+          <p:cNvSpPr/>
+          <p:nvPr/>
+        </p:nvSpPr>
+        <p:spPr>
+          <a:xfrm>
+            <a:off x="5132441" y="3751008"/>
+            <a:ext cx="2418734" cy="1081548"/>
+          </a:xfrm>
+          <a:prstGeom prst="roundRect">
+            <a:avLst/>
+          </a:prstGeom>
+          <a:solidFill>
+            <a:schemeClr val="bg2">
+              <a:lumMod val="75000"/>
+            </a:schemeClr>
+          </a:solidFill>
+          <a:ln>
+            <a:solidFill>
+              <a:schemeClr val="tx1"/>
+            </a:solidFill>
+          </a:ln>
+        </p:spPr>
+        <p:style>
+          <a:lnRef idx="2">
+            <a:schemeClr val="accent1">
+              <a:shade val="50000"/>
+            </a:schemeClr>
+          </a:lnRef>
+          <a:fillRef idx="1">
+            <a:schemeClr val="accent1"/>
+          </a:fillRef>
+          <a:effectRef idx="0">
+            <a:schemeClr val="accent1"/>
+          </a:effectRef>
+          <a:fontRef idx="minor">
+            <a:schemeClr val="lt1"/>
+          </a:fontRef>
+        </p:style>
+        <p:txBody>
+          <a:bodyPr rtlCol="0" anchor="ctr"/>
+          <a:lstStyle/>
+          <a:p>
+            <a:pPr algn="ctr"/>
+            <a:r>
+              <a:rPr lang="en-DE" dirty="0"/>
+              <a:t>Soil water content (SW)</a:t>
+            </a:r>
+          </a:p>
+        </p:txBody>
+      </p:sp>
+      <p:sp>
+        <p:nvSpPr>
+          <p:cNvPr id="5" name="Rounded Rectangle 4">
+            <a:extLst>
+              <a:ext uri="{FF2B5EF4-FFF2-40B4-BE49-F238E27FC236}">
+                <a16:creationId xmlns:a16="http://schemas.microsoft.com/office/drawing/2014/main" id="{AD3E7581-43C0-1346-89BF-27D23D7A1FEE}"/>
+              </a:ext>
+            </a:extLst>
+          </p:cNvPr>
+          <p:cNvSpPr/>
+          <p:nvPr/>
+        </p:nvSpPr>
+        <p:spPr>
+          <a:xfrm>
+            <a:off x="9030928" y="1897627"/>
+            <a:ext cx="2418733" cy="1081548"/>
+          </a:xfrm>
+          <a:prstGeom prst="roundRect">
+            <a:avLst/>
+          </a:prstGeom>
+          <a:solidFill>
+            <a:schemeClr val="bg2">
+              <a:lumMod val="75000"/>
+            </a:schemeClr>
+          </a:solidFill>
+          <a:ln>
+            <a:solidFill>
+              <a:schemeClr val="tx1"/>
+            </a:solidFill>
+          </a:ln>
+        </p:spPr>
+        <p:style>
+          <a:lnRef idx="2">
+            <a:schemeClr val="accent1">
+              <a:shade val="50000"/>
+            </a:schemeClr>
+          </a:lnRef>
+          <a:fillRef idx="1">
+            <a:schemeClr val="accent1"/>
+          </a:fillRef>
+          <a:effectRef idx="0">
+            <a:schemeClr val="accent1"/>
+          </a:effectRef>
+          <a:fontRef idx="minor">
+            <a:schemeClr val="lt1"/>
+          </a:fontRef>
+        </p:style>
+        <p:txBody>
+          <a:bodyPr rtlCol="0" anchor="ctr"/>
+          <a:lstStyle/>
+          <a:p>
+            <a:pPr algn="ctr"/>
+            <a:r>
+              <a:rPr lang="en-DE" dirty="0"/>
+              <a:t>Evapotranspiration (ET)</a:t>
+            </a:r>
+          </a:p>
+        </p:txBody>
+      </p:sp>
+      <p:cxnSp>
+        <p:nvCxnSpPr>
+          <p:cNvPr id="7" name="Straight Arrow Connector 6">
+            <a:extLst>
+              <a:ext uri="{FF2B5EF4-FFF2-40B4-BE49-F238E27FC236}">
+                <a16:creationId xmlns:a16="http://schemas.microsoft.com/office/drawing/2014/main" id="{8992D967-3A7A-724A-8490-5A8BCAC45FD5}"/>
+              </a:ext>
+            </a:extLst>
+          </p:cNvPr>
+          <p:cNvCxnSpPr/>
+          <p:nvPr/>
+        </p:nvCxnSpPr>
+        <p:spPr>
+          <a:xfrm>
+            <a:off x="7737988" y="2448233"/>
+            <a:ext cx="1061884" cy="0"/>
+          </a:xfrm>
+          <a:prstGeom prst="straightConnector1">
+            <a:avLst/>
+          </a:prstGeom>
+          <a:ln w="19050">
+            <a:solidFill>
+              <a:schemeClr val="tx1"/>
+            </a:solidFill>
+            <a:tailEnd type="triangle"/>
+          </a:ln>
+        </p:spPr>
+        <p:style>
+          <a:lnRef idx="1">
+            <a:schemeClr val="accent1"/>
+          </a:lnRef>
+          <a:fillRef idx="0">
+            <a:schemeClr val="accent1"/>
+          </a:fillRef>
+          <a:effectRef idx="0">
+            <a:schemeClr val="accent1"/>
+          </a:effectRef>
+          <a:fontRef idx="minor">
+            <a:schemeClr val="tx1"/>
+          </a:fontRef>
+        </p:style>
+      </p:cxnSp>
+      <p:cxnSp>
+        <p:nvCxnSpPr>
+          <p:cNvPr id="8" name="Straight Arrow Connector 7">
+            <a:extLst>
+              <a:ext uri="{FF2B5EF4-FFF2-40B4-BE49-F238E27FC236}">
+                <a16:creationId xmlns:a16="http://schemas.microsoft.com/office/drawing/2014/main" id="{35DA12BE-B545-F343-A3C4-484705E68C76}"/>
+              </a:ext>
+            </a:extLst>
+          </p:cNvPr>
+          <p:cNvCxnSpPr>
+            <a:cxnSpLocks/>
+          </p:cNvCxnSpPr>
+          <p:nvPr/>
+        </p:nvCxnSpPr>
+        <p:spPr>
+          <a:xfrm flipV="1">
+            <a:off x="6322143" y="3077499"/>
+            <a:ext cx="0" cy="599766"/>
+          </a:xfrm>
+          <a:prstGeom prst="straightConnector1">
+            <a:avLst/>
+          </a:prstGeom>
+          <a:ln w="19050">
+            <a:solidFill>
+              <a:schemeClr val="tx1"/>
+            </a:solidFill>
+            <a:tailEnd type="triangle"/>
+          </a:ln>
+        </p:spPr>
+        <p:style>
+          <a:lnRef idx="1">
+            <a:schemeClr val="accent1"/>
+          </a:lnRef>
+          <a:fillRef idx="0">
+            <a:schemeClr val="accent1"/>
+          </a:fillRef>
+          <a:effectRef idx="0">
+            <a:schemeClr val="accent1"/>
+          </a:effectRef>
+          <a:fontRef idx="minor">
+            <a:schemeClr val="tx1"/>
+          </a:fontRef>
+        </p:style>
+      </p:cxnSp>
+      <p:cxnSp>
+        <p:nvCxnSpPr>
+          <p:cNvPr id="15" name="Straight Arrow Connector 14">
+            <a:extLst>
+              <a:ext uri="{FF2B5EF4-FFF2-40B4-BE49-F238E27FC236}">
+                <a16:creationId xmlns:a16="http://schemas.microsoft.com/office/drawing/2014/main" id="{C96B68AA-B06C-5B40-A987-DB8FBA9ED5D2}"/>
+              </a:ext>
+            </a:extLst>
+          </p:cNvPr>
+          <p:cNvCxnSpPr/>
+          <p:nvPr/>
+        </p:nvCxnSpPr>
+        <p:spPr>
+          <a:xfrm flipH="1">
+            <a:off x="7737988" y="3077499"/>
+            <a:ext cx="2241755" cy="1199534"/>
+          </a:xfrm>
+          <a:prstGeom prst="straightConnector1">
+            <a:avLst/>
+          </a:prstGeom>
+          <a:ln w="19050">
+            <a:solidFill>
+              <a:schemeClr val="tx1"/>
+            </a:solidFill>
+            <a:headEnd type="triangle"/>
+            <a:tailEnd type="triangle"/>
+          </a:ln>
+        </p:spPr>
+        <p:style>
+          <a:lnRef idx="1">
+            <a:schemeClr val="accent1"/>
+          </a:lnRef>
+          <a:fillRef idx="0">
+            <a:schemeClr val="accent1"/>
+          </a:fillRef>
+          <a:effectRef idx="0">
+            <a:schemeClr val="accent1"/>
+          </a:effectRef>
+          <a:fontRef idx="minor">
+            <a:schemeClr val="tx1"/>
+          </a:fontRef>
+        </p:style>
+      </p:cxnSp>
+      <mc:AlternateContent xmlns:mc="http://schemas.openxmlformats.org/markup-compatibility/2006">
+        <mc:Choice xmlns:a14="http://schemas.microsoft.com/office/drawing/2010/main" Requires="a14">
+          <p:sp>
+            <p:nvSpPr>
+              <p:cNvPr id="16" name="TextBox 15">
+                <a:extLst>
+                  <a:ext uri="{FF2B5EF4-FFF2-40B4-BE49-F238E27FC236}">
+                    <a16:creationId xmlns:a16="http://schemas.microsoft.com/office/drawing/2014/main" id="{282E0CD7-DD60-7F4A-9434-075757107EB8}"/>
+                  </a:ext>
+                </a:extLst>
+              </p:cNvPr>
+              <p:cNvSpPr txBox="1"/>
+              <p:nvPr/>
+            </p:nvSpPr>
+            <p:spPr>
+              <a:xfrm>
+                <a:off x="353962" y="2136940"/>
+                <a:ext cx="3480619" cy="602922"/>
+              </a:xfrm>
+              <a:prstGeom prst="rect">
+                <a:avLst/>
+              </a:prstGeom>
+              <a:noFill/>
+            </p:spPr>
+            <p:txBody>
+              <a:bodyPr wrap="square" rtlCol="0">
+                <a:spAutoFit/>
+              </a:bodyPr>
+              <a:lstStyle/>
+              <a:p>
+                <a14:m>
+                  <m:oMathPara xmlns:m="http://schemas.openxmlformats.org/officeDocument/2006/math">
+                    <m:oMathParaPr>
+                      <m:jc m:val="centerGroup"/>
+                    </m:oMathParaPr>
+                    <m:oMath xmlns:m="http://schemas.openxmlformats.org/officeDocument/2006/math">
+                      <m:sSub>
+                        <m:sSubPr>
+                          <m:ctrlPr>
+                            <a:rPr lang="en-DE" i="1" smtClean="0">
+                              <a:latin typeface="Cambria Math" panose="02040503050406030204" pitchFamily="18" charset="0"/>
+                            </a:rPr>
+                          </m:ctrlPr>
+                        </m:sSubPr>
+                        <m:e>
+                          <m:r>
+                            <a:rPr lang="de-DE" b="0" i="1" smtClean="0">
+                              <a:latin typeface="Cambria Math" panose="02040503050406030204" pitchFamily="18" charset="0"/>
+                            </a:rPr>
+                            <m:t>𝑃</m:t>
+                          </m:r>
+                        </m:e>
+                        <m:sub>
+                          <m:r>
+                            <a:rPr lang="de-DE" b="0" i="1" smtClean="0">
+                              <a:latin typeface="Cambria Math" panose="02040503050406030204" pitchFamily="18" charset="0"/>
+                            </a:rPr>
+                            <m:t>𝑘</m:t>
+                          </m:r>
+                        </m:sub>
+                      </m:sSub>
+                      <m:r>
+                        <a:rPr lang="de-DE" b="0" i="1" smtClean="0">
+                          <a:latin typeface="Cambria Math" panose="02040503050406030204" pitchFamily="18" charset="0"/>
+                        </a:rPr>
+                        <m:t>=</m:t>
+                      </m:r>
+                      <m:sSub>
+                        <m:sSubPr>
+                          <m:ctrlPr>
+                            <a:rPr lang="de-DE" b="0" i="1" smtClean="0">
+                              <a:latin typeface="Cambria Math" panose="02040503050406030204" pitchFamily="18" charset="0"/>
+                            </a:rPr>
+                          </m:ctrlPr>
+                        </m:sSubPr>
+                        <m:e>
+                          <m:r>
+                            <a:rPr lang="de-DE" b="0" i="1" smtClean="0">
+                              <a:latin typeface="Cambria Math" panose="02040503050406030204" pitchFamily="18" charset="0"/>
+                              <a:ea typeface="Cambria Math" panose="02040503050406030204" pitchFamily="18" charset="0"/>
+                            </a:rPr>
+                            <m:t>𝛽</m:t>
+                          </m:r>
+                        </m:e>
+                        <m:sub>
+                          <m:r>
+                            <a:rPr lang="de-DE" b="0" i="1" smtClean="0">
+                              <a:latin typeface="Cambria Math" panose="02040503050406030204" pitchFamily="18" charset="0"/>
+                            </a:rPr>
+                            <m:t>𝑃</m:t>
+                          </m:r>
+                        </m:sub>
+                      </m:sSub>
+                      <m:sSub>
+                        <m:sSubPr>
+                          <m:ctrlPr>
+                            <a:rPr lang="de-DE" b="0" i="1" smtClean="0">
+                              <a:latin typeface="Cambria Math" panose="02040503050406030204" pitchFamily="18" charset="0"/>
+                            </a:rPr>
+                          </m:ctrlPr>
+                        </m:sSubPr>
+                        <m:e>
+                          <m:r>
+                            <a:rPr lang="de-DE" b="0" i="1" smtClean="0">
+                              <a:latin typeface="Cambria Math" panose="02040503050406030204" pitchFamily="18" charset="0"/>
+                              <a:ea typeface="Cambria Math" panose="02040503050406030204" pitchFamily="18" charset="0"/>
+                            </a:rPr>
+                            <m:t>𝜑</m:t>
+                          </m:r>
+                        </m:e>
+                        <m:sub>
+                          <m:r>
+                            <a:rPr lang="de-DE" b="0" i="1" smtClean="0">
+                              <a:latin typeface="Cambria Math" panose="02040503050406030204" pitchFamily="18" charset="0"/>
+                            </a:rPr>
+                            <m:t>𝑘</m:t>
+                          </m:r>
+                        </m:sub>
+                      </m:sSub>
+                      <m:sSub>
+                        <m:sSubPr>
+                          <m:ctrlPr>
+                            <a:rPr lang="de-DE" b="0" i="1" smtClean="0">
+                              <a:latin typeface="Cambria Math" panose="02040503050406030204" pitchFamily="18" charset="0"/>
+                            </a:rPr>
+                          </m:ctrlPr>
+                        </m:sSubPr>
+                        <m:e>
+                          <m:r>
+                            <a:rPr lang="de-DE" b="0" i="1" smtClean="0">
+                              <a:latin typeface="Cambria Math" panose="02040503050406030204" pitchFamily="18" charset="0"/>
+                            </a:rPr>
+                            <m:t>𝑓</m:t>
+                          </m:r>
+                        </m:e>
+                        <m:sub>
+                          <m:r>
+                            <a:rPr lang="de-DE" b="0" i="1" smtClean="0">
+                              <a:latin typeface="Cambria Math" panose="02040503050406030204" pitchFamily="18" charset="0"/>
+                            </a:rPr>
+                            <m:t>𝑎</m:t>
+                          </m:r>
+                          <m:r>
+                            <a:rPr lang="de-DE" b="0" i="1" smtClean="0">
+                              <a:latin typeface="Cambria Math" panose="02040503050406030204" pitchFamily="18" charset="0"/>
+                              <a:ea typeface="Cambria Math" panose="02040503050406030204" pitchFamily="18" charset="0"/>
+                            </a:rPr>
+                            <m:t>𝜑</m:t>
+                          </m:r>
+                        </m:sub>
+                      </m:sSub>
+                      <m:nary>
+                        <m:naryPr>
+                          <m:chr m:val="∏"/>
+                          <m:limLoc m:val="subSup"/>
+                          <m:supHide m:val="on"/>
+                          <m:ctrlPr>
+                            <a:rPr lang="de-DE" b="0" i="1" smtClean="0">
+                              <a:latin typeface="Cambria Math" panose="02040503050406030204" pitchFamily="18" charset="0"/>
+                            </a:rPr>
+                          </m:ctrlPr>
+                        </m:naryPr>
+                        <m:sub>
+                          <m:r>
+                            <m:rPr>
+                              <m:brk m:alnAt="9"/>
+                            </m:rPr>
+                            <a:rPr lang="de-DE" b="0" i="1" smtClean="0">
+                              <a:latin typeface="Cambria Math" panose="02040503050406030204" pitchFamily="18" charset="0"/>
+                            </a:rPr>
+                            <m:t>𝑖</m:t>
+                          </m:r>
+                        </m:sub>
+                        <m:sup/>
+                        <m:e>
+                          <m:sSub>
+                            <m:sSubPr>
+                              <m:ctrlPr>
+                                <a:rPr lang="de-DE" b="0" i="1" smtClean="0">
+                                  <a:latin typeface="Cambria Math" panose="02040503050406030204" pitchFamily="18" charset="0"/>
+                                </a:rPr>
+                              </m:ctrlPr>
+                            </m:sSubPr>
+                            <m:e>
+                              <m:r>
+                                <a:rPr lang="de-DE" b="0" i="1" smtClean="0">
+                                  <a:latin typeface="Cambria Math" panose="02040503050406030204" pitchFamily="18" charset="0"/>
+                                </a:rPr>
+                                <m:t>𝑓</m:t>
+                              </m:r>
+                            </m:e>
+                            <m:sub>
+                              <m:r>
+                                <a:rPr lang="de-DE" b="0" i="1" smtClean="0">
+                                  <a:latin typeface="Cambria Math" panose="02040503050406030204" pitchFamily="18" charset="0"/>
+                                </a:rPr>
+                                <m:t>𝑖</m:t>
+                              </m:r>
+                              <m:r>
+                                <a:rPr lang="de-DE" b="0" i="1" smtClean="0">
+                                  <a:latin typeface="Cambria Math" panose="02040503050406030204" pitchFamily="18" charset="0"/>
+                                </a:rPr>
+                                <m:t>,</m:t>
+                              </m:r>
+                              <m:r>
+                                <a:rPr lang="de-DE" b="0" i="1" smtClean="0">
+                                  <a:latin typeface="Cambria Math" panose="02040503050406030204" pitchFamily="18" charset="0"/>
+                                </a:rPr>
+                                <m:t>𝑘</m:t>
+                              </m:r>
+                            </m:sub>
+                          </m:sSub>
+                        </m:e>
+                      </m:nary>
+                    </m:oMath>
+                  </m:oMathPara>
+                </a14:m>
+                <a:endParaRPr lang="en-DE" dirty="0"/>
+              </a:p>
+            </p:txBody>
+          </p:sp>
+        </mc:Choice>
+        <mc:Fallback>
+          <p:sp>
+            <p:nvSpPr>
+              <p:cNvPr id="16" name="TextBox 15">
+                <a:extLst>
+                  <a:ext uri="{FF2B5EF4-FFF2-40B4-BE49-F238E27FC236}">
+                    <a16:creationId xmlns:a16="http://schemas.microsoft.com/office/drawing/2014/main" id="{282E0CD7-DD60-7F4A-9434-075757107EB8}"/>
+                  </a:ext>
+                </a:extLst>
+              </p:cNvPr>
+              <p:cNvSpPr txBox="1">
+                <a:spLocks noRot="1" noChangeAspect="1" noMove="1" noResize="1" noEditPoints="1" noAdjustHandles="1" noChangeArrowheads="1" noChangeShapeType="1" noTextEdit="1"/>
+              </p:cNvSpPr>
+              <p:nvPr/>
+            </p:nvSpPr>
+            <p:spPr>
+              <a:xfrm>
+                <a:off x="353962" y="2136940"/>
+                <a:ext cx="3480619" cy="602922"/>
+              </a:xfrm>
+              <a:prstGeom prst="rect">
+                <a:avLst/>
+              </a:prstGeom>
+              <a:blipFill>
+                <a:blip r:embed="rId2"/>
+                <a:stretch>
+                  <a:fillRect t="-164583" b="-235417"/>
+                </a:stretch>
+              </a:blipFill>
+            </p:spPr>
+            <p:txBody>
+              <a:bodyPr/>
+              <a:lstStyle/>
+              <a:p>
+                <a:r>
+                  <a:rPr lang="en-DE">
+                    <a:noFill/>
+                  </a:rPr>
+                  <a:t> </a:t>
+                </a:r>
+              </a:p>
+            </p:txBody>
+          </p:sp>
+        </mc:Fallback>
+      </mc:AlternateContent>
+      <p:sp>
+        <p:nvSpPr>
+          <p:cNvPr id="18" name="TextBox 17">
+            <a:extLst>
+              <a:ext uri="{FF2B5EF4-FFF2-40B4-BE49-F238E27FC236}">
+                <a16:creationId xmlns:a16="http://schemas.microsoft.com/office/drawing/2014/main" id="{EDFDD95E-B91B-F74C-A90D-9F0E4B9F66CD}"/>
+              </a:ext>
+            </a:extLst>
+          </p:cNvPr>
+          <p:cNvSpPr txBox="1"/>
+          <p:nvPr/>
+        </p:nvSpPr>
+        <p:spPr>
+          <a:xfrm>
+            <a:off x="629263" y="3429000"/>
+            <a:ext cx="3706759" cy="2308324"/>
           </a:xfrm>
           <a:prstGeom prst="rect">
             <a:avLst/>
           </a:prstGeom>
-        </p:spPr>
-      </p:pic>
-      <p:pic>
-        <p:nvPicPr>
-          <p:cNvPr id="8" name="Picture 7" descr="Chart, histogram&#10;&#10;Description automatically generated">
-            <a:extLst>
-              <a:ext uri="{FF2B5EF4-FFF2-40B4-BE49-F238E27FC236}">
-                <a16:creationId xmlns:a16="http://schemas.microsoft.com/office/drawing/2014/main" id="{8C0196F0-E654-4B46-BEBB-5380B4142518}"/>
-              </a:ext>
-            </a:extLst>
-          </p:cNvPr>
-          <p:cNvPicPr>
-            <a:picLocks noChangeAspect="1"/>
-          </p:cNvPicPr>
-          <p:nvPr/>
-        </p:nvPicPr>
-        <p:blipFill>
-          <a:blip r:embed="rId3"/>
-          <a:stretch>
-            <a:fillRect/>
-          </a:stretch>
-        </p:blipFill>
-        <p:spPr>
-          <a:xfrm>
-            <a:off x="6867953" y="1405250"/>
-            <a:ext cx="3474652" cy="2602784"/>
-          </a:xfrm>
-          <a:prstGeom prst="rect">
-            <a:avLst/>
-          </a:prstGeom>
-        </p:spPr>
-      </p:pic>
-      <p:pic>
-        <p:nvPicPr>
-          <p:cNvPr id="10" name="Picture 9" descr="Chart, line chart, histogram&#10;&#10;Description automatically generated">
-            <a:extLst>
-              <a:ext uri="{FF2B5EF4-FFF2-40B4-BE49-F238E27FC236}">
-                <a16:creationId xmlns:a16="http://schemas.microsoft.com/office/drawing/2014/main" id="{BE95CDB5-EA93-EC42-86BA-A011C03F545F}"/>
-              </a:ext>
-            </a:extLst>
-          </p:cNvPr>
-          <p:cNvPicPr>
-            <a:picLocks noChangeAspect="1"/>
-          </p:cNvPicPr>
-          <p:nvPr/>
-        </p:nvPicPr>
-        <p:blipFill>
-          <a:blip r:embed="rId4"/>
-          <a:stretch>
-            <a:fillRect/>
-          </a:stretch>
-        </p:blipFill>
-        <p:spPr>
-          <a:xfrm>
-            <a:off x="6867953" y="3971835"/>
-            <a:ext cx="3474652" cy="2578992"/>
-          </a:xfrm>
-          <a:prstGeom prst="rect">
-            <a:avLst/>
-          </a:prstGeom>
-        </p:spPr>
-      </p:pic>
-      <p:pic>
-        <p:nvPicPr>
-          <p:cNvPr id="12" name="Picture 11" descr="Chart, line chart, histogram&#10;&#10;Description automatically generated">
-            <a:extLst>
-              <a:ext uri="{FF2B5EF4-FFF2-40B4-BE49-F238E27FC236}">
-                <a16:creationId xmlns:a16="http://schemas.microsoft.com/office/drawing/2014/main" id="{35EF0732-F57C-AC4A-9106-0F6F55A9B178}"/>
-              </a:ext>
-            </a:extLst>
-          </p:cNvPr>
-          <p:cNvPicPr>
-            <a:picLocks noChangeAspect="1"/>
-          </p:cNvPicPr>
-          <p:nvPr/>
-        </p:nvPicPr>
-        <p:blipFill>
-          <a:blip r:embed="rId5"/>
-          <a:stretch>
-            <a:fillRect/>
-          </a:stretch>
-        </p:blipFill>
-        <p:spPr>
-          <a:xfrm>
-            <a:off x="1714980" y="3971835"/>
-            <a:ext cx="3413222" cy="2533397"/>
-          </a:xfrm>
-          <a:prstGeom prst="rect">
-            <a:avLst/>
-          </a:prstGeom>
-        </p:spPr>
-      </p:pic>
-      <p:sp>
-        <p:nvSpPr>
-          <p:cNvPr id="15" name="Title 1">
-            <a:extLst>
-              <a:ext uri="{FF2B5EF4-FFF2-40B4-BE49-F238E27FC236}">
-                <a16:creationId xmlns:a16="http://schemas.microsoft.com/office/drawing/2014/main" id="{9BE8383A-01A3-1D43-A3D4-5FADCC701ED0}"/>
-              </a:ext>
-            </a:extLst>
-          </p:cNvPr>
-          <p:cNvSpPr txBox="1">
-            <a:spLocks/>
-          </p:cNvSpPr>
-          <p:nvPr/>
-        </p:nvSpPr>
-        <p:spPr>
-          <a:xfrm>
-            <a:off x="949411" y="0"/>
-            <a:ext cx="10515600" cy="1325563"/>
-          </a:xfrm>
-          <a:prstGeom prst="rect">
-            <a:avLst/>
-          </a:prstGeom>
-        </p:spPr>
-        <p:txBody>
-          <a:bodyPr vert="horz" lIns="91440" tIns="45720" rIns="91440" bIns="45720" rtlCol="0" anchor="ctr">
-            <a:normAutofit/>
+          <a:noFill/>
+        </p:spPr>
+        <p:txBody>
+          <a:bodyPr wrap="square" rtlCol="0">
+            <a:spAutoFit/>
           </a:bodyPr>
-          <a:lstStyle>
-            <a:lvl1pPr algn="l" defTabSz="914400" rtl="0" eaLnBrk="1" latinLnBrk="0" hangingPunct="1">
-              <a:lnSpc>
-                <a:spcPct val="90000"/>
-              </a:lnSpc>
-              <a:spcBef>
-                <a:spcPct val="0"/>
-              </a:spcBef>
-              <a:buNone/>
-              <a:defRPr sz="4400" kern="1200">
+          <a:lstStyle/>
+          <a:p>
+            <a:r>
+              <a:rPr lang="de-DE" dirty="0"/>
+              <a:t>30</a:t>
+            </a:r>
+            <a:r>
+              <a:rPr lang="de-DE" dirty="0">
                 <a:solidFill>
-                  <a:schemeClr val="tx1"/>
+                  <a:schemeClr val="accent1">
+                    <a:lumMod val="75000"/>
+                  </a:schemeClr>
                 </a:solidFill>
-                <a:latin typeface="+mj-lt"/>
-                <a:ea typeface="+mj-ea"/>
-                <a:cs typeface="+mj-cs"/>
-              </a:defRPr>
-            </a:lvl1pPr>
-          </a:lstStyle>
-          <a:p>
-            <a:r>
-              <a:rPr lang="en-DE"/>
-              <a:t>Partitioning climatic and biotic effects on GPP</a:t>
-            </a:r>
-            <a:endParaRPr lang="en-DE" dirty="0"/>
+              </a:rPr>
+              <a:t> </a:t>
+            </a:r>
+            <a:r>
+              <a:rPr lang="de-DE" dirty="0">
+                <a:solidFill>
+                  <a:schemeClr val="accent1"/>
+                </a:solidFill>
+              </a:rPr>
+              <a:t>Parameters</a:t>
+            </a:r>
+            <a:r>
+              <a:rPr lang="de-DE" dirty="0">
+                <a:solidFill>
+                  <a:schemeClr val="accent1">
+                    <a:lumMod val="75000"/>
+                  </a:schemeClr>
+                </a:solidFill>
+              </a:rPr>
+              <a:t> </a:t>
+            </a:r>
+            <a:r>
+              <a:rPr lang="de-DE" dirty="0" err="1"/>
+              <a:t>and</a:t>
+            </a:r>
+            <a:r>
+              <a:rPr lang="de-DE" dirty="0"/>
+              <a:t> </a:t>
+            </a:r>
+            <a:r>
+              <a:rPr lang="en-DE" dirty="0"/>
+              <a:t>5</a:t>
+            </a:r>
+            <a:r>
+              <a:rPr lang="en-DE" dirty="0">
+                <a:solidFill>
+                  <a:schemeClr val="accent1">
+                    <a:lumMod val="75000"/>
+                  </a:schemeClr>
+                </a:solidFill>
+              </a:rPr>
+              <a:t> </a:t>
+            </a:r>
+            <a:r>
+              <a:rPr lang="en-DE" dirty="0">
+                <a:solidFill>
+                  <a:schemeClr val="accent6">
+                    <a:lumMod val="75000"/>
+                  </a:schemeClr>
+                </a:solidFill>
+              </a:rPr>
+              <a:t>climatic input variables</a:t>
+            </a:r>
+            <a:r>
+              <a:rPr lang="en-DE" dirty="0">
+                <a:solidFill>
+                  <a:schemeClr val="accent1">
+                    <a:lumMod val="75000"/>
+                  </a:schemeClr>
+                </a:solidFill>
+              </a:rPr>
+              <a:t>:</a:t>
+            </a:r>
+          </a:p>
+          <a:p>
+            <a:r>
+              <a:rPr lang="en-DE" dirty="0">
+                <a:solidFill>
+                  <a:schemeClr val="accent1">
+                    <a:lumMod val="75000"/>
+                  </a:schemeClr>
+                </a:solidFill>
+              </a:rPr>
+              <a:t>	</a:t>
+            </a:r>
+            <a:r>
+              <a:rPr lang="en-DE" dirty="0"/>
+              <a:t>T</a:t>
+            </a:r>
+            <a:r>
+              <a:rPr lang="en-GB" dirty="0"/>
+              <a:t>a</a:t>
+            </a:r>
+            <a:r>
+              <a:rPr lang="en-DE" dirty="0"/>
+              <a:t>ir</a:t>
+            </a:r>
+          </a:p>
+          <a:p>
+            <a:r>
+              <a:rPr lang="en-DE" dirty="0"/>
+              <a:t>	Precip</a:t>
+            </a:r>
+          </a:p>
+          <a:p>
+            <a:r>
+              <a:rPr lang="en-DE" dirty="0"/>
+              <a:t>	PAR</a:t>
+            </a:r>
+          </a:p>
+          <a:p>
+            <a:r>
+              <a:rPr lang="en-DE" dirty="0"/>
+              <a:t>	fAPAR</a:t>
+            </a:r>
+          </a:p>
+          <a:p>
+            <a:r>
+              <a:rPr lang="en-DE" dirty="0"/>
+              <a:t>	VPD</a:t>
+            </a:r>
+          </a:p>
+          <a:p>
+            <a:r>
+              <a:rPr lang="en-DE" dirty="0"/>
+              <a:t>	(CO2)</a:t>
+            </a:r>
           </a:p>
         </p:txBody>
       </p:sp>
     </p:spTree>
     <p:extLst>
       <p:ext uri="{BB962C8B-B14F-4D97-AF65-F5344CB8AC3E}">
-        <p14:creationId xmlns:p14="http://schemas.microsoft.com/office/powerpoint/2010/main" val="1523367398"/>
+        <p14:creationId xmlns:p14="http://schemas.microsoft.com/office/powerpoint/2010/main" val="1422863714"/>
       </p:ext>
     </p:extLst>
   </p:cSld>
